--- a/Presentazioni/TEDxLearn_part4.pptx
+++ b/Presentazioni/TEDxLearn_part4.pptx
@@ -278,16 +278,24 @@
   <pc:docChgLst>
     <pc:chgData name="FEDERICO CARRARA" userId="e93417db-f703-4389-ad82-be8964ade4b4" providerId="ADAL" clId="{B0C35DC0-643D-41F8-BCD4-7DCF006723BE}"/>
     <pc:docChg chg="modSld">
-      <pc:chgData name="FEDERICO CARRARA" userId="e93417db-f703-4389-ad82-be8964ade4b4" providerId="ADAL" clId="{B0C35DC0-643D-41F8-BCD4-7DCF006723BE}" dt="2024-06-24T09:17:15.604" v="3" actId="1035"/>
+      <pc:chgData name="FEDERICO CARRARA" userId="e93417db-f703-4389-ad82-be8964ade4b4" providerId="ADAL" clId="{B0C35DC0-643D-41F8-BCD4-7DCF006723BE}" dt="2024-06-26T13:40:34.765" v="10" actId="20577"/>
       <pc:docMkLst>
         <pc:docMk/>
       </pc:docMkLst>
       <pc:sldChg chg="modSp mod">
-        <pc:chgData name="FEDERICO CARRARA" userId="e93417db-f703-4389-ad82-be8964ade4b4" providerId="ADAL" clId="{B0C35DC0-643D-41F8-BCD4-7DCF006723BE}" dt="2024-06-24T09:17:15.604" v="3" actId="1035"/>
+        <pc:chgData name="FEDERICO CARRARA" userId="e93417db-f703-4389-ad82-be8964ade4b4" providerId="ADAL" clId="{B0C35DC0-643D-41F8-BCD4-7DCF006723BE}" dt="2024-06-26T13:40:34.765" v="10" actId="20577"/>
         <pc:sldMkLst>
           <pc:docMk/>
           <pc:sldMk cId="352873748" sldId="256"/>
         </pc:sldMkLst>
+        <pc:spChg chg="mod">
+          <ac:chgData name="FEDERICO CARRARA" userId="e93417db-f703-4389-ad82-be8964ade4b4" providerId="ADAL" clId="{B0C35DC0-643D-41F8-BCD4-7DCF006723BE}" dt="2024-06-26T13:40:34.765" v="10" actId="20577"/>
+          <ac:spMkLst>
+            <pc:docMk/>
+            <pc:sldMk cId="352873748" sldId="256"/>
+            <ac:spMk id="3" creationId="{B303866F-597B-692A-8D85-57336F239CA0}"/>
+          </ac:spMkLst>
+        </pc:spChg>
         <pc:picChg chg="mod">
           <ac:chgData name="FEDERICO CARRARA" userId="e93417db-f703-4389-ad82-be8964ade4b4" providerId="ADAL" clId="{B0C35DC0-643D-41F8-BCD4-7DCF006723BE}" dt="2024-06-24T09:17:15.604" v="3" actId="1035"/>
           <ac:picMkLst>
@@ -359,7 +367,7 @@
           <a:noFill/>
           <a:extLst>
             <a:ext uri="{909E8E84-426E-40dd-AFC4-6F175D3DCCD1}">
-              <a14:hiddenFill xmlns="" xmlns:a14="http://schemas.microsoft.com/office/drawing/2010/main">
+              <a14:hiddenFill xmlns:a14="http://schemas.microsoft.com/office/drawing/2010/main" xmlns="">
                 <a:solidFill>
                   <a:srgbClr val="FFFFFF"/>
                 </a:solidFill>
@@ -418,7 +426,7 @@
             </a:ln>
             <a:extLst>
               <a:ext uri="{91240B29-F687-4f45-9708-019B960494DF}">
-                <a14:hiddenLine xmlns="" xmlns:a14="http://schemas.microsoft.com/office/drawing/2010/main" w="9525">
+                <a14:hiddenLine xmlns:a14="http://schemas.microsoft.com/office/drawing/2010/main" xmlns="" w="9525">
                   <a:solidFill>
                     <a:srgbClr val="000000"/>
                   </a:solidFill>
@@ -508,7 +516,7 @@
             </a:ln>
             <a:extLst>
               <a:ext uri="{91240B29-F687-4f45-9708-019B960494DF}">
-                <a14:hiddenLine xmlns="" xmlns:a14="http://schemas.microsoft.com/office/drawing/2010/main" w="9525">
+                <a14:hiddenLine xmlns:a14="http://schemas.microsoft.com/office/drawing/2010/main" xmlns="" w="9525">
                   <a:solidFill>
                     <a:srgbClr val="000000"/>
                   </a:solidFill>
@@ -598,7 +606,7 @@
             </a:ln>
             <a:extLst>
               <a:ext uri="{91240B29-F687-4f45-9708-019B960494DF}">
-                <a14:hiddenLine xmlns="" xmlns:a14="http://schemas.microsoft.com/office/drawing/2010/main" w="9525">
+                <a14:hiddenLine xmlns:a14="http://schemas.microsoft.com/office/drawing/2010/main" xmlns="" w="9525">
                   <a:solidFill>
                     <a:srgbClr val="000000"/>
                   </a:solidFill>
@@ -632,7 +640,7 @@
             </a:ln>
             <a:extLst>
               <a:ext uri="{91240B29-F687-4f45-9708-019B960494DF}">
-                <a14:hiddenLine xmlns="" xmlns:a14="http://schemas.microsoft.com/office/drawing/2010/main" w="9525">
+                <a14:hiddenLine xmlns:a14="http://schemas.microsoft.com/office/drawing/2010/main" xmlns="" w="9525">
                   <a:solidFill>
                     <a:srgbClr val="000000"/>
                   </a:solidFill>
@@ -722,7 +730,7 @@
             </a:ln>
             <a:extLst>
               <a:ext uri="{91240B29-F687-4f45-9708-019B960494DF}">
-                <a14:hiddenLine xmlns="" xmlns:a14="http://schemas.microsoft.com/office/drawing/2010/main" w="9525">
+                <a14:hiddenLine xmlns:a14="http://schemas.microsoft.com/office/drawing/2010/main" xmlns="" w="9525">
                   <a:solidFill>
                     <a:srgbClr val="000000"/>
                   </a:solidFill>
@@ -784,7 +792,7 @@
             </a:ln>
             <a:extLst>
               <a:ext uri="{91240B29-F687-4f45-9708-019B960494DF}">
-                <a14:hiddenLine xmlns="" xmlns:a14="http://schemas.microsoft.com/office/drawing/2010/main" w="9525">
+                <a14:hiddenLine xmlns:a14="http://schemas.microsoft.com/office/drawing/2010/main" xmlns="" w="9525">
                   <a:solidFill>
                     <a:srgbClr val="000000"/>
                   </a:solidFill>
@@ -846,7 +854,7 @@
             </a:ln>
             <a:extLst>
               <a:ext uri="{91240B29-F687-4f45-9708-019B960494DF}">
-                <a14:hiddenLine xmlns="" xmlns:a14="http://schemas.microsoft.com/office/drawing/2010/main" w="9525">
+                <a14:hiddenLine xmlns:a14="http://schemas.microsoft.com/office/drawing/2010/main" xmlns="" w="9525">
                   <a:solidFill>
                     <a:srgbClr val="000000"/>
                   </a:solidFill>
@@ -936,7 +944,7 @@
             </a:ln>
             <a:extLst>
               <a:ext uri="{91240B29-F687-4f45-9708-019B960494DF}">
-                <a14:hiddenLine xmlns="" xmlns:a14="http://schemas.microsoft.com/office/drawing/2010/main" w="9525">
+                <a14:hiddenLine xmlns:a14="http://schemas.microsoft.com/office/drawing/2010/main" xmlns="" w="9525">
                   <a:solidFill>
                     <a:srgbClr val="000000"/>
                   </a:solidFill>
@@ -998,7 +1006,7 @@
             </a:ln>
             <a:extLst>
               <a:ext uri="{91240B29-F687-4f45-9708-019B960494DF}">
-                <a14:hiddenLine xmlns="" xmlns:a14="http://schemas.microsoft.com/office/drawing/2010/main" w="9525">
+                <a14:hiddenLine xmlns:a14="http://schemas.microsoft.com/office/drawing/2010/main" xmlns="" w="9525">
                   <a:solidFill>
                     <a:srgbClr val="000000"/>
                   </a:solidFill>
@@ -1060,7 +1068,7 @@
             </a:ln>
             <a:extLst>
               <a:ext uri="{91240B29-F687-4f45-9708-019B960494DF}">
-                <a14:hiddenLine xmlns="" xmlns:a14="http://schemas.microsoft.com/office/drawing/2010/main" w="9525">
+                <a14:hiddenLine xmlns:a14="http://schemas.microsoft.com/office/drawing/2010/main" xmlns="" w="9525">
                   <a:solidFill>
                     <a:srgbClr val="000000"/>
                   </a:solidFill>
@@ -1150,7 +1158,7 @@
             </a:ln>
             <a:extLst>
               <a:ext uri="{91240B29-F687-4f45-9708-019B960494DF}">
-                <a14:hiddenLine xmlns="" xmlns:a14="http://schemas.microsoft.com/office/drawing/2010/main" w="9525">
+                <a14:hiddenLine xmlns:a14="http://schemas.microsoft.com/office/drawing/2010/main" xmlns="" w="9525">
                   <a:solidFill>
                     <a:srgbClr val="000000"/>
                   </a:solidFill>
@@ -1240,7 +1248,7 @@
             </a:ln>
             <a:extLst>
               <a:ext uri="{91240B29-F687-4f45-9708-019B960494DF}">
-                <a14:hiddenLine xmlns="" xmlns:a14="http://schemas.microsoft.com/office/drawing/2010/main" w="9525">
+                <a14:hiddenLine xmlns:a14="http://schemas.microsoft.com/office/drawing/2010/main" xmlns="" w="9525">
                   <a:solidFill>
                     <a:srgbClr val="000000"/>
                   </a:solidFill>
@@ -1302,7 +1310,7 @@
             </a:ln>
             <a:extLst>
               <a:ext uri="{91240B29-F687-4f45-9708-019B960494DF}">
-                <a14:hiddenLine xmlns="" xmlns:a14="http://schemas.microsoft.com/office/drawing/2010/main" w="9525">
+                <a14:hiddenLine xmlns:a14="http://schemas.microsoft.com/office/drawing/2010/main" xmlns="" w="9525">
                   <a:solidFill>
                     <a:srgbClr val="000000"/>
                   </a:solidFill>
@@ -1412,7 +1420,7 @@
             </a:ln>
             <a:extLst>
               <a:ext uri="{91240B29-F687-4f45-9708-019B960494DF}">
-                <a14:hiddenLine xmlns="" xmlns:a14="http://schemas.microsoft.com/office/drawing/2010/main" w="9525">
+                <a14:hiddenLine xmlns:a14="http://schemas.microsoft.com/office/drawing/2010/main" xmlns="" w="9525">
                   <a:solidFill>
                     <a:srgbClr val="000000"/>
                   </a:solidFill>
@@ -1474,7 +1482,7 @@
             </a:ln>
             <a:extLst>
               <a:ext uri="{91240B29-F687-4f45-9708-019B960494DF}">
-                <a14:hiddenLine xmlns="" xmlns:a14="http://schemas.microsoft.com/office/drawing/2010/main" w="9525">
+                <a14:hiddenLine xmlns:a14="http://schemas.microsoft.com/office/drawing/2010/main" xmlns="" w="9525">
                   <a:solidFill>
                     <a:srgbClr val="000000"/>
                   </a:solidFill>
@@ -1564,7 +1572,7 @@
             </a:ln>
             <a:extLst>
               <a:ext uri="{91240B29-F687-4f45-9708-019B960494DF}">
-                <a14:hiddenLine xmlns="" xmlns:a14="http://schemas.microsoft.com/office/drawing/2010/main" w="9525">
+                <a14:hiddenLine xmlns:a14="http://schemas.microsoft.com/office/drawing/2010/main" xmlns="" w="9525">
                   <a:solidFill>
                     <a:srgbClr val="000000"/>
                   </a:solidFill>
@@ -1654,7 +1662,7 @@
             </a:ln>
             <a:extLst>
               <a:ext uri="{91240B29-F687-4f45-9708-019B960494DF}">
-                <a14:hiddenLine xmlns="" xmlns:a14="http://schemas.microsoft.com/office/drawing/2010/main" w="9525">
+                <a14:hiddenLine xmlns:a14="http://schemas.microsoft.com/office/drawing/2010/main" xmlns="" w="9525">
                   <a:solidFill>
                     <a:srgbClr val="000000"/>
                   </a:solidFill>
@@ -1716,7 +1724,7 @@
             </a:ln>
             <a:extLst>
               <a:ext uri="{91240B29-F687-4f45-9708-019B960494DF}">
-                <a14:hiddenLine xmlns="" xmlns:a14="http://schemas.microsoft.com/office/drawing/2010/main" w="9525">
+                <a14:hiddenLine xmlns:a14="http://schemas.microsoft.com/office/drawing/2010/main" xmlns="" w="9525">
                   <a:solidFill>
                     <a:srgbClr val="000000"/>
                   </a:solidFill>
@@ -1806,7 +1814,7 @@
             </a:ln>
             <a:extLst>
               <a:ext uri="{91240B29-F687-4f45-9708-019B960494DF}">
-                <a14:hiddenLine xmlns="" xmlns:a14="http://schemas.microsoft.com/office/drawing/2010/main" w="9525">
+                <a14:hiddenLine xmlns:a14="http://schemas.microsoft.com/office/drawing/2010/main" xmlns="" w="9525">
                   <a:solidFill>
                     <a:srgbClr val="000000"/>
                   </a:solidFill>
@@ -1896,7 +1904,7 @@
             </a:ln>
             <a:extLst>
               <a:ext uri="{91240B29-F687-4f45-9708-019B960494DF}">
-                <a14:hiddenLine xmlns="" xmlns:a14="http://schemas.microsoft.com/office/drawing/2010/main" w="9525">
+                <a14:hiddenLine xmlns:a14="http://schemas.microsoft.com/office/drawing/2010/main" xmlns="" w="9525">
                   <a:solidFill>
                     <a:srgbClr val="000000"/>
                   </a:solidFill>
@@ -1952,7 +1960,7 @@
             </a:ln>
             <a:extLst>
               <a:ext uri="{91240B29-F687-4f45-9708-019B960494DF}">
-                <a14:hiddenLine xmlns="" xmlns:a14="http://schemas.microsoft.com/office/drawing/2010/main" w="9525">
+                <a14:hiddenLine xmlns:a14="http://schemas.microsoft.com/office/drawing/2010/main" xmlns="" w="9525">
                   <a:solidFill>
                     <a:srgbClr val="000000"/>
                   </a:solidFill>
@@ -2042,7 +2050,7 @@
             </a:ln>
             <a:extLst>
               <a:ext uri="{91240B29-F687-4f45-9708-019B960494DF}">
-                <a14:hiddenLine xmlns="" xmlns:a14="http://schemas.microsoft.com/office/drawing/2010/main" w="9525">
+                <a14:hiddenLine xmlns:a14="http://schemas.microsoft.com/office/drawing/2010/main" xmlns="" w="9525">
                   <a:solidFill>
                     <a:srgbClr val="000000"/>
                   </a:solidFill>
@@ -2098,7 +2106,7 @@
             </a:ln>
             <a:extLst>
               <a:ext uri="{91240B29-F687-4f45-9708-019B960494DF}">
-                <a14:hiddenLine xmlns="" xmlns:a14="http://schemas.microsoft.com/office/drawing/2010/main" w="9525">
+                <a14:hiddenLine xmlns:a14="http://schemas.microsoft.com/office/drawing/2010/main" xmlns="" w="9525">
                   <a:solidFill>
                     <a:srgbClr val="000000"/>
                   </a:solidFill>
@@ -2188,7 +2196,7 @@
             </a:ln>
             <a:extLst>
               <a:ext uri="{91240B29-F687-4f45-9708-019B960494DF}">
-                <a14:hiddenLine xmlns="" xmlns:a14="http://schemas.microsoft.com/office/drawing/2010/main" w="9525">
+                <a14:hiddenLine xmlns:a14="http://schemas.microsoft.com/office/drawing/2010/main" xmlns="" w="9525">
                   <a:solidFill>
                     <a:srgbClr val="000000"/>
                   </a:solidFill>
@@ -2256,7 +2264,7 @@
             </a:ln>
             <a:extLst>
               <a:ext uri="{91240B29-F687-4f45-9708-019B960494DF}">
-                <a14:hiddenLine xmlns="" xmlns:a14="http://schemas.microsoft.com/office/drawing/2010/main" w="9525">
+                <a14:hiddenLine xmlns:a14="http://schemas.microsoft.com/office/drawing/2010/main" xmlns="" w="9525">
                   <a:solidFill>
                     <a:srgbClr val="000000"/>
                   </a:solidFill>
@@ -2346,7 +2354,7 @@
             </a:ln>
             <a:extLst>
               <a:ext uri="{91240B29-F687-4f45-9708-019B960494DF}">
-                <a14:hiddenLine xmlns="" xmlns:a14="http://schemas.microsoft.com/office/drawing/2010/main" w="9525">
+                <a14:hiddenLine xmlns:a14="http://schemas.microsoft.com/office/drawing/2010/main" xmlns="" w="9525">
                   <a:solidFill>
                     <a:srgbClr val="000000"/>
                   </a:solidFill>
@@ -2414,7 +2422,7 @@
             </a:ln>
             <a:extLst>
               <a:ext uri="{91240B29-F687-4f45-9708-019B960494DF}">
-                <a14:hiddenLine xmlns="" xmlns:a14="http://schemas.microsoft.com/office/drawing/2010/main" w="9525">
+                <a14:hiddenLine xmlns:a14="http://schemas.microsoft.com/office/drawing/2010/main" xmlns="" w="9525">
                   <a:solidFill>
                     <a:srgbClr val="000000"/>
                   </a:solidFill>
@@ -2504,7 +2512,7 @@
             </a:ln>
             <a:extLst>
               <a:ext uri="{91240B29-F687-4f45-9708-019B960494DF}">
-                <a14:hiddenLine xmlns="" xmlns:a14="http://schemas.microsoft.com/office/drawing/2010/main" w="9525">
+                <a14:hiddenLine xmlns:a14="http://schemas.microsoft.com/office/drawing/2010/main" xmlns="" w="9525">
                   <a:solidFill>
                     <a:srgbClr val="000000"/>
                   </a:solidFill>
@@ -2538,7 +2546,7 @@
             </a:ln>
             <a:extLst>
               <a:ext uri="{91240B29-F687-4f45-9708-019B960494DF}">
-                <a14:hiddenLine xmlns="" xmlns:a14="http://schemas.microsoft.com/office/drawing/2010/main" w="9525">
+                <a14:hiddenLine xmlns:a14="http://schemas.microsoft.com/office/drawing/2010/main" xmlns="" w="9525">
                   <a:solidFill>
                     <a:srgbClr val="000000"/>
                   </a:solidFill>
@@ -2628,7 +2636,7 @@
             </a:ln>
             <a:extLst>
               <a:ext uri="{91240B29-F687-4f45-9708-019B960494DF}">
-                <a14:hiddenLine xmlns="" xmlns:a14="http://schemas.microsoft.com/office/drawing/2010/main" w="9525">
+                <a14:hiddenLine xmlns:a14="http://schemas.microsoft.com/office/drawing/2010/main" xmlns="" w="9525">
                   <a:solidFill>
                     <a:srgbClr val="000000"/>
                   </a:solidFill>
@@ -2690,7 +2698,7 @@
             </a:ln>
             <a:extLst>
               <a:ext uri="{91240B29-F687-4f45-9708-019B960494DF}">
-                <a14:hiddenLine xmlns="" xmlns:a14="http://schemas.microsoft.com/office/drawing/2010/main" w="9525">
+                <a14:hiddenLine xmlns:a14="http://schemas.microsoft.com/office/drawing/2010/main" xmlns="" w="9525">
                   <a:solidFill>
                     <a:srgbClr val="000000"/>
                   </a:solidFill>
@@ -2752,7 +2760,7 @@
             </a:ln>
             <a:extLst>
               <a:ext uri="{91240B29-F687-4f45-9708-019B960494DF}">
-                <a14:hiddenLine xmlns="" xmlns:a14="http://schemas.microsoft.com/office/drawing/2010/main" w="9525">
+                <a14:hiddenLine xmlns:a14="http://schemas.microsoft.com/office/drawing/2010/main" xmlns="" w="9525">
                   <a:solidFill>
                     <a:srgbClr val="000000"/>
                   </a:solidFill>
@@ -2842,7 +2850,7 @@
             </a:ln>
             <a:extLst>
               <a:ext uri="{91240B29-F687-4f45-9708-019B960494DF}">
-                <a14:hiddenLine xmlns="" xmlns:a14="http://schemas.microsoft.com/office/drawing/2010/main" w="9525">
+                <a14:hiddenLine xmlns:a14="http://schemas.microsoft.com/office/drawing/2010/main" xmlns="" w="9525">
                   <a:solidFill>
                     <a:srgbClr val="000000"/>
                   </a:solidFill>
@@ -2910,7 +2918,7 @@
             </a:ln>
             <a:extLst>
               <a:ext uri="{91240B29-F687-4f45-9708-019B960494DF}">
-                <a14:hiddenLine xmlns="" xmlns:a14="http://schemas.microsoft.com/office/drawing/2010/main" w="9525">
+                <a14:hiddenLine xmlns:a14="http://schemas.microsoft.com/office/drawing/2010/main" xmlns="" w="9525">
                   <a:solidFill>
                     <a:srgbClr val="000000"/>
                   </a:solidFill>
@@ -2972,7 +2980,7 @@
             </a:ln>
             <a:extLst>
               <a:ext uri="{91240B29-F687-4f45-9708-019B960494DF}">
-                <a14:hiddenLine xmlns="" xmlns:a14="http://schemas.microsoft.com/office/drawing/2010/main" w="9525">
+                <a14:hiddenLine xmlns:a14="http://schemas.microsoft.com/office/drawing/2010/main" xmlns="" w="9525">
                   <a:solidFill>
                     <a:srgbClr val="000000"/>
                   </a:solidFill>
@@ -3062,7 +3070,7 @@
             </a:ln>
             <a:extLst>
               <a:ext uri="{91240B29-F687-4f45-9708-019B960494DF}">
-                <a14:hiddenLine xmlns="" xmlns:a14="http://schemas.microsoft.com/office/drawing/2010/main" w="9525">
+                <a14:hiddenLine xmlns:a14="http://schemas.microsoft.com/office/drawing/2010/main" xmlns="" w="9525">
                   <a:solidFill>
                     <a:srgbClr val="000000"/>
                   </a:solidFill>
@@ -3124,7 +3132,7 @@
             </a:ln>
             <a:extLst>
               <a:ext uri="{91240B29-F687-4f45-9708-019B960494DF}">
-                <a14:hiddenLine xmlns="" xmlns:a14="http://schemas.microsoft.com/office/drawing/2010/main" w="9525">
+                <a14:hiddenLine xmlns:a14="http://schemas.microsoft.com/office/drawing/2010/main" xmlns="" w="9525">
                   <a:solidFill>
                     <a:srgbClr val="000000"/>
                   </a:solidFill>
@@ -3214,7 +3222,7 @@
             </a:ln>
             <a:extLst>
               <a:ext uri="{91240B29-F687-4f45-9708-019B960494DF}">
-                <a14:hiddenLine xmlns="" xmlns:a14="http://schemas.microsoft.com/office/drawing/2010/main" w="9525">
+                <a14:hiddenLine xmlns:a14="http://schemas.microsoft.com/office/drawing/2010/main" xmlns="" w="9525">
                   <a:solidFill>
                     <a:srgbClr val="000000"/>
                   </a:solidFill>
@@ -3276,7 +3284,7 @@
             </a:ln>
             <a:extLst>
               <a:ext uri="{91240B29-F687-4f45-9708-019B960494DF}">
-                <a14:hiddenLine xmlns="" xmlns:a14="http://schemas.microsoft.com/office/drawing/2010/main" w="9525">
+                <a14:hiddenLine xmlns:a14="http://schemas.microsoft.com/office/drawing/2010/main" xmlns="" w="9525">
                   <a:solidFill>
                     <a:srgbClr val="000000"/>
                   </a:solidFill>
@@ -3366,7 +3374,7 @@
             </a:ln>
             <a:extLst>
               <a:ext uri="{91240B29-F687-4f45-9708-019B960494DF}">
-                <a14:hiddenLine xmlns="" xmlns:a14="http://schemas.microsoft.com/office/drawing/2010/main" w="9525">
+                <a14:hiddenLine xmlns:a14="http://schemas.microsoft.com/office/drawing/2010/main" xmlns="" w="9525">
                   <a:solidFill>
                     <a:srgbClr val="000000"/>
                   </a:solidFill>
@@ -3400,7 +3408,7 @@
             </a:ln>
             <a:extLst>
               <a:ext uri="{91240B29-F687-4f45-9708-019B960494DF}">
-                <a14:hiddenLine xmlns="" xmlns:a14="http://schemas.microsoft.com/office/drawing/2010/main" w="9525">
+                <a14:hiddenLine xmlns:a14="http://schemas.microsoft.com/office/drawing/2010/main" xmlns="" w="9525">
                   <a:solidFill>
                     <a:srgbClr val="000000"/>
                   </a:solidFill>
@@ -3465,7 +3473,7 @@
             </a:ln>
             <a:extLst>
               <a:ext uri="{91240B29-F687-4f45-9708-019B960494DF}">
-                <a14:hiddenLine xmlns="" xmlns:a14="http://schemas.microsoft.com/office/drawing/2010/main" w="9525">
+                <a14:hiddenLine xmlns:a14="http://schemas.microsoft.com/office/drawing/2010/main" xmlns="" w="9525">
                   <a:solidFill>
                     <a:srgbClr val="000000"/>
                   </a:solidFill>
@@ -3555,7 +3563,7 @@
             </a:ln>
             <a:extLst>
               <a:ext uri="{91240B29-F687-4f45-9708-019B960494DF}">
-                <a14:hiddenLine xmlns="" xmlns:a14="http://schemas.microsoft.com/office/drawing/2010/main" w="9525">
+                <a14:hiddenLine xmlns:a14="http://schemas.microsoft.com/office/drawing/2010/main" xmlns="" w="9525">
                   <a:solidFill>
                     <a:srgbClr val="000000"/>
                   </a:solidFill>
@@ -3617,7 +3625,7 @@
             </a:ln>
             <a:extLst>
               <a:ext uri="{91240B29-F687-4f45-9708-019B960494DF}">
-                <a14:hiddenLine xmlns="" xmlns:a14="http://schemas.microsoft.com/office/drawing/2010/main" w="9525">
+                <a14:hiddenLine xmlns:a14="http://schemas.microsoft.com/office/drawing/2010/main" xmlns="" w="9525">
                   <a:solidFill>
                     <a:srgbClr val="000000"/>
                   </a:solidFill>
@@ -3707,7 +3715,7 @@
             </a:ln>
             <a:extLst>
               <a:ext uri="{91240B29-F687-4f45-9708-019B960494DF}">
-                <a14:hiddenLine xmlns="" xmlns:a14="http://schemas.microsoft.com/office/drawing/2010/main" w="9525">
+                <a14:hiddenLine xmlns:a14="http://schemas.microsoft.com/office/drawing/2010/main" xmlns="" w="9525">
                   <a:solidFill>
                     <a:srgbClr val="000000"/>
                   </a:solidFill>
@@ -3797,7 +3805,7 @@
             </a:ln>
             <a:extLst>
               <a:ext uri="{91240B29-F687-4f45-9708-019B960494DF}">
-                <a14:hiddenLine xmlns="" xmlns:a14="http://schemas.microsoft.com/office/drawing/2010/main" w="9525">
+                <a14:hiddenLine xmlns:a14="http://schemas.microsoft.com/office/drawing/2010/main" xmlns="" w="9525">
                   <a:solidFill>
                     <a:srgbClr val="000000"/>
                   </a:solidFill>
@@ -3862,7 +3870,7 @@
             </a:ln>
             <a:extLst>
               <a:ext uri="{91240B29-F687-4f45-9708-019B960494DF}">
-                <a14:hiddenLine xmlns="" xmlns:a14="http://schemas.microsoft.com/office/drawing/2010/main" w="9525">
+                <a14:hiddenLine xmlns:a14="http://schemas.microsoft.com/office/drawing/2010/main" xmlns="" w="9525">
                   <a:solidFill>
                     <a:srgbClr val="000000"/>
                   </a:solidFill>
@@ -3924,7 +3932,7 @@
             </a:ln>
             <a:extLst>
               <a:ext uri="{91240B29-F687-4f45-9708-019B960494DF}">
-                <a14:hiddenLine xmlns="" xmlns:a14="http://schemas.microsoft.com/office/drawing/2010/main" w="9525">
+                <a14:hiddenLine xmlns:a14="http://schemas.microsoft.com/office/drawing/2010/main" xmlns="" w="9525">
                   <a:solidFill>
                     <a:srgbClr val="000000"/>
                   </a:solidFill>
@@ -4014,7 +4022,7 @@
             </a:ln>
             <a:extLst>
               <a:ext uri="{91240B29-F687-4f45-9708-019B960494DF}">
-                <a14:hiddenLine xmlns="" xmlns:a14="http://schemas.microsoft.com/office/drawing/2010/main" w="9525">
+                <a14:hiddenLine xmlns:a14="http://schemas.microsoft.com/office/drawing/2010/main" xmlns="" w="9525">
                   <a:solidFill>
                     <a:srgbClr val="000000"/>
                   </a:solidFill>
@@ -4104,7 +4112,7 @@
             </a:ln>
             <a:extLst>
               <a:ext uri="{91240B29-F687-4f45-9708-019B960494DF}">
-                <a14:hiddenLine xmlns="" xmlns:a14="http://schemas.microsoft.com/office/drawing/2010/main" w="9525">
+                <a14:hiddenLine xmlns:a14="http://schemas.microsoft.com/office/drawing/2010/main" xmlns="" w="9525">
                   <a:solidFill>
                     <a:srgbClr val="000000"/>
                   </a:solidFill>
@@ -4166,7 +4174,7 @@
             </a:ln>
             <a:extLst>
               <a:ext uri="{91240B29-F687-4f45-9708-019B960494DF}">
-                <a14:hiddenLine xmlns="" xmlns:a14="http://schemas.microsoft.com/office/drawing/2010/main" w="9525">
+                <a14:hiddenLine xmlns:a14="http://schemas.microsoft.com/office/drawing/2010/main" xmlns="" w="9525">
                   <a:solidFill>
                     <a:srgbClr val="000000"/>
                   </a:solidFill>
@@ -4286,7 +4294,7 @@
             </a:ln>
             <a:extLst>
               <a:ext uri="{91240B29-F687-4f45-9708-019B960494DF}">
-                <a14:hiddenLine xmlns="" xmlns:a14="http://schemas.microsoft.com/office/drawing/2010/main" w="9525">
+                <a14:hiddenLine xmlns:a14="http://schemas.microsoft.com/office/drawing/2010/main" xmlns="" w="9525">
                   <a:solidFill>
                     <a:srgbClr val="000000"/>
                   </a:solidFill>
@@ -4354,7 +4362,7 @@
             </a:ln>
             <a:extLst>
               <a:ext uri="{91240B29-F687-4f45-9708-019B960494DF}">
-                <a14:hiddenLine xmlns="" xmlns:a14="http://schemas.microsoft.com/office/drawing/2010/main" w="9525">
+                <a14:hiddenLine xmlns:a14="http://schemas.microsoft.com/office/drawing/2010/main" xmlns="" w="9525">
                   <a:solidFill>
                     <a:srgbClr val="000000"/>
                   </a:solidFill>
@@ -4444,7 +4452,7 @@
             </a:ln>
             <a:extLst>
               <a:ext uri="{91240B29-F687-4f45-9708-019B960494DF}">
-                <a14:hiddenLine xmlns="" xmlns:a14="http://schemas.microsoft.com/office/drawing/2010/main" w="9525">
+                <a14:hiddenLine xmlns:a14="http://schemas.microsoft.com/office/drawing/2010/main" xmlns="" w="9525">
                   <a:solidFill>
                     <a:srgbClr val="000000"/>
                   </a:solidFill>
@@ -4584,7 +4592,7 @@
           <a:p>
             <a:fld id="{867D2BB0-EC20-4E7E-BA61-C31A6B3B5362}" type="datetimeFigureOut">
               <a:rPr lang="it-IT" smtClean="0"/>
-              <a:t>24/06/2024</a:t>
+              <a:t>26/06/2024</a:t>
             </a:fld>
             <a:endParaRPr lang="it-IT"/>
           </a:p>
@@ -4851,7 +4859,7 @@
           <a:p>
             <a:fld id="{867D2BB0-EC20-4E7E-BA61-C31A6B3B5362}" type="datetimeFigureOut">
               <a:rPr lang="it-IT" smtClean="0"/>
-              <a:t>24/06/2024</a:t>
+              <a:t>26/06/2024</a:t>
             </a:fld>
             <a:endParaRPr lang="it-IT"/>
           </a:p>
@@ -5047,7 +5055,7 @@
           <a:p>
             <a:fld id="{867D2BB0-EC20-4E7E-BA61-C31A6B3B5362}" type="datetimeFigureOut">
               <a:rPr lang="it-IT" smtClean="0"/>
-              <a:t>24/06/2024</a:t>
+              <a:t>26/06/2024</a:t>
             </a:fld>
             <a:endParaRPr lang="it-IT"/>
           </a:p>
@@ -5310,7 +5318,7 @@
           <a:p>
             <a:fld id="{867D2BB0-EC20-4E7E-BA61-C31A6B3B5362}" type="datetimeFigureOut">
               <a:rPr lang="it-IT" smtClean="0"/>
-              <a:t>24/06/2024</a:t>
+              <a:t>26/06/2024</a:t>
             </a:fld>
             <a:endParaRPr lang="it-IT"/>
           </a:p>
@@ -5744,7 +5752,7 @@
           <a:p>
             <a:fld id="{867D2BB0-EC20-4E7E-BA61-C31A6B3B5362}" type="datetimeFigureOut">
               <a:rPr lang="it-IT" smtClean="0"/>
-              <a:t>24/06/2024</a:t>
+              <a:t>26/06/2024</a:t>
             </a:fld>
             <a:endParaRPr lang="it-IT"/>
           </a:p>
@@ -6290,7 +6298,7 @@
           <a:p>
             <a:fld id="{867D2BB0-EC20-4E7E-BA61-C31A6B3B5362}" type="datetimeFigureOut">
               <a:rPr lang="it-IT" smtClean="0"/>
-              <a:t>24/06/2024</a:t>
+              <a:t>26/06/2024</a:t>
             </a:fld>
             <a:endParaRPr lang="it-IT"/>
           </a:p>
@@ -7010,7 +7018,7 @@
           <a:p>
             <a:fld id="{867D2BB0-EC20-4E7E-BA61-C31A6B3B5362}" type="datetimeFigureOut">
               <a:rPr lang="it-IT" smtClean="0"/>
-              <a:t>24/06/2024</a:t>
+              <a:t>26/06/2024</a:t>
             </a:fld>
             <a:endParaRPr lang="it-IT"/>
           </a:p>
@@ -7180,7 +7188,7 @@
           <a:p>
             <a:fld id="{867D2BB0-EC20-4E7E-BA61-C31A6B3B5362}" type="datetimeFigureOut">
               <a:rPr lang="it-IT" smtClean="0"/>
-              <a:t>24/06/2024</a:t>
+              <a:t>26/06/2024</a:t>
             </a:fld>
             <a:endParaRPr lang="it-IT"/>
           </a:p>
@@ -7360,7 +7368,7 @@
           <a:p>
             <a:fld id="{867D2BB0-EC20-4E7E-BA61-C31A6B3B5362}" type="datetimeFigureOut">
               <a:rPr lang="it-IT" smtClean="0"/>
-              <a:t>24/06/2024</a:t>
+              <a:t>26/06/2024</a:t>
             </a:fld>
             <a:endParaRPr lang="it-IT"/>
           </a:p>
@@ -7530,7 +7538,7 @@
           <a:p>
             <a:fld id="{867D2BB0-EC20-4E7E-BA61-C31A6B3B5362}" type="datetimeFigureOut">
               <a:rPr lang="it-IT" smtClean="0"/>
-              <a:t>24/06/2024</a:t>
+              <a:t>26/06/2024</a:t>
             </a:fld>
             <a:endParaRPr lang="it-IT"/>
           </a:p>
@@ -7780,7 +7788,7 @@
           <a:p>
             <a:fld id="{867D2BB0-EC20-4E7E-BA61-C31A6B3B5362}" type="datetimeFigureOut">
               <a:rPr lang="it-IT" smtClean="0"/>
-              <a:t>24/06/2024</a:t>
+              <a:t>26/06/2024</a:t>
             </a:fld>
             <a:endParaRPr lang="it-IT"/>
           </a:p>
@@ -8012,7 +8020,7 @@
           <a:p>
             <a:fld id="{867D2BB0-EC20-4E7E-BA61-C31A6B3B5362}" type="datetimeFigureOut">
               <a:rPr lang="it-IT" smtClean="0"/>
-              <a:t>24/06/2024</a:t>
+              <a:t>26/06/2024</a:t>
             </a:fld>
             <a:endParaRPr lang="it-IT"/>
           </a:p>
@@ -8393,7 +8401,7 @@
           <a:p>
             <a:fld id="{867D2BB0-EC20-4E7E-BA61-C31A6B3B5362}" type="datetimeFigureOut">
               <a:rPr lang="it-IT" smtClean="0"/>
-              <a:t>24/06/2024</a:t>
+              <a:t>26/06/2024</a:t>
             </a:fld>
             <a:endParaRPr lang="it-IT"/>
           </a:p>
@@ -8511,7 +8519,7 @@
           <a:p>
             <a:fld id="{867D2BB0-EC20-4E7E-BA61-C31A6B3B5362}" type="datetimeFigureOut">
               <a:rPr lang="it-IT" smtClean="0"/>
-              <a:t>24/06/2024</a:t>
+              <a:t>26/06/2024</a:t>
             </a:fld>
             <a:endParaRPr lang="it-IT"/>
           </a:p>
@@ -8606,7 +8614,7 @@
           <a:p>
             <a:fld id="{867D2BB0-EC20-4E7E-BA61-C31A6B3B5362}" type="datetimeFigureOut">
               <a:rPr lang="it-IT" smtClean="0"/>
-              <a:t>24/06/2024</a:t>
+              <a:t>26/06/2024</a:t>
             </a:fld>
             <a:endParaRPr lang="it-IT"/>
           </a:p>
@@ -8855,7 +8863,7 @@
           <a:p>
             <a:fld id="{867D2BB0-EC20-4E7E-BA61-C31A6B3B5362}" type="datetimeFigureOut">
               <a:rPr lang="it-IT" smtClean="0"/>
-              <a:t>24/06/2024</a:t>
+              <a:t>26/06/2024</a:t>
             </a:fld>
             <a:endParaRPr lang="it-IT"/>
           </a:p>
@@ -9135,7 +9143,7 @@
           <a:p>
             <a:fld id="{867D2BB0-EC20-4E7E-BA61-C31A6B3B5362}" type="datetimeFigureOut">
               <a:rPr lang="it-IT" smtClean="0"/>
-              <a:t>24/06/2024</a:t>
+              <a:t>26/06/2024</a:t>
             </a:fld>
             <a:endParaRPr lang="it-IT"/>
           </a:p>
@@ -9258,7 +9266,7 @@
           <a:noFill/>
           <a:extLst>
             <a:ext uri="{909E8E84-426E-40dd-AFC4-6F175D3DCCD1}">
-              <a14:hiddenFill xmlns="" xmlns:a14="http://schemas.microsoft.com/office/drawing/2010/main">
+              <a14:hiddenFill xmlns:a14="http://schemas.microsoft.com/office/drawing/2010/main" xmlns="">
                 <a:solidFill>
                   <a:srgbClr val="FFFFFF"/>
                 </a:solidFill>
@@ -9332,7 +9340,7 @@
               </a:ln>
               <a:extLst>
                 <a:ext uri="{91240B29-F687-4f45-9708-019B960494DF}">
-                  <a14:hiddenLine xmlns="" xmlns:a14="http://schemas.microsoft.com/office/drawing/2010/main" w="9525">
+                  <a14:hiddenLine xmlns:a14="http://schemas.microsoft.com/office/drawing/2010/main" xmlns="" w="9525">
                     <a:solidFill>
                       <a:srgbClr val="000000"/>
                     </a:solidFill>
@@ -9422,7 +9430,7 @@
               </a:ln>
               <a:extLst>
                 <a:ext uri="{91240B29-F687-4f45-9708-019B960494DF}">
-                  <a14:hiddenLine xmlns="" xmlns:a14="http://schemas.microsoft.com/office/drawing/2010/main" w="9525">
+                  <a14:hiddenLine xmlns:a14="http://schemas.microsoft.com/office/drawing/2010/main" xmlns="" w="9525">
                     <a:solidFill>
                       <a:srgbClr val="000000"/>
                     </a:solidFill>
@@ -9512,7 +9520,7 @@
               </a:ln>
               <a:extLst>
                 <a:ext uri="{91240B29-F687-4f45-9708-019B960494DF}">
-                  <a14:hiddenLine xmlns="" xmlns:a14="http://schemas.microsoft.com/office/drawing/2010/main" w="9525">
+                  <a14:hiddenLine xmlns:a14="http://schemas.microsoft.com/office/drawing/2010/main" xmlns="" w="9525">
                     <a:solidFill>
                       <a:srgbClr val="000000"/>
                     </a:solidFill>
@@ -9574,7 +9582,7 @@
               </a:ln>
               <a:extLst>
                 <a:ext uri="{91240B29-F687-4f45-9708-019B960494DF}">
-                  <a14:hiddenLine xmlns="" xmlns:a14="http://schemas.microsoft.com/office/drawing/2010/main" w="9525">
+                  <a14:hiddenLine xmlns:a14="http://schemas.microsoft.com/office/drawing/2010/main" xmlns="" w="9525">
                     <a:solidFill>
                       <a:srgbClr val="000000"/>
                     </a:solidFill>
@@ -9664,7 +9672,7 @@
               </a:ln>
               <a:extLst>
                 <a:ext uri="{91240B29-F687-4f45-9708-019B960494DF}">
-                  <a14:hiddenLine xmlns="" xmlns:a14="http://schemas.microsoft.com/office/drawing/2010/main" w="9525">
+                  <a14:hiddenLine xmlns:a14="http://schemas.microsoft.com/office/drawing/2010/main" xmlns="" w="9525">
                     <a:solidFill>
                       <a:srgbClr val="000000"/>
                     </a:solidFill>
@@ -9726,7 +9734,7 @@
               </a:ln>
               <a:extLst>
                 <a:ext uri="{91240B29-F687-4f45-9708-019B960494DF}">
-                  <a14:hiddenLine xmlns="" xmlns:a14="http://schemas.microsoft.com/office/drawing/2010/main" w="9525">
+                  <a14:hiddenLine xmlns:a14="http://schemas.microsoft.com/office/drawing/2010/main" xmlns="" w="9525">
                     <a:solidFill>
                       <a:srgbClr val="000000"/>
                     </a:solidFill>
@@ -9788,7 +9796,7 @@
               </a:ln>
               <a:extLst>
                 <a:ext uri="{91240B29-F687-4f45-9708-019B960494DF}">
-                  <a14:hiddenLine xmlns="" xmlns:a14="http://schemas.microsoft.com/office/drawing/2010/main" w="9525">
+                  <a14:hiddenLine xmlns:a14="http://schemas.microsoft.com/office/drawing/2010/main" xmlns="" w="9525">
                     <a:solidFill>
                       <a:srgbClr val="000000"/>
                     </a:solidFill>
@@ -9878,7 +9886,7 @@
               </a:ln>
               <a:extLst>
                 <a:ext uri="{91240B29-F687-4f45-9708-019B960494DF}">
-                  <a14:hiddenLine xmlns="" xmlns:a14="http://schemas.microsoft.com/office/drawing/2010/main" w="9525">
+                  <a14:hiddenLine xmlns:a14="http://schemas.microsoft.com/office/drawing/2010/main" xmlns="" w="9525">
                     <a:solidFill>
                       <a:srgbClr val="000000"/>
                     </a:solidFill>
@@ -9968,7 +9976,7 @@
               </a:ln>
               <a:extLst>
                 <a:ext uri="{91240B29-F687-4f45-9708-019B960494DF}">
-                  <a14:hiddenLine xmlns="" xmlns:a14="http://schemas.microsoft.com/office/drawing/2010/main" w="9525">
+                  <a14:hiddenLine xmlns:a14="http://schemas.microsoft.com/office/drawing/2010/main" xmlns="" w="9525">
                     <a:solidFill>
                       <a:srgbClr val="000000"/>
                     </a:solidFill>
@@ -10030,7 +10038,7 @@
               </a:ln>
               <a:extLst>
                 <a:ext uri="{91240B29-F687-4f45-9708-019B960494DF}">
-                  <a14:hiddenLine xmlns="" xmlns:a14="http://schemas.microsoft.com/office/drawing/2010/main" w="9525">
+                  <a14:hiddenLine xmlns:a14="http://schemas.microsoft.com/office/drawing/2010/main" xmlns="" w="9525">
                     <a:solidFill>
                       <a:srgbClr val="000000"/>
                     </a:solidFill>
@@ -10140,7 +10148,7 @@
               </a:ln>
               <a:extLst>
                 <a:ext uri="{91240B29-F687-4f45-9708-019B960494DF}">
-                  <a14:hiddenLine xmlns="" xmlns:a14="http://schemas.microsoft.com/office/drawing/2010/main" w="9525">
+                  <a14:hiddenLine xmlns:a14="http://schemas.microsoft.com/office/drawing/2010/main" xmlns="" w="9525">
                     <a:solidFill>
                       <a:srgbClr val="000000"/>
                     </a:solidFill>
@@ -10224,7 +10232,7 @@
               </a:ln>
               <a:extLst>
                 <a:ext uri="{91240B29-F687-4f45-9708-019B960494DF}">
-                  <a14:hiddenLine xmlns="" xmlns:a14="http://schemas.microsoft.com/office/drawing/2010/main" w="9525">
+                  <a14:hiddenLine xmlns:a14="http://schemas.microsoft.com/office/drawing/2010/main" xmlns="" w="9525">
                     <a:solidFill>
                       <a:srgbClr val="000000"/>
                     </a:solidFill>
@@ -10286,7 +10294,7 @@
               </a:ln>
               <a:extLst>
                 <a:ext uri="{91240B29-F687-4f45-9708-019B960494DF}">
-                  <a14:hiddenLine xmlns="" xmlns:a14="http://schemas.microsoft.com/office/drawing/2010/main" w="9525">
+                  <a14:hiddenLine xmlns:a14="http://schemas.microsoft.com/office/drawing/2010/main" xmlns="" w="9525">
                     <a:solidFill>
                       <a:srgbClr val="000000"/>
                     </a:solidFill>
@@ -10348,7 +10356,7 @@
               </a:ln>
               <a:extLst>
                 <a:ext uri="{91240B29-F687-4f45-9708-019B960494DF}">
-                  <a14:hiddenLine xmlns="" xmlns:a14="http://schemas.microsoft.com/office/drawing/2010/main" w="9525">
+                  <a14:hiddenLine xmlns:a14="http://schemas.microsoft.com/office/drawing/2010/main" xmlns="" w="9525">
                     <a:solidFill>
                       <a:srgbClr val="000000"/>
                     </a:solidFill>
@@ -10438,7 +10446,7 @@
               </a:ln>
               <a:extLst>
                 <a:ext uri="{91240B29-F687-4f45-9708-019B960494DF}">
-                  <a14:hiddenLine xmlns="" xmlns:a14="http://schemas.microsoft.com/office/drawing/2010/main" w="9525">
+                  <a14:hiddenLine xmlns:a14="http://schemas.microsoft.com/office/drawing/2010/main" xmlns="" w="9525">
                     <a:solidFill>
                       <a:srgbClr val="000000"/>
                     </a:solidFill>
@@ -10472,7 +10480,7 @@
               </a:ln>
               <a:extLst>
                 <a:ext uri="{91240B29-F687-4f45-9708-019B960494DF}">
-                  <a14:hiddenLine xmlns="" xmlns:a14="http://schemas.microsoft.com/office/drawing/2010/main" w="9525">
+                  <a14:hiddenLine xmlns:a14="http://schemas.microsoft.com/office/drawing/2010/main" xmlns="" w="9525">
                     <a:solidFill>
                       <a:srgbClr val="000000"/>
                     </a:solidFill>
@@ -10537,7 +10545,7 @@
               </a:ln>
               <a:extLst>
                 <a:ext uri="{91240B29-F687-4f45-9708-019B960494DF}">
-                  <a14:hiddenLine xmlns="" xmlns:a14="http://schemas.microsoft.com/office/drawing/2010/main" w="9525">
+                  <a14:hiddenLine xmlns:a14="http://schemas.microsoft.com/office/drawing/2010/main" xmlns="" w="9525">
                     <a:solidFill>
                       <a:srgbClr val="000000"/>
                     </a:solidFill>
@@ -10627,7 +10635,7 @@
               </a:ln>
               <a:extLst>
                 <a:ext uri="{91240B29-F687-4f45-9708-019B960494DF}">
-                  <a14:hiddenLine xmlns="" xmlns:a14="http://schemas.microsoft.com/office/drawing/2010/main" w="9525">
+                  <a14:hiddenLine xmlns:a14="http://schemas.microsoft.com/office/drawing/2010/main" xmlns="" w="9525">
                     <a:solidFill>
                       <a:srgbClr val="000000"/>
                     </a:solidFill>
@@ -10689,7 +10697,7 @@
               </a:ln>
               <a:extLst>
                 <a:ext uri="{91240B29-F687-4f45-9708-019B960494DF}">
-                  <a14:hiddenLine xmlns="" xmlns:a14="http://schemas.microsoft.com/office/drawing/2010/main" w="9525">
+                  <a14:hiddenLine xmlns:a14="http://schemas.microsoft.com/office/drawing/2010/main" xmlns="" w="9525">
                     <a:solidFill>
                       <a:srgbClr val="000000"/>
                     </a:solidFill>
@@ -10779,7 +10787,7 @@
               </a:ln>
               <a:extLst>
                 <a:ext uri="{91240B29-F687-4f45-9708-019B960494DF}">
-                  <a14:hiddenLine xmlns="" xmlns:a14="http://schemas.microsoft.com/office/drawing/2010/main" w="9525">
+                  <a14:hiddenLine xmlns:a14="http://schemas.microsoft.com/office/drawing/2010/main" xmlns="" w="9525">
                     <a:solidFill>
                       <a:srgbClr val="000000"/>
                     </a:solidFill>
@@ -10844,7 +10852,7 @@
               </a:ln>
               <a:extLst>
                 <a:ext uri="{91240B29-F687-4f45-9708-019B960494DF}">
-                  <a14:hiddenLine xmlns="" xmlns:a14="http://schemas.microsoft.com/office/drawing/2010/main" w="9525">
+                  <a14:hiddenLine xmlns:a14="http://schemas.microsoft.com/office/drawing/2010/main" xmlns="" w="9525">
                     <a:solidFill>
                       <a:srgbClr val="000000"/>
                     </a:solidFill>
@@ -10906,7 +10914,7 @@
               </a:ln>
               <a:extLst>
                 <a:ext uri="{91240B29-F687-4f45-9708-019B960494DF}">
-                  <a14:hiddenLine xmlns="" xmlns:a14="http://schemas.microsoft.com/office/drawing/2010/main" w="9525">
+                  <a14:hiddenLine xmlns:a14="http://schemas.microsoft.com/office/drawing/2010/main" xmlns="" w="9525">
                     <a:solidFill>
                       <a:srgbClr val="000000"/>
                     </a:solidFill>
@@ -10996,7 +11004,7 @@
               </a:ln>
               <a:extLst>
                 <a:ext uri="{91240B29-F687-4f45-9708-019B960494DF}">
-                  <a14:hiddenLine xmlns="" xmlns:a14="http://schemas.microsoft.com/office/drawing/2010/main" w="9525">
+                  <a14:hiddenLine xmlns:a14="http://schemas.microsoft.com/office/drawing/2010/main" xmlns="" w="9525">
                     <a:solidFill>
                       <a:srgbClr val="000000"/>
                     </a:solidFill>
@@ -11086,7 +11094,7 @@
               </a:ln>
               <a:extLst>
                 <a:ext uri="{91240B29-F687-4f45-9708-019B960494DF}">
-                  <a14:hiddenLine xmlns="" xmlns:a14="http://schemas.microsoft.com/office/drawing/2010/main" w="9525">
+                  <a14:hiddenLine xmlns:a14="http://schemas.microsoft.com/office/drawing/2010/main" xmlns="" w="9525">
                     <a:solidFill>
                       <a:srgbClr val="000000"/>
                     </a:solidFill>
@@ -11151,7 +11159,7 @@
               </a:ln>
               <a:extLst>
                 <a:ext uri="{91240B29-F687-4f45-9708-019B960494DF}">
-                  <a14:hiddenLine xmlns="" xmlns:a14="http://schemas.microsoft.com/office/drawing/2010/main" w="9525">
+                  <a14:hiddenLine xmlns:a14="http://schemas.microsoft.com/office/drawing/2010/main" xmlns="" w="9525">
                     <a:solidFill>
                       <a:srgbClr val="000000"/>
                     </a:solidFill>
@@ -11271,7 +11279,7 @@
               </a:ln>
               <a:extLst>
                 <a:ext uri="{91240B29-F687-4f45-9708-019B960494DF}">
-                  <a14:hiddenLine xmlns="" xmlns:a14="http://schemas.microsoft.com/office/drawing/2010/main" w="9525">
+                  <a14:hiddenLine xmlns:a14="http://schemas.microsoft.com/office/drawing/2010/main" xmlns="" w="9525">
                     <a:solidFill>
                       <a:srgbClr val="000000"/>
                     </a:solidFill>
@@ -11352,7 +11360,7 @@
               </a:ln>
               <a:extLst>
                 <a:ext uri="{91240B29-F687-4f45-9708-019B960494DF}">
-                  <a14:hiddenLine xmlns="" xmlns:a14="http://schemas.microsoft.com/office/drawing/2010/main" w="9525">
+                  <a14:hiddenLine xmlns:a14="http://schemas.microsoft.com/office/drawing/2010/main" xmlns="" w="9525">
                     <a:solidFill>
                       <a:srgbClr val="000000"/>
                     </a:solidFill>
@@ -11467,7 +11475,7 @@
               </a:ln>
               <a:extLst>
                 <a:ext uri="{91240B29-F687-4f45-9708-019B960494DF}">
-                  <a14:hiddenLine xmlns="" xmlns:a14="http://schemas.microsoft.com/office/drawing/2010/main" w="9525">
+                  <a14:hiddenLine xmlns:a14="http://schemas.microsoft.com/office/drawing/2010/main" xmlns="" w="9525">
                     <a:solidFill>
                       <a:srgbClr val="000000"/>
                     </a:solidFill>
@@ -11557,7 +11565,7 @@
               </a:ln>
               <a:extLst>
                 <a:ext uri="{91240B29-F687-4f45-9708-019B960494DF}">
-                  <a14:hiddenLine xmlns="" xmlns:a14="http://schemas.microsoft.com/office/drawing/2010/main" w="9525">
+                  <a14:hiddenLine xmlns:a14="http://schemas.microsoft.com/office/drawing/2010/main" xmlns="" w="9525">
                     <a:solidFill>
                       <a:srgbClr val="000000"/>
                     </a:solidFill>
@@ -11622,7 +11630,7 @@
               </a:ln>
               <a:extLst>
                 <a:ext uri="{91240B29-F687-4f45-9708-019B960494DF}">
-                  <a14:hiddenLine xmlns="" xmlns:a14="http://schemas.microsoft.com/office/drawing/2010/main" w="9525">
+                  <a14:hiddenLine xmlns:a14="http://schemas.microsoft.com/office/drawing/2010/main" xmlns="" w="9525">
                     <a:solidFill>
                       <a:srgbClr val="000000"/>
                     </a:solidFill>
@@ -11712,7 +11720,7 @@
               </a:ln>
               <a:extLst>
                 <a:ext uri="{91240B29-F687-4f45-9708-019B960494DF}">
-                  <a14:hiddenLine xmlns="" xmlns:a14="http://schemas.microsoft.com/office/drawing/2010/main" w="9525">
+                  <a14:hiddenLine xmlns:a14="http://schemas.microsoft.com/office/drawing/2010/main" xmlns="" w="9525">
                     <a:solidFill>
                       <a:srgbClr val="000000"/>
                     </a:solidFill>
@@ -11780,7 +11788,7 @@
               </a:ln>
               <a:extLst>
                 <a:ext uri="{91240B29-F687-4f45-9708-019B960494DF}">
-                  <a14:hiddenLine xmlns="" xmlns:a14="http://schemas.microsoft.com/office/drawing/2010/main" w="9525">
+                  <a14:hiddenLine xmlns:a14="http://schemas.microsoft.com/office/drawing/2010/main" xmlns="" w="9525">
                     <a:solidFill>
                       <a:srgbClr val="000000"/>
                     </a:solidFill>
@@ -11870,7 +11878,7 @@
               </a:ln>
               <a:extLst>
                 <a:ext uri="{91240B29-F687-4f45-9708-019B960494DF}">
-                  <a14:hiddenLine xmlns="" xmlns:a14="http://schemas.microsoft.com/office/drawing/2010/main" w="9525">
+                  <a14:hiddenLine xmlns:a14="http://schemas.microsoft.com/office/drawing/2010/main" xmlns="" w="9525">
                     <a:solidFill>
                       <a:srgbClr val="000000"/>
                     </a:solidFill>
@@ -11938,7 +11946,7 @@
               </a:ln>
               <a:extLst>
                 <a:ext uri="{91240B29-F687-4f45-9708-019B960494DF}">
-                  <a14:hiddenLine xmlns="" xmlns:a14="http://schemas.microsoft.com/office/drawing/2010/main" w="9525">
+                  <a14:hiddenLine xmlns:a14="http://schemas.microsoft.com/office/drawing/2010/main" xmlns="" w="9525">
                     <a:solidFill>
                       <a:srgbClr val="000000"/>
                     </a:solidFill>
@@ -12028,7 +12036,7 @@
               </a:ln>
               <a:extLst>
                 <a:ext uri="{91240B29-F687-4f45-9708-019B960494DF}">
-                  <a14:hiddenLine xmlns="" xmlns:a14="http://schemas.microsoft.com/office/drawing/2010/main" w="9525">
+                  <a14:hiddenLine xmlns:a14="http://schemas.microsoft.com/office/drawing/2010/main" xmlns="" w="9525">
                     <a:solidFill>
                       <a:srgbClr val="000000"/>
                     </a:solidFill>
@@ -12062,7 +12070,7 @@
               </a:ln>
               <a:extLst>
                 <a:ext uri="{91240B29-F687-4f45-9708-019B960494DF}">
-                  <a14:hiddenLine xmlns="" xmlns:a14="http://schemas.microsoft.com/office/drawing/2010/main" w="9525">
+                  <a14:hiddenLine xmlns:a14="http://schemas.microsoft.com/office/drawing/2010/main" xmlns="" w="9525">
                     <a:solidFill>
                       <a:srgbClr val="000000"/>
                     </a:solidFill>
@@ -12202,7 +12210,7 @@
           <a:p>
             <a:fld id="{867D2BB0-EC20-4E7E-BA61-C31A6B3B5362}" type="datetimeFigureOut">
               <a:rPr lang="it-IT" smtClean="0"/>
-              <a:t>24/06/2024</a:t>
+              <a:t>26/06/2024</a:t>
             </a:fld>
             <a:endParaRPr lang="it-IT"/>
           </a:p>
@@ -12794,7 +12802,7 @@
             <a:noFill/>
             <a:extLst>
               <a:ext uri="{909E8E84-426E-40dd-AFC4-6F175D3DCCD1}">
-                <a14:hiddenFill xmlns:a14="http://schemas.microsoft.com/office/drawing/2010/main" xmlns:p14="http://schemas.microsoft.com/office/powerpoint/2010/main" xmlns:a16="http://schemas.microsoft.com/office/drawing/2014/main" xmlns="">
+                <a14:hiddenFill xmlns="" xmlns:a16="http://schemas.microsoft.com/office/drawing/2014/main" xmlns:p14="http://schemas.microsoft.com/office/powerpoint/2010/main" xmlns:a14="http://schemas.microsoft.com/office/drawing/2010/main">
                   <a:solidFill>
                     <a:srgbClr val="FFFFFF"/>
                   </a:solidFill>
@@ -14981,16 +14989,13 @@
                   <a:schemeClr val="bg2"/>
                 </a:solidFill>
               </a:rPr>
-              <a:t>AWS Lambda </a:t>
+              <a:t>FLUTTER</a:t>
             </a:r>
-            <a:r>
-              <a:rPr lang="en-GB" sz="2800" dirty="0">
-                <a:solidFill>
-                  <a:schemeClr val="bg2"/>
-                </a:solidFill>
-              </a:rPr>
-              <a:t>Function</a:t>
-            </a:r>
+            <a:endParaRPr lang="en-GB" sz="2800" dirty="0">
+              <a:solidFill>
+                <a:schemeClr val="bg2"/>
+              </a:solidFill>
+            </a:endParaRPr>
           </a:p>
         </p:txBody>
       </p:sp>
@@ -15308,7 +15313,7 @@
           <a:noFill/>
           <a:extLst>
             <a:ext uri="{909E8E84-426E-40dd-AFC4-6F175D3DCCD1}">
-              <a14:hiddenFill xmlns:p14="http://schemas.microsoft.com/office/powerpoint/2010/main" xmlns:a14="http://schemas.microsoft.com/office/drawing/2010/main" xmlns:a16="http://schemas.microsoft.com/office/drawing/2014/main" xmlns="">
+              <a14:hiddenFill xmlns="" xmlns:a16="http://schemas.microsoft.com/office/drawing/2014/main" xmlns:a14="http://schemas.microsoft.com/office/drawing/2010/main" xmlns:p14="http://schemas.microsoft.com/office/powerpoint/2010/main">
                 <a:solidFill>
                   <a:srgbClr val="FFFFFF"/>
                 </a:solidFill>
@@ -15399,7 +15404,7 @@
             </a:ln>
             <a:extLst>
               <a:ext uri="{91240B29-F687-4f45-9708-019B960494DF}">
-                <a14:hiddenLine xmlns:p14="http://schemas.microsoft.com/office/powerpoint/2010/main" xmlns:a14="http://schemas.microsoft.com/office/drawing/2010/main" xmlns:a16="http://schemas.microsoft.com/office/drawing/2014/main" xmlns="" w="9525">
+                <a14:hiddenLine xmlns="" xmlns:a16="http://schemas.microsoft.com/office/drawing/2014/main" xmlns:a14="http://schemas.microsoft.com/office/drawing/2010/main" xmlns:p14="http://schemas.microsoft.com/office/powerpoint/2010/main" w="9525">
                   <a:solidFill>
                     <a:srgbClr val="000000"/>
                   </a:solidFill>
@@ -15511,7 +15516,7 @@
             </a:ln>
             <a:extLst>
               <a:ext uri="{91240B29-F687-4f45-9708-019B960494DF}">
-                <a14:hiddenLine xmlns:p14="http://schemas.microsoft.com/office/powerpoint/2010/main" xmlns:a14="http://schemas.microsoft.com/office/drawing/2010/main" xmlns:a16="http://schemas.microsoft.com/office/drawing/2014/main" xmlns="" w="9525">
+                <a14:hiddenLine xmlns="" xmlns:a16="http://schemas.microsoft.com/office/drawing/2014/main" xmlns:a14="http://schemas.microsoft.com/office/drawing/2010/main" xmlns:p14="http://schemas.microsoft.com/office/powerpoint/2010/main" w="9525">
                   <a:solidFill>
                     <a:srgbClr val="000000"/>
                   </a:solidFill>
@@ -15623,7 +15628,7 @@
             </a:ln>
             <a:extLst>
               <a:ext uri="{91240B29-F687-4f45-9708-019B960494DF}">
-                <a14:hiddenLine xmlns:p14="http://schemas.microsoft.com/office/powerpoint/2010/main" xmlns:a14="http://schemas.microsoft.com/office/drawing/2010/main" xmlns:a16="http://schemas.microsoft.com/office/drawing/2014/main" xmlns="" w="9525">
+                <a14:hiddenLine xmlns="" xmlns:a16="http://schemas.microsoft.com/office/drawing/2014/main" xmlns:a14="http://schemas.microsoft.com/office/drawing/2010/main" xmlns:p14="http://schemas.microsoft.com/office/powerpoint/2010/main" w="9525">
                   <a:solidFill>
                     <a:srgbClr val="000000"/>
                   </a:solidFill>
@@ -15679,7 +15684,7 @@
             </a:ln>
             <a:extLst>
               <a:ext uri="{91240B29-F687-4f45-9708-019B960494DF}">
-                <a14:hiddenLine xmlns:p14="http://schemas.microsoft.com/office/powerpoint/2010/main" xmlns:a14="http://schemas.microsoft.com/office/drawing/2010/main" xmlns:a16="http://schemas.microsoft.com/office/drawing/2014/main" xmlns="" w="9525">
+                <a14:hiddenLine xmlns="" xmlns:a16="http://schemas.microsoft.com/office/drawing/2014/main" xmlns:a14="http://schemas.microsoft.com/office/drawing/2010/main" xmlns:p14="http://schemas.microsoft.com/office/powerpoint/2010/main" w="9525">
                   <a:solidFill>
                     <a:srgbClr val="000000"/>
                   </a:solidFill>
@@ -15791,7 +15796,7 @@
             </a:ln>
             <a:extLst>
               <a:ext uri="{91240B29-F687-4f45-9708-019B960494DF}">
-                <a14:hiddenLine xmlns:p14="http://schemas.microsoft.com/office/powerpoint/2010/main" xmlns:a14="http://schemas.microsoft.com/office/drawing/2010/main" xmlns:a16="http://schemas.microsoft.com/office/drawing/2014/main" xmlns="" w="9525">
+                <a14:hiddenLine xmlns="" xmlns:a16="http://schemas.microsoft.com/office/drawing/2014/main" xmlns:a14="http://schemas.microsoft.com/office/drawing/2010/main" xmlns:p14="http://schemas.microsoft.com/office/powerpoint/2010/main" w="9525">
                   <a:solidFill>
                     <a:srgbClr val="000000"/>
                   </a:solidFill>
@@ -15875,7 +15880,7 @@
             </a:ln>
             <a:extLst>
               <a:ext uri="{91240B29-F687-4f45-9708-019B960494DF}">
-                <a14:hiddenLine xmlns:p14="http://schemas.microsoft.com/office/powerpoint/2010/main" xmlns:a14="http://schemas.microsoft.com/office/drawing/2010/main" xmlns:a16="http://schemas.microsoft.com/office/drawing/2014/main" xmlns="" w="9525">
+                <a14:hiddenLine xmlns="" xmlns:a16="http://schemas.microsoft.com/office/drawing/2014/main" xmlns:a14="http://schemas.microsoft.com/office/drawing/2010/main" xmlns:p14="http://schemas.microsoft.com/office/powerpoint/2010/main" w="9525">
                   <a:solidFill>
                     <a:srgbClr val="000000"/>
                   </a:solidFill>
@@ -15959,7 +15964,7 @@
             </a:ln>
             <a:extLst>
               <a:ext uri="{91240B29-F687-4f45-9708-019B960494DF}">
-                <a14:hiddenLine xmlns:p14="http://schemas.microsoft.com/office/powerpoint/2010/main" xmlns:a14="http://schemas.microsoft.com/office/drawing/2010/main" xmlns:a16="http://schemas.microsoft.com/office/drawing/2014/main" xmlns="" w="9525">
+                <a14:hiddenLine xmlns="" xmlns:a16="http://schemas.microsoft.com/office/drawing/2014/main" xmlns:a14="http://schemas.microsoft.com/office/drawing/2010/main" xmlns:p14="http://schemas.microsoft.com/office/powerpoint/2010/main" w="9525">
                   <a:solidFill>
                     <a:srgbClr val="000000"/>
                   </a:solidFill>
@@ -16071,7 +16076,7 @@
             </a:ln>
             <a:extLst>
               <a:ext uri="{91240B29-F687-4f45-9708-019B960494DF}">
-                <a14:hiddenLine xmlns:p14="http://schemas.microsoft.com/office/powerpoint/2010/main" xmlns:a14="http://schemas.microsoft.com/office/drawing/2010/main" xmlns:a16="http://schemas.microsoft.com/office/drawing/2014/main" xmlns="" w="9525">
+                <a14:hiddenLine xmlns="" xmlns:a16="http://schemas.microsoft.com/office/drawing/2014/main" xmlns:a14="http://schemas.microsoft.com/office/drawing/2010/main" xmlns:p14="http://schemas.microsoft.com/office/powerpoint/2010/main" w="9525">
                   <a:solidFill>
                     <a:srgbClr val="000000"/>
                   </a:solidFill>
@@ -16155,7 +16160,7 @@
             </a:ln>
             <a:extLst>
               <a:ext uri="{91240B29-F687-4f45-9708-019B960494DF}">
-                <a14:hiddenLine xmlns:p14="http://schemas.microsoft.com/office/powerpoint/2010/main" xmlns:a14="http://schemas.microsoft.com/office/drawing/2010/main" xmlns:a16="http://schemas.microsoft.com/office/drawing/2014/main" xmlns="" w="9525">
+                <a14:hiddenLine xmlns="" xmlns:a16="http://schemas.microsoft.com/office/drawing/2014/main" xmlns:a14="http://schemas.microsoft.com/office/drawing/2010/main" xmlns:p14="http://schemas.microsoft.com/office/powerpoint/2010/main" w="9525">
                   <a:solidFill>
                     <a:srgbClr val="000000"/>
                   </a:solidFill>
@@ -16239,7 +16244,7 @@
             </a:ln>
             <a:extLst>
               <a:ext uri="{91240B29-F687-4f45-9708-019B960494DF}">
-                <a14:hiddenLine xmlns:p14="http://schemas.microsoft.com/office/powerpoint/2010/main" xmlns:a14="http://schemas.microsoft.com/office/drawing/2010/main" xmlns:a16="http://schemas.microsoft.com/office/drawing/2014/main" xmlns="" w="9525">
+                <a14:hiddenLine xmlns="" xmlns:a16="http://schemas.microsoft.com/office/drawing/2014/main" xmlns:a14="http://schemas.microsoft.com/office/drawing/2010/main" xmlns:p14="http://schemas.microsoft.com/office/powerpoint/2010/main" w="9525">
                   <a:solidFill>
                     <a:srgbClr val="000000"/>
                   </a:solidFill>
@@ -16351,7 +16356,7 @@
             </a:ln>
             <a:extLst>
               <a:ext uri="{91240B29-F687-4f45-9708-019B960494DF}">
-                <a14:hiddenLine xmlns:p14="http://schemas.microsoft.com/office/powerpoint/2010/main" xmlns:a14="http://schemas.microsoft.com/office/drawing/2010/main" xmlns:a16="http://schemas.microsoft.com/office/drawing/2014/main" xmlns="" w="9525">
+                <a14:hiddenLine xmlns="" xmlns:a16="http://schemas.microsoft.com/office/drawing/2014/main" xmlns:a14="http://schemas.microsoft.com/office/drawing/2010/main" xmlns:p14="http://schemas.microsoft.com/office/powerpoint/2010/main" w="9525">
                   <a:solidFill>
                     <a:srgbClr val="000000"/>
                   </a:solidFill>
@@ -16463,7 +16468,7 @@
             </a:ln>
             <a:extLst>
               <a:ext uri="{91240B29-F687-4f45-9708-019B960494DF}">
-                <a14:hiddenLine xmlns:p14="http://schemas.microsoft.com/office/powerpoint/2010/main" xmlns:a14="http://schemas.microsoft.com/office/drawing/2010/main" xmlns:a16="http://schemas.microsoft.com/office/drawing/2014/main" xmlns="" w="9525">
+                <a14:hiddenLine xmlns="" xmlns:a16="http://schemas.microsoft.com/office/drawing/2014/main" xmlns:a14="http://schemas.microsoft.com/office/drawing/2010/main" xmlns:p14="http://schemas.microsoft.com/office/powerpoint/2010/main" w="9525">
                   <a:solidFill>
                     <a:srgbClr val="000000"/>
                   </a:solidFill>
@@ -16547,7 +16552,7 @@
             </a:ln>
             <a:extLst>
               <a:ext uri="{91240B29-F687-4f45-9708-019B960494DF}">
-                <a14:hiddenLine xmlns:p14="http://schemas.microsoft.com/office/powerpoint/2010/main" xmlns:a14="http://schemas.microsoft.com/office/drawing/2010/main" xmlns:a16="http://schemas.microsoft.com/office/drawing/2014/main" xmlns="" w="9525">
+                <a14:hiddenLine xmlns="" xmlns:a16="http://schemas.microsoft.com/office/drawing/2014/main" xmlns:a14="http://schemas.microsoft.com/office/drawing/2010/main" xmlns:p14="http://schemas.microsoft.com/office/powerpoint/2010/main" w="9525">
                   <a:solidFill>
                     <a:srgbClr val="000000"/>
                   </a:solidFill>
@@ -16679,7 +16684,7 @@
             </a:ln>
             <a:extLst>
               <a:ext uri="{91240B29-F687-4f45-9708-019B960494DF}">
-                <a14:hiddenLine xmlns:p14="http://schemas.microsoft.com/office/powerpoint/2010/main" xmlns:a14="http://schemas.microsoft.com/office/drawing/2010/main" xmlns:a16="http://schemas.microsoft.com/office/drawing/2014/main" xmlns="" w="9525">
+                <a14:hiddenLine xmlns="" xmlns:a16="http://schemas.microsoft.com/office/drawing/2014/main" xmlns:a14="http://schemas.microsoft.com/office/drawing/2010/main" xmlns:p14="http://schemas.microsoft.com/office/powerpoint/2010/main" w="9525">
                   <a:solidFill>
                     <a:srgbClr val="000000"/>
                   </a:solidFill>
@@ -16763,7 +16768,7 @@
             </a:ln>
             <a:extLst>
               <a:ext uri="{91240B29-F687-4f45-9708-019B960494DF}">
-                <a14:hiddenLine xmlns:p14="http://schemas.microsoft.com/office/powerpoint/2010/main" xmlns:a14="http://schemas.microsoft.com/office/drawing/2010/main" xmlns:a16="http://schemas.microsoft.com/office/drawing/2014/main" xmlns="" w="9525">
+                <a14:hiddenLine xmlns="" xmlns:a16="http://schemas.microsoft.com/office/drawing/2014/main" xmlns:a14="http://schemas.microsoft.com/office/drawing/2010/main" xmlns:p14="http://schemas.microsoft.com/office/powerpoint/2010/main" w="9525">
                   <a:solidFill>
                     <a:srgbClr val="000000"/>
                   </a:solidFill>
@@ -16875,7 +16880,7 @@
             </a:ln>
             <a:extLst>
               <a:ext uri="{91240B29-F687-4f45-9708-019B960494DF}">
-                <a14:hiddenLine xmlns:p14="http://schemas.microsoft.com/office/powerpoint/2010/main" xmlns:a14="http://schemas.microsoft.com/office/drawing/2010/main" xmlns:a16="http://schemas.microsoft.com/office/drawing/2014/main" xmlns="" w="9525">
+                <a14:hiddenLine xmlns="" xmlns:a16="http://schemas.microsoft.com/office/drawing/2014/main" xmlns:a14="http://schemas.microsoft.com/office/drawing/2010/main" xmlns:p14="http://schemas.microsoft.com/office/powerpoint/2010/main" w="9525">
                   <a:solidFill>
                     <a:srgbClr val="000000"/>
                   </a:solidFill>
@@ -16987,7 +16992,7 @@
             </a:ln>
             <a:extLst>
               <a:ext uri="{91240B29-F687-4f45-9708-019B960494DF}">
-                <a14:hiddenLine xmlns:p14="http://schemas.microsoft.com/office/powerpoint/2010/main" xmlns:a14="http://schemas.microsoft.com/office/drawing/2010/main" xmlns:a16="http://schemas.microsoft.com/office/drawing/2014/main" xmlns="" w="9525">
+                <a14:hiddenLine xmlns="" xmlns:a16="http://schemas.microsoft.com/office/drawing/2014/main" xmlns:a14="http://schemas.microsoft.com/office/drawing/2010/main" xmlns:p14="http://schemas.microsoft.com/office/powerpoint/2010/main" w="9525">
                   <a:solidFill>
                     <a:srgbClr val="000000"/>
                   </a:solidFill>
@@ -17071,7 +17076,7 @@
             </a:ln>
             <a:extLst>
               <a:ext uri="{91240B29-F687-4f45-9708-019B960494DF}">
-                <a14:hiddenLine xmlns:p14="http://schemas.microsoft.com/office/powerpoint/2010/main" xmlns:a14="http://schemas.microsoft.com/office/drawing/2010/main" xmlns:a16="http://schemas.microsoft.com/office/drawing/2014/main" xmlns="" w="9525">
+                <a14:hiddenLine xmlns="" xmlns:a16="http://schemas.microsoft.com/office/drawing/2014/main" xmlns:a14="http://schemas.microsoft.com/office/drawing/2010/main" xmlns:p14="http://schemas.microsoft.com/office/powerpoint/2010/main" w="9525">
                   <a:solidFill>
                     <a:srgbClr val="000000"/>
                   </a:solidFill>
@@ -17183,7 +17188,7 @@
             </a:ln>
             <a:extLst>
               <a:ext uri="{91240B29-F687-4f45-9708-019B960494DF}">
-                <a14:hiddenLine xmlns:p14="http://schemas.microsoft.com/office/powerpoint/2010/main" xmlns:a14="http://schemas.microsoft.com/office/drawing/2010/main" xmlns:a16="http://schemas.microsoft.com/office/drawing/2014/main" xmlns="" w="9525">
+                <a14:hiddenLine xmlns="" xmlns:a16="http://schemas.microsoft.com/office/drawing/2014/main" xmlns:a14="http://schemas.microsoft.com/office/drawing/2010/main" xmlns:p14="http://schemas.microsoft.com/office/powerpoint/2010/main" w="9525">
                   <a:solidFill>
                     <a:srgbClr val="000000"/>
                   </a:solidFill>
@@ -17295,7 +17300,7 @@
             </a:ln>
             <a:extLst>
               <a:ext uri="{91240B29-F687-4f45-9708-019B960494DF}">
-                <a14:hiddenLine xmlns:p14="http://schemas.microsoft.com/office/powerpoint/2010/main" xmlns:a14="http://schemas.microsoft.com/office/drawing/2010/main" xmlns:a16="http://schemas.microsoft.com/office/drawing/2014/main" xmlns="" w="9525">
+                <a14:hiddenLine xmlns="" xmlns:a16="http://schemas.microsoft.com/office/drawing/2014/main" xmlns:a14="http://schemas.microsoft.com/office/drawing/2010/main" xmlns:p14="http://schemas.microsoft.com/office/powerpoint/2010/main" w="9525">
                   <a:solidFill>
                     <a:srgbClr val="000000"/>
                   </a:solidFill>
@@ -17373,7 +17378,7 @@
             </a:ln>
             <a:extLst>
               <a:ext uri="{91240B29-F687-4f45-9708-019B960494DF}">
-                <a14:hiddenLine xmlns:p14="http://schemas.microsoft.com/office/powerpoint/2010/main" xmlns:a14="http://schemas.microsoft.com/office/drawing/2010/main" xmlns:a16="http://schemas.microsoft.com/office/drawing/2014/main" xmlns="" w="9525">
+                <a14:hiddenLine xmlns="" xmlns:a16="http://schemas.microsoft.com/office/drawing/2014/main" xmlns:a14="http://schemas.microsoft.com/office/drawing/2010/main" xmlns:p14="http://schemas.microsoft.com/office/powerpoint/2010/main" w="9525">
                   <a:solidFill>
                     <a:srgbClr val="000000"/>
                   </a:solidFill>
@@ -17485,7 +17490,7 @@
             </a:ln>
             <a:extLst>
               <a:ext uri="{91240B29-F687-4f45-9708-019B960494DF}">
-                <a14:hiddenLine xmlns:p14="http://schemas.microsoft.com/office/powerpoint/2010/main" xmlns:a14="http://schemas.microsoft.com/office/drawing/2010/main" xmlns:a16="http://schemas.microsoft.com/office/drawing/2014/main" xmlns="" w="9525">
+                <a14:hiddenLine xmlns="" xmlns:a16="http://schemas.microsoft.com/office/drawing/2014/main" xmlns:a14="http://schemas.microsoft.com/office/drawing/2010/main" xmlns:p14="http://schemas.microsoft.com/office/powerpoint/2010/main" w="9525">
                   <a:solidFill>
                     <a:srgbClr val="000000"/>
                   </a:solidFill>
@@ -17563,7 +17568,7 @@
             </a:ln>
             <a:extLst>
               <a:ext uri="{91240B29-F687-4f45-9708-019B960494DF}">
-                <a14:hiddenLine xmlns:p14="http://schemas.microsoft.com/office/powerpoint/2010/main" xmlns:a14="http://schemas.microsoft.com/office/drawing/2010/main" xmlns:a16="http://schemas.microsoft.com/office/drawing/2014/main" xmlns="" w="9525">
+                <a14:hiddenLine xmlns="" xmlns:a16="http://schemas.microsoft.com/office/drawing/2014/main" xmlns:a14="http://schemas.microsoft.com/office/drawing/2010/main" xmlns:p14="http://schemas.microsoft.com/office/powerpoint/2010/main" w="9525">
                   <a:solidFill>
                     <a:srgbClr val="000000"/>
                   </a:solidFill>
@@ -17675,7 +17680,7 @@
             </a:ln>
             <a:extLst>
               <a:ext uri="{91240B29-F687-4f45-9708-019B960494DF}">
-                <a14:hiddenLine xmlns:p14="http://schemas.microsoft.com/office/powerpoint/2010/main" xmlns:a14="http://schemas.microsoft.com/office/drawing/2010/main" xmlns:a16="http://schemas.microsoft.com/office/drawing/2014/main" xmlns="" w="9525">
+                <a14:hiddenLine xmlns="" xmlns:a16="http://schemas.microsoft.com/office/drawing/2014/main" xmlns:a14="http://schemas.microsoft.com/office/drawing/2010/main" xmlns:p14="http://schemas.microsoft.com/office/powerpoint/2010/main" w="9525">
                   <a:solidFill>
                     <a:srgbClr val="000000"/>
                   </a:solidFill>
@@ -17765,7 +17770,7 @@
             </a:ln>
             <a:extLst>
               <a:ext uri="{91240B29-F687-4f45-9708-019B960494DF}">
-                <a14:hiddenLine xmlns:p14="http://schemas.microsoft.com/office/powerpoint/2010/main" xmlns:a14="http://schemas.microsoft.com/office/drawing/2010/main" xmlns:a16="http://schemas.microsoft.com/office/drawing/2014/main" xmlns="" w="9525">
+                <a14:hiddenLine xmlns="" xmlns:a16="http://schemas.microsoft.com/office/drawing/2014/main" xmlns:a14="http://schemas.microsoft.com/office/drawing/2010/main" xmlns:p14="http://schemas.microsoft.com/office/powerpoint/2010/main" w="9525">
                   <a:solidFill>
                     <a:srgbClr val="000000"/>
                   </a:solidFill>
@@ -17877,7 +17882,7 @@
             </a:ln>
             <a:extLst>
               <a:ext uri="{91240B29-F687-4f45-9708-019B960494DF}">
-                <a14:hiddenLine xmlns:p14="http://schemas.microsoft.com/office/powerpoint/2010/main" xmlns:a14="http://schemas.microsoft.com/office/drawing/2010/main" xmlns:a16="http://schemas.microsoft.com/office/drawing/2014/main" xmlns="" w="9525">
+                <a14:hiddenLine xmlns="" xmlns:a16="http://schemas.microsoft.com/office/drawing/2014/main" xmlns:a14="http://schemas.microsoft.com/office/drawing/2010/main" xmlns:p14="http://schemas.microsoft.com/office/powerpoint/2010/main" w="9525">
                   <a:solidFill>
                     <a:srgbClr val="000000"/>
                   </a:solidFill>
@@ -17967,7 +17972,7 @@
             </a:ln>
             <a:extLst>
               <a:ext uri="{91240B29-F687-4f45-9708-019B960494DF}">
-                <a14:hiddenLine xmlns:p14="http://schemas.microsoft.com/office/powerpoint/2010/main" xmlns:a14="http://schemas.microsoft.com/office/drawing/2010/main" xmlns:a16="http://schemas.microsoft.com/office/drawing/2014/main" xmlns="" w="9525">
+                <a14:hiddenLine xmlns="" xmlns:a16="http://schemas.microsoft.com/office/drawing/2014/main" xmlns:a14="http://schemas.microsoft.com/office/drawing/2010/main" xmlns:p14="http://schemas.microsoft.com/office/powerpoint/2010/main" w="9525">
                   <a:solidFill>
                     <a:srgbClr val="000000"/>
                   </a:solidFill>
@@ -18079,7 +18084,7 @@
             </a:ln>
             <a:extLst>
               <a:ext uri="{91240B29-F687-4f45-9708-019B960494DF}">
-                <a14:hiddenLine xmlns:p14="http://schemas.microsoft.com/office/powerpoint/2010/main" xmlns:a14="http://schemas.microsoft.com/office/drawing/2010/main" xmlns:a16="http://schemas.microsoft.com/office/drawing/2014/main" xmlns="" w="9525">
+                <a14:hiddenLine xmlns="" xmlns:a16="http://schemas.microsoft.com/office/drawing/2014/main" xmlns:a14="http://schemas.microsoft.com/office/drawing/2010/main" xmlns:p14="http://schemas.microsoft.com/office/powerpoint/2010/main" w="9525">
                   <a:solidFill>
                     <a:srgbClr val="000000"/>
                   </a:solidFill>
@@ -18135,7 +18140,7 @@
             </a:ln>
             <a:extLst>
               <a:ext uri="{91240B29-F687-4f45-9708-019B960494DF}">
-                <a14:hiddenLine xmlns:p14="http://schemas.microsoft.com/office/powerpoint/2010/main" xmlns:a14="http://schemas.microsoft.com/office/drawing/2010/main" xmlns:a16="http://schemas.microsoft.com/office/drawing/2014/main" xmlns="" w="9525">
+                <a14:hiddenLine xmlns="" xmlns:a16="http://schemas.microsoft.com/office/drawing/2014/main" xmlns:a14="http://schemas.microsoft.com/office/drawing/2010/main" xmlns:p14="http://schemas.microsoft.com/office/powerpoint/2010/main" w="9525">
                   <a:solidFill>
                     <a:srgbClr val="000000"/>
                   </a:solidFill>
@@ -18247,7 +18252,7 @@
             </a:ln>
             <a:extLst>
               <a:ext uri="{91240B29-F687-4f45-9708-019B960494DF}">
-                <a14:hiddenLine xmlns:p14="http://schemas.microsoft.com/office/powerpoint/2010/main" xmlns:a14="http://schemas.microsoft.com/office/drawing/2010/main" xmlns:a16="http://schemas.microsoft.com/office/drawing/2014/main" xmlns="" w="9525">
+                <a14:hiddenLine xmlns="" xmlns:a16="http://schemas.microsoft.com/office/drawing/2014/main" xmlns:a14="http://schemas.microsoft.com/office/drawing/2010/main" xmlns:p14="http://schemas.microsoft.com/office/powerpoint/2010/main" w="9525">
                   <a:solidFill>
                     <a:srgbClr val="000000"/>
                   </a:solidFill>
@@ -18331,7 +18336,7 @@
             </a:ln>
             <a:extLst>
               <a:ext uri="{91240B29-F687-4f45-9708-019B960494DF}">
-                <a14:hiddenLine xmlns:p14="http://schemas.microsoft.com/office/powerpoint/2010/main" xmlns:a14="http://schemas.microsoft.com/office/drawing/2010/main" xmlns:a16="http://schemas.microsoft.com/office/drawing/2014/main" xmlns="" w="9525">
+                <a14:hiddenLine xmlns="" xmlns:a16="http://schemas.microsoft.com/office/drawing/2014/main" xmlns:a14="http://schemas.microsoft.com/office/drawing/2010/main" xmlns:p14="http://schemas.microsoft.com/office/powerpoint/2010/main" w="9525">
                   <a:solidFill>
                     <a:srgbClr val="000000"/>
                   </a:solidFill>
@@ -18415,7 +18420,7 @@
             </a:ln>
             <a:extLst>
               <a:ext uri="{91240B29-F687-4f45-9708-019B960494DF}">
-                <a14:hiddenLine xmlns:p14="http://schemas.microsoft.com/office/powerpoint/2010/main" xmlns:a14="http://schemas.microsoft.com/office/drawing/2010/main" xmlns:a16="http://schemas.microsoft.com/office/drawing/2014/main" xmlns="" w="9525">
+                <a14:hiddenLine xmlns="" xmlns:a16="http://schemas.microsoft.com/office/drawing/2014/main" xmlns:a14="http://schemas.microsoft.com/office/drawing/2010/main" xmlns:p14="http://schemas.microsoft.com/office/powerpoint/2010/main" w="9525">
                   <a:solidFill>
                     <a:srgbClr val="000000"/>
                   </a:solidFill>
@@ -18527,7 +18532,7 @@
             </a:ln>
             <a:extLst>
               <a:ext uri="{91240B29-F687-4f45-9708-019B960494DF}">
-                <a14:hiddenLine xmlns:p14="http://schemas.microsoft.com/office/powerpoint/2010/main" xmlns:a14="http://schemas.microsoft.com/office/drawing/2010/main" xmlns:a16="http://schemas.microsoft.com/office/drawing/2014/main" xmlns="" w="9525">
+                <a14:hiddenLine xmlns="" xmlns:a16="http://schemas.microsoft.com/office/drawing/2014/main" xmlns:a14="http://schemas.microsoft.com/office/drawing/2010/main" xmlns:p14="http://schemas.microsoft.com/office/powerpoint/2010/main" w="9525">
                   <a:solidFill>
                     <a:srgbClr val="000000"/>
                   </a:solidFill>
@@ -18617,7 +18622,7 @@
             </a:ln>
             <a:extLst>
               <a:ext uri="{91240B29-F687-4f45-9708-019B960494DF}">
-                <a14:hiddenLine xmlns:p14="http://schemas.microsoft.com/office/powerpoint/2010/main" xmlns:a14="http://schemas.microsoft.com/office/drawing/2010/main" xmlns:a16="http://schemas.microsoft.com/office/drawing/2014/main" xmlns="" w="9525">
+                <a14:hiddenLine xmlns="" xmlns:a16="http://schemas.microsoft.com/office/drawing/2014/main" xmlns:a14="http://schemas.microsoft.com/office/drawing/2010/main" xmlns:p14="http://schemas.microsoft.com/office/powerpoint/2010/main" w="9525">
                   <a:solidFill>
                     <a:srgbClr val="000000"/>
                   </a:solidFill>
@@ -18701,7 +18706,7 @@
             </a:ln>
             <a:extLst>
               <a:ext uri="{91240B29-F687-4f45-9708-019B960494DF}">
-                <a14:hiddenLine xmlns:p14="http://schemas.microsoft.com/office/powerpoint/2010/main" xmlns:a14="http://schemas.microsoft.com/office/drawing/2010/main" xmlns:a16="http://schemas.microsoft.com/office/drawing/2014/main" xmlns="" w="9525">
+                <a14:hiddenLine xmlns="" xmlns:a16="http://schemas.microsoft.com/office/drawing/2014/main" xmlns:a14="http://schemas.microsoft.com/office/drawing/2010/main" xmlns:p14="http://schemas.microsoft.com/office/powerpoint/2010/main" w="9525">
                   <a:solidFill>
                     <a:srgbClr val="000000"/>
                   </a:solidFill>
@@ -18813,7 +18818,7 @@
             </a:ln>
             <a:extLst>
               <a:ext uri="{91240B29-F687-4f45-9708-019B960494DF}">
-                <a14:hiddenLine xmlns:p14="http://schemas.microsoft.com/office/powerpoint/2010/main" xmlns:a14="http://schemas.microsoft.com/office/drawing/2010/main" xmlns:a16="http://schemas.microsoft.com/office/drawing/2014/main" xmlns="" w="9525">
+                <a14:hiddenLine xmlns="" xmlns:a16="http://schemas.microsoft.com/office/drawing/2014/main" xmlns:a14="http://schemas.microsoft.com/office/drawing/2010/main" xmlns:p14="http://schemas.microsoft.com/office/powerpoint/2010/main" w="9525">
                   <a:solidFill>
                     <a:srgbClr val="000000"/>
                   </a:solidFill>
@@ -18897,7 +18902,7 @@
             </a:ln>
             <a:extLst>
               <a:ext uri="{91240B29-F687-4f45-9708-019B960494DF}">
-                <a14:hiddenLine xmlns:p14="http://schemas.microsoft.com/office/powerpoint/2010/main" xmlns:a14="http://schemas.microsoft.com/office/drawing/2010/main" xmlns:a16="http://schemas.microsoft.com/office/drawing/2014/main" xmlns="" w="9525">
+                <a14:hiddenLine xmlns="" xmlns:a16="http://schemas.microsoft.com/office/drawing/2014/main" xmlns:a14="http://schemas.microsoft.com/office/drawing/2010/main" xmlns:p14="http://schemas.microsoft.com/office/powerpoint/2010/main" w="9525">
                   <a:solidFill>
                     <a:srgbClr val="000000"/>
                   </a:solidFill>
@@ -19009,7 +19014,7 @@
             </a:ln>
             <a:extLst>
               <a:ext uri="{91240B29-F687-4f45-9708-019B960494DF}">
-                <a14:hiddenLine xmlns:p14="http://schemas.microsoft.com/office/powerpoint/2010/main" xmlns:a14="http://schemas.microsoft.com/office/drawing/2010/main" xmlns:a16="http://schemas.microsoft.com/office/drawing/2014/main" xmlns="" w="9525">
+                <a14:hiddenLine xmlns="" xmlns:a16="http://schemas.microsoft.com/office/drawing/2014/main" xmlns:a14="http://schemas.microsoft.com/office/drawing/2010/main" xmlns:p14="http://schemas.microsoft.com/office/powerpoint/2010/main" w="9525">
                   <a:solidFill>
                     <a:srgbClr val="000000"/>
                   </a:solidFill>
@@ -19093,7 +19098,7 @@
             </a:ln>
             <a:extLst>
               <a:ext uri="{91240B29-F687-4f45-9708-019B960494DF}">
-                <a14:hiddenLine xmlns:p14="http://schemas.microsoft.com/office/powerpoint/2010/main" xmlns:a14="http://schemas.microsoft.com/office/drawing/2010/main" xmlns:a16="http://schemas.microsoft.com/office/drawing/2014/main" xmlns="" w="9525">
+                <a14:hiddenLine xmlns="" xmlns:a16="http://schemas.microsoft.com/office/drawing/2014/main" xmlns:a14="http://schemas.microsoft.com/office/drawing/2010/main" xmlns:p14="http://schemas.microsoft.com/office/powerpoint/2010/main" w="9525">
                   <a:solidFill>
                     <a:srgbClr val="000000"/>
                   </a:solidFill>
@@ -19205,7 +19210,7 @@
             </a:ln>
             <a:extLst>
               <a:ext uri="{91240B29-F687-4f45-9708-019B960494DF}">
-                <a14:hiddenLine xmlns:p14="http://schemas.microsoft.com/office/powerpoint/2010/main" xmlns:a14="http://schemas.microsoft.com/office/drawing/2010/main" xmlns:a16="http://schemas.microsoft.com/office/drawing/2014/main" xmlns="" w="9525">
+                <a14:hiddenLine xmlns="" xmlns:a16="http://schemas.microsoft.com/office/drawing/2014/main" xmlns:a14="http://schemas.microsoft.com/office/drawing/2010/main" xmlns:p14="http://schemas.microsoft.com/office/powerpoint/2010/main" w="9525">
                   <a:solidFill>
                     <a:srgbClr val="000000"/>
                   </a:solidFill>
@@ -19261,7 +19266,7 @@
             </a:ln>
             <a:extLst>
               <a:ext uri="{91240B29-F687-4f45-9708-019B960494DF}">
-                <a14:hiddenLine xmlns:p14="http://schemas.microsoft.com/office/powerpoint/2010/main" xmlns:a14="http://schemas.microsoft.com/office/drawing/2010/main" xmlns:a16="http://schemas.microsoft.com/office/drawing/2014/main" xmlns="" w="9525">
+                <a14:hiddenLine xmlns="" xmlns:a16="http://schemas.microsoft.com/office/drawing/2014/main" xmlns:a14="http://schemas.microsoft.com/office/drawing/2010/main" xmlns:p14="http://schemas.microsoft.com/office/powerpoint/2010/main" w="9525">
                   <a:solidFill>
                     <a:srgbClr val="000000"/>
                   </a:solidFill>
@@ -19348,7 +19353,7 @@
             </a:ln>
             <a:extLst>
               <a:ext uri="{91240B29-F687-4f45-9708-019B960494DF}">
-                <a14:hiddenLine xmlns:p14="http://schemas.microsoft.com/office/powerpoint/2010/main" xmlns:a14="http://schemas.microsoft.com/office/drawing/2010/main" xmlns:a16="http://schemas.microsoft.com/office/drawing/2014/main" xmlns="" w="9525">
+                <a14:hiddenLine xmlns="" xmlns:a16="http://schemas.microsoft.com/office/drawing/2014/main" xmlns:a14="http://schemas.microsoft.com/office/drawing/2010/main" xmlns:p14="http://schemas.microsoft.com/office/powerpoint/2010/main" w="9525">
                   <a:solidFill>
                     <a:srgbClr val="000000"/>
                   </a:solidFill>
@@ -19460,7 +19465,7 @@
             </a:ln>
             <a:extLst>
               <a:ext uri="{91240B29-F687-4f45-9708-019B960494DF}">
-                <a14:hiddenLine xmlns:p14="http://schemas.microsoft.com/office/powerpoint/2010/main" xmlns:a14="http://schemas.microsoft.com/office/drawing/2010/main" xmlns:a16="http://schemas.microsoft.com/office/drawing/2014/main" xmlns="" w="9525">
+                <a14:hiddenLine xmlns="" xmlns:a16="http://schemas.microsoft.com/office/drawing/2014/main" xmlns:a14="http://schemas.microsoft.com/office/drawing/2010/main" xmlns:p14="http://schemas.microsoft.com/office/powerpoint/2010/main" w="9525">
                   <a:solidFill>
                     <a:srgbClr val="000000"/>
                   </a:solidFill>
@@ -19544,7 +19549,7 @@
             </a:ln>
             <a:extLst>
               <a:ext uri="{91240B29-F687-4f45-9708-019B960494DF}">
-                <a14:hiddenLine xmlns:p14="http://schemas.microsoft.com/office/powerpoint/2010/main" xmlns:a14="http://schemas.microsoft.com/office/drawing/2010/main" xmlns:a16="http://schemas.microsoft.com/office/drawing/2014/main" xmlns="" w="9525">
+                <a14:hiddenLine xmlns="" xmlns:a16="http://schemas.microsoft.com/office/drawing/2014/main" xmlns:a14="http://schemas.microsoft.com/office/drawing/2010/main" xmlns:p14="http://schemas.microsoft.com/office/powerpoint/2010/main" w="9525">
                   <a:solidFill>
                     <a:srgbClr val="000000"/>
                   </a:solidFill>
@@ -19656,7 +19661,7 @@
             </a:ln>
             <a:extLst>
               <a:ext uri="{91240B29-F687-4f45-9708-019B960494DF}">
-                <a14:hiddenLine xmlns:p14="http://schemas.microsoft.com/office/powerpoint/2010/main" xmlns:a14="http://schemas.microsoft.com/office/drawing/2010/main" xmlns:a16="http://schemas.microsoft.com/office/drawing/2014/main" xmlns="" w="9525">
+                <a14:hiddenLine xmlns="" xmlns:a16="http://schemas.microsoft.com/office/drawing/2014/main" xmlns:a14="http://schemas.microsoft.com/office/drawing/2010/main" xmlns:p14="http://schemas.microsoft.com/office/powerpoint/2010/main" w="9525">
                   <a:solidFill>
                     <a:srgbClr val="000000"/>
                   </a:solidFill>
@@ -19768,7 +19773,7 @@
             </a:ln>
             <a:extLst>
               <a:ext uri="{91240B29-F687-4f45-9708-019B960494DF}">
-                <a14:hiddenLine xmlns:p14="http://schemas.microsoft.com/office/powerpoint/2010/main" xmlns:a14="http://schemas.microsoft.com/office/drawing/2010/main" xmlns:a16="http://schemas.microsoft.com/office/drawing/2014/main" xmlns="" w="9525">
+                <a14:hiddenLine xmlns="" xmlns:a16="http://schemas.microsoft.com/office/drawing/2014/main" xmlns:a14="http://schemas.microsoft.com/office/drawing/2010/main" xmlns:p14="http://schemas.microsoft.com/office/powerpoint/2010/main" w="9525">
                   <a:solidFill>
                     <a:srgbClr val="000000"/>
                   </a:solidFill>
@@ -19855,7 +19860,7 @@
             </a:ln>
             <a:extLst>
               <a:ext uri="{91240B29-F687-4f45-9708-019B960494DF}">
-                <a14:hiddenLine xmlns:p14="http://schemas.microsoft.com/office/powerpoint/2010/main" xmlns:a14="http://schemas.microsoft.com/office/drawing/2010/main" xmlns:a16="http://schemas.microsoft.com/office/drawing/2014/main" xmlns="" w="9525">
+                <a14:hiddenLine xmlns="" xmlns:a16="http://schemas.microsoft.com/office/drawing/2014/main" xmlns:a14="http://schemas.microsoft.com/office/drawing/2010/main" xmlns:p14="http://schemas.microsoft.com/office/powerpoint/2010/main" w="9525">
                   <a:solidFill>
                     <a:srgbClr val="000000"/>
                   </a:solidFill>
@@ -19939,7 +19944,7 @@
             </a:ln>
             <a:extLst>
               <a:ext uri="{91240B29-F687-4f45-9708-019B960494DF}">
-                <a14:hiddenLine xmlns:p14="http://schemas.microsoft.com/office/powerpoint/2010/main" xmlns:a14="http://schemas.microsoft.com/office/drawing/2010/main" xmlns:a16="http://schemas.microsoft.com/office/drawing/2014/main" xmlns="" w="9525">
+                <a14:hiddenLine xmlns="" xmlns:a16="http://schemas.microsoft.com/office/drawing/2014/main" xmlns:a14="http://schemas.microsoft.com/office/drawing/2010/main" xmlns:p14="http://schemas.microsoft.com/office/powerpoint/2010/main" w="9525">
                   <a:solidFill>
                     <a:srgbClr val="000000"/>
                   </a:solidFill>
@@ -20051,7 +20056,7 @@
             </a:ln>
             <a:extLst>
               <a:ext uri="{91240B29-F687-4f45-9708-019B960494DF}">
-                <a14:hiddenLine xmlns:p14="http://schemas.microsoft.com/office/powerpoint/2010/main" xmlns:a14="http://schemas.microsoft.com/office/drawing/2010/main" xmlns:a16="http://schemas.microsoft.com/office/drawing/2014/main" xmlns="" w="9525">
+                <a14:hiddenLine xmlns="" xmlns:a16="http://schemas.microsoft.com/office/drawing/2014/main" xmlns:a14="http://schemas.microsoft.com/office/drawing/2010/main" xmlns:p14="http://schemas.microsoft.com/office/powerpoint/2010/main" w="9525">
                   <a:solidFill>
                     <a:srgbClr val="000000"/>
                   </a:solidFill>
@@ -20163,7 +20168,7 @@
             </a:ln>
             <a:extLst>
               <a:ext uri="{91240B29-F687-4f45-9708-019B960494DF}">
-                <a14:hiddenLine xmlns:p14="http://schemas.microsoft.com/office/powerpoint/2010/main" xmlns:a14="http://schemas.microsoft.com/office/drawing/2010/main" xmlns:a16="http://schemas.microsoft.com/office/drawing/2014/main" xmlns="" w="9525">
+                <a14:hiddenLine xmlns="" xmlns:a16="http://schemas.microsoft.com/office/drawing/2014/main" xmlns:a14="http://schemas.microsoft.com/office/drawing/2010/main" xmlns:p14="http://schemas.microsoft.com/office/powerpoint/2010/main" w="9525">
                   <a:solidFill>
                     <a:srgbClr val="000000"/>
                   </a:solidFill>
@@ -20247,7 +20252,7 @@
             </a:ln>
             <a:extLst>
               <a:ext uri="{91240B29-F687-4f45-9708-019B960494DF}">
-                <a14:hiddenLine xmlns:p14="http://schemas.microsoft.com/office/powerpoint/2010/main" xmlns:a14="http://schemas.microsoft.com/office/drawing/2010/main" xmlns:a16="http://schemas.microsoft.com/office/drawing/2014/main" xmlns="" w="9525">
+                <a14:hiddenLine xmlns="" xmlns:a16="http://schemas.microsoft.com/office/drawing/2014/main" xmlns:a14="http://schemas.microsoft.com/office/drawing/2010/main" xmlns:p14="http://schemas.microsoft.com/office/powerpoint/2010/main" w="9525">
                   <a:solidFill>
                     <a:srgbClr val="000000"/>
                   </a:solidFill>
@@ -20389,7 +20394,7 @@
             </a:ln>
             <a:extLst>
               <a:ext uri="{91240B29-F687-4f45-9708-019B960494DF}">
-                <a14:hiddenLine xmlns:p14="http://schemas.microsoft.com/office/powerpoint/2010/main" xmlns:a14="http://schemas.microsoft.com/office/drawing/2010/main" xmlns:a16="http://schemas.microsoft.com/office/drawing/2014/main" xmlns="" w="9525">
+                <a14:hiddenLine xmlns="" xmlns:a16="http://schemas.microsoft.com/office/drawing/2014/main" xmlns:a14="http://schemas.microsoft.com/office/drawing/2010/main" xmlns:p14="http://schemas.microsoft.com/office/powerpoint/2010/main" w="9525">
                   <a:solidFill>
                     <a:srgbClr val="000000"/>
                   </a:solidFill>
@@ -20479,7 +20484,7 @@
             </a:ln>
             <a:extLst>
               <a:ext uri="{91240B29-F687-4f45-9708-019B960494DF}">
-                <a14:hiddenLine xmlns:p14="http://schemas.microsoft.com/office/powerpoint/2010/main" xmlns:a14="http://schemas.microsoft.com/office/drawing/2010/main" xmlns:a16="http://schemas.microsoft.com/office/drawing/2014/main" xmlns="" w="9525">
+                <a14:hiddenLine xmlns="" xmlns:a16="http://schemas.microsoft.com/office/drawing/2014/main" xmlns:a14="http://schemas.microsoft.com/office/drawing/2010/main" xmlns:p14="http://schemas.microsoft.com/office/powerpoint/2010/main" w="9525">
                   <a:solidFill>
                     <a:srgbClr val="000000"/>
                   </a:solidFill>
@@ -20591,7 +20596,7 @@
             </a:ln>
             <a:extLst>
               <a:ext uri="{91240B29-F687-4f45-9708-019B960494DF}">
-                <a14:hiddenLine xmlns:p14="http://schemas.microsoft.com/office/powerpoint/2010/main" xmlns:a14="http://schemas.microsoft.com/office/drawing/2010/main" xmlns:a16="http://schemas.microsoft.com/office/drawing/2014/main" xmlns="" w="9525">
+                <a14:hiddenLine xmlns="" xmlns:a16="http://schemas.microsoft.com/office/drawing/2014/main" xmlns:a14="http://schemas.microsoft.com/office/drawing/2010/main" xmlns:p14="http://schemas.microsoft.com/office/powerpoint/2010/main" w="9525">
                   <a:solidFill>
                     <a:srgbClr val="000000"/>
                   </a:solidFill>
@@ -20755,7 +20760,7 @@
             <a:noFill/>
             <a:extLst>
               <a:ext uri="{909E8E84-426E-40dd-AFC4-6F175D3DCCD1}">
-                <a14:hiddenFill xmlns:p14="http://schemas.microsoft.com/office/powerpoint/2010/main" xmlns:a14="http://schemas.microsoft.com/office/drawing/2010/main" xmlns:a16="http://schemas.microsoft.com/office/drawing/2014/main" xmlns="">
+                <a14:hiddenFill xmlns="" xmlns:a16="http://schemas.microsoft.com/office/drawing/2014/main" xmlns:a14="http://schemas.microsoft.com/office/drawing/2010/main" xmlns:p14="http://schemas.microsoft.com/office/powerpoint/2010/main">
                   <a:solidFill>
                     <a:srgbClr val="FFFFFF"/>
                   </a:solidFill>
@@ -20892,7 +20897,7 @@
             </a:ln>
             <a:extLst>
               <a:ext uri="{91240B29-F687-4f45-9708-019B960494DF}">
-                <a14:hiddenLine xmlns:p14="http://schemas.microsoft.com/office/powerpoint/2010/main" xmlns:a14="http://schemas.microsoft.com/office/drawing/2010/main" xmlns:a16="http://schemas.microsoft.com/office/drawing/2014/main" xmlns="" w="9525">
+                <a14:hiddenLine xmlns="" xmlns:a16="http://schemas.microsoft.com/office/drawing/2014/main" xmlns:a14="http://schemas.microsoft.com/office/drawing/2010/main" xmlns:p14="http://schemas.microsoft.com/office/powerpoint/2010/main" w="9525">
                   <a:solidFill>
                     <a:srgbClr val="000000"/>
                   </a:solidFill>
@@ -21004,7 +21009,7 @@
             </a:ln>
             <a:extLst>
               <a:ext uri="{91240B29-F687-4f45-9708-019B960494DF}">
-                <a14:hiddenLine xmlns:p14="http://schemas.microsoft.com/office/powerpoint/2010/main" xmlns:a14="http://schemas.microsoft.com/office/drawing/2010/main" xmlns:a16="http://schemas.microsoft.com/office/drawing/2014/main" xmlns="" w="9525">
+                <a14:hiddenLine xmlns="" xmlns:a16="http://schemas.microsoft.com/office/drawing/2014/main" xmlns:a14="http://schemas.microsoft.com/office/drawing/2010/main" xmlns:p14="http://schemas.microsoft.com/office/powerpoint/2010/main" w="9525">
                   <a:solidFill>
                     <a:srgbClr val="000000"/>
                   </a:solidFill>
@@ -21116,7 +21121,7 @@
             </a:ln>
             <a:extLst>
               <a:ext uri="{91240B29-F687-4f45-9708-019B960494DF}">
-                <a14:hiddenLine xmlns:p14="http://schemas.microsoft.com/office/powerpoint/2010/main" xmlns:a14="http://schemas.microsoft.com/office/drawing/2010/main" xmlns:a16="http://schemas.microsoft.com/office/drawing/2014/main" xmlns="" w="9525">
+                <a14:hiddenLine xmlns="" xmlns:a16="http://schemas.microsoft.com/office/drawing/2014/main" xmlns:a14="http://schemas.microsoft.com/office/drawing/2010/main" xmlns:p14="http://schemas.microsoft.com/office/powerpoint/2010/main" w="9525">
                   <a:solidFill>
                     <a:srgbClr val="000000"/>
                   </a:solidFill>
@@ -21200,7 +21205,7 @@
             </a:ln>
             <a:extLst>
               <a:ext uri="{91240B29-F687-4f45-9708-019B960494DF}">
-                <a14:hiddenLine xmlns:p14="http://schemas.microsoft.com/office/powerpoint/2010/main" xmlns:a14="http://schemas.microsoft.com/office/drawing/2010/main" xmlns:a16="http://schemas.microsoft.com/office/drawing/2014/main" xmlns="" w="9525">
+                <a14:hiddenLine xmlns="" xmlns:a16="http://schemas.microsoft.com/office/drawing/2014/main" xmlns:a14="http://schemas.microsoft.com/office/drawing/2010/main" xmlns:p14="http://schemas.microsoft.com/office/powerpoint/2010/main" w="9525">
                   <a:solidFill>
                     <a:srgbClr val="000000"/>
                   </a:solidFill>
@@ -21312,7 +21317,7 @@
             </a:ln>
             <a:extLst>
               <a:ext uri="{91240B29-F687-4f45-9708-019B960494DF}">
-                <a14:hiddenLine xmlns:p14="http://schemas.microsoft.com/office/powerpoint/2010/main" xmlns:a14="http://schemas.microsoft.com/office/drawing/2010/main" xmlns:a16="http://schemas.microsoft.com/office/drawing/2014/main" xmlns="" w="9525">
+                <a14:hiddenLine xmlns="" xmlns:a16="http://schemas.microsoft.com/office/drawing/2014/main" xmlns:a14="http://schemas.microsoft.com/office/drawing/2010/main" xmlns:p14="http://schemas.microsoft.com/office/powerpoint/2010/main" w="9525">
                   <a:solidFill>
                     <a:srgbClr val="000000"/>
                   </a:solidFill>
@@ -21396,7 +21401,7 @@
             </a:ln>
             <a:extLst>
               <a:ext uri="{91240B29-F687-4f45-9708-019B960494DF}">
-                <a14:hiddenLine xmlns:p14="http://schemas.microsoft.com/office/powerpoint/2010/main" xmlns:a14="http://schemas.microsoft.com/office/drawing/2010/main" xmlns:a16="http://schemas.microsoft.com/office/drawing/2014/main" xmlns="" w="9525">
+                <a14:hiddenLine xmlns="" xmlns:a16="http://schemas.microsoft.com/office/drawing/2014/main" xmlns:a14="http://schemas.microsoft.com/office/drawing/2010/main" xmlns:p14="http://schemas.microsoft.com/office/powerpoint/2010/main" w="9525">
                   <a:solidFill>
                     <a:srgbClr val="000000"/>
                   </a:solidFill>
@@ -21480,7 +21485,7 @@
             </a:ln>
             <a:extLst>
               <a:ext uri="{91240B29-F687-4f45-9708-019B960494DF}">
-                <a14:hiddenLine xmlns:p14="http://schemas.microsoft.com/office/powerpoint/2010/main" xmlns:a14="http://schemas.microsoft.com/office/drawing/2010/main" xmlns:a16="http://schemas.microsoft.com/office/drawing/2014/main" xmlns="" w="9525">
+                <a14:hiddenLine xmlns="" xmlns:a16="http://schemas.microsoft.com/office/drawing/2014/main" xmlns:a14="http://schemas.microsoft.com/office/drawing/2010/main" xmlns:p14="http://schemas.microsoft.com/office/powerpoint/2010/main" w="9525">
                   <a:solidFill>
                     <a:srgbClr val="000000"/>
                   </a:solidFill>
@@ -21592,7 +21597,7 @@
             </a:ln>
             <a:extLst>
               <a:ext uri="{91240B29-F687-4f45-9708-019B960494DF}">
-                <a14:hiddenLine xmlns:p14="http://schemas.microsoft.com/office/powerpoint/2010/main" xmlns:a14="http://schemas.microsoft.com/office/drawing/2010/main" xmlns:a16="http://schemas.microsoft.com/office/drawing/2014/main" xmlns="" w="9525">
+                <a14:hiddenLine xmlns="" xmlns:a16="http://schemas.microsoft.com/office/drawing/2014/main" xmlns:a14="http://schemas.microsoft.com/office/drawing/2010/main" xmlns:p14="http://schemas.microsoft.com/office/powerpoint/2010/main" w="9525">
                   <a:solidFill>
                     <a:srgbClr val="000000"/>
                   </a:solidFill>
@@ -21704,7 +21709,7 @@
             </a:ln>
             <a:extLst>
               <a:ext uri="{91240B29-F687-4f45-9708-019B960494DF}">
-                <a14:hiddenLine xmlns:p14="http://schemas.microsoft.com/office/powerpoint/2010/main" xmlns:a14="http://schemas.microsoft.com/office/drawing/2010/main" xmlns:a16="http://schemas.microsoft.com/office/drawing/2014/main" xmlns="" w="9525">
+                <a14:hiddenLine xmlns="" xmlns:a16="http://schemas.microsoft.com/office/drawing/2014/main" xmlns:a14="http://schemas.microsoft.com/office/drawing/2010/main" xmlns:p14="http://schemas.microsoft.com/office/powerpoint/2010/main" w="9525">
                   <a:solidFill>
                     <a:srgbClr val="000000"/>
                   </a:solidFill>
@@ -21788,7 +21793,7 @@
             </a:ln>
             <a:extLst>
               <a:ext uri="{91240B29-F687-4f45-9708-019B960494DF}">
-                <a14:hiddenLine xmlns:p14="http://schemas.microsoft.com/office/powerpoint/2010/main" xmlns:a14="http://schemas.microsoft.com/office/drawing/2010/main" xmlns:a16="http://schemas.microsoft.com/office/drawing/2014/main" xmlns="" w="9525">
+                <a14:hiddenLine xmlns="" xmlns:a16="http://schemas.microsoft.com/office/drawing/2014/main" xmlns:a14="http://schemas.microsoft.com/office/drawing/2010/main" xmlns:p14="http://schemas.microsoft.com/office/powerpoint/2010/main" w="9525">
                   <a:solidFill>
                     <a:srgbClr val="000000"/>
                   </a:solidFill>
@@ -21920,7 +21925,7 @@
             </a:ln>
             <a:extLst>
               <a:ext uri="{91240B29-F687-4f45-9708-019B960494DF}">
-                <a14:hiddenLine xmlns:p14="http://schemas.microsoft.com/office/powerpoint/2010/main" xmlns:a14="http://schemas.microsoft.com/office/drawing/2010/main" xmlns:a16="http://schemas.microsoft.com/office/drawing/2014/main" xmlns="" w="9525">
+                <a14:hiddenLine xmlns="" xmlns:a16="http://schemas.microsoft.com/office/drawing/2014/main" xmlns:a14="http://schemas.microsoft.com/office/drawing/2010/main" xmlns:p14="http://schemas.microsoft.com/office/powerpoint/2010/main" w="9525">
                   <a:solidFill>
                     <a:srgbClr val="000000"/>
                   </a:solidFill>
@@ -22048,7 +22053,7 @@
             </a:ln>
             <a:extLst>
               <a:ext uri="{91240B29-F687-4f45-9708-019B960494DF}">
-                <a14:hiddenLine xmlns:p14="http://schemas.microsoft.com/office/powerpoint/2010/main" xmlns:a14="http://schemas.microsoft.com/office/drawing/2010/main" xmlns:a16="http://schemas.microsoft.com/office/drawing/2014/main" xmlns="" w="9525">
+                <a14:hiddenLine xmlns="" xmlns:a16="http://schemas.microsoft.com/office/drawing/2014/main" xmlns:a14="http://schemas.microsoft.com/office/drawing/2010/main" xmlns:p14="http://schemas.microsoft.com/office/powerpoint/2010/main" w="9525">
                   <a:solidFill>
                     <a:srgbClr val="000000"/>
                   </a:solidFill>
@@ -22132,7 +22137,7 @@
             </a:ln>
             <a:extLst>
               <a:ext uri="{91240B29-F687-4f45-9708-019B960494DF}">
-                <a14:hiddenLine xmlns:p14="http://schemas.microsoft.com/office/powerpoint/2010/main" xmlns:a14="http://schemas.microsoft.com/office/drawing/2010/main" xmlns:a16="http://schemas.microsoft.com/office/drawing/2014/main" xmlns="" w="9525">
+                <a14:hiddenLine xmlns="" xmlns:a16="http://schemas.microsoft.com/office/drawing/2014/main" xmlns:a14="http://schemas.microsoft.com/office/drawing/2010/main" xmlns:p14="http://schemas.microsoft.com/office/powerpoint/2010/main" w="9525">
                   <a:solidFill>
                     <a:srgbClr val="000000"/>
                   </a:solidFill>
@@ -22216,7 +22221,7 @@
             </a:ln>
             <a:extLst>
               <a:ext uri="{91240B29-F687-4f45-9708-019B960494DF}">
-                <a14:hiddenLine xmlns:p14="http://schemas.microsoft.com/office/powerpoint/2010/main" xmlns:a14="http://schemas.microsoft.com/office/drawing/2010/main" xmlns:a16="http://schemas.microsoft.com/office/drawing/2014/main" xmlns="" w="9525">
+                <a14:hiddenLine xmlns="" xmlns:a16="http://schemas.microsoft.com/office/drawing/2014/main" xmlns:a14="http://schemas.microsoft.com/office/drawing/2010/main" xmlns:p14="http://schemas.microsoft.com/office/powerpoint/2010/main" w="9525">
                   <a:solidFill>
                     <a:srgbClr val="000000"/>
                   </a:solidFill>
@@ -22328,7 +22333,7 @@
             </a:ln>
             <a:extLst>
               <a:ext uri="{91240B29-F687-4f45-9708-019B960494DF}">
-                <a14:hiddenLine xmlns:p14="http://schemas.microsoft.com/office/powerpoint/2010/main" xmlns:a14="http://schemas.microsoft.com/office/drawing/2010/main" xmlns:a16="http://schemas.microsoft.com/office/drawing/2014/main" xmlns="" w="9525">
+                <a14:hiddenLine xmlns="" xmlns:a16="http://schemas.microsoft.com/office/drawing/2014/main" xmlns:a14="http://schemas.microsoft.com/office/drawing/2010/main" xmlns:p14="http://schemas.microsoft.com/office/powerpoint/2010/main" w="9525">
                   <a:solidFill>
                     <a:srgbClr val="000000"/>
                   </a:solidFill>
@@ -22384,7 +22389,7 @@
             </a:ln>
             <a:extLst>
               <a:ext uri="{91240B29-F687-4f45-9708-019B960494DF}">
-                <a14:hiddenLine xmlns:p14="http://schemas.microsoft.com/office/powerpoint/2010/main" xmlns:a14="http://schemas.microsoft.com/office/drawing/2010/main" xmlns:a16="http://schemas.microsoft.com/office/drawing/2014/main" xmlns="" w="9525">
+                <a14:hiddenLine xmlns="" xmlns:a16="http://schemas.microsoft.com/office/drawing/2014/main" xmlns:a14="http://schemas.microsoft.com/office/drawing/2010/main" xmlns:p14="http://schemas.microsoft.com/office/powerpoint/2010/main" w="9525">
                   <a:solidFill>
                     <a:srgbClr val="000000"/>
                   </a:solidFill>
@@ -22471,7 +22476,7 @@
             </a:ln>
             <a:extLst>
               <a:ext uri="{91240B29-F687-4f45-9708-019B960494DF}">
-                <a14:hiddenLine xmlns:p14="http://schemas.microsoft.com/office/powerpoint/2010/main" xmlns:a14="http://schemas.microsoft.com/office/drawing/2010/main" xmlns:a16="http://schemas.microsoft.com/office/drawing/2014/main" xmlns="" w="9525">
+                <a14:hiddenLine xmlns="" xmlns:a16="http://schemas.microsoft.com/office/drawing/2014/main" xmlns:a14="http://schemas.microsoft.com/office/drawing/2010/main" xmlns:p14="http://schemas.microsoft.com/office/powerpoint/2010/main" w="9525">
                   <a:solidFill>
                     <a:srgbClr val="000000"/>
                   </a:solidFill>
@@ -22583,7 +22588,7 @@
             </a:ln>
             <a:extLst>
               <a:ext uri="{91240B29-F687-4f45-9708-019B960494DF}">
-                <a14:hiddenLine xmlns:p14="http://schemas.microsoft.com/office/powerpoint/2010/main" xmlns:a14="http://schemas.microsoft.com/office/drawing/2010/main" xmlns:a16="http://schemas.microsoft.com/office/drawing/2014/main" xmlns="" w="9525">
+                <a14:hiddenLine xmlns="" xmlns:a16="http://schemas.microsoft.com/office/drawing/2014/main" xmlns:a14="http://schemas.microsoft.com/office/drawing/2010/main" xmlns:p14="http://schemas.microsoft.com/office/powerpoint/2010/main" w="9525">
                   <a:solidFill>
                     <a:srgbClr val="000000"/>
                   </a:solidFill>
@@ -22667,7 +22672,7 @@
             </a:ln>
             <a:extLst>
               <a:ext uri="{91240B29-F687-4f45-9708-019B960494DF}">
-                <a14:hiddenLine xmlns:p14="http://schemas.microsoft.com/office/powerpoint/2010/main" xmlns:a14="http://schemas.microsoft.com/office/drawing/2010/main" xmlns:a16="http://schemas.microsoft.com/office/drawing/2014/main" xmlns="" w="9525">
+                <a14:hiddenLine xmlns="" xmlns:a16="http://schemas.microsoft.com/office/drawing/2014/main" xmlns:a14="http://schemas.microsoft.com/office/drawing/2010/main" xmlns:p14="http://schemas.microsoft.com/office/powerpoint/2010/main" w="9525">
                   <a:solidFill>
                     <a:srgbClr val="000000"/>
                   </a:solidFill>
@@ -22779,7 +22784,7 @@
             </a:ln>
             <a:extLst>
               <a:ext uri="{91240B29-F687-4f45-9708-019B960494DF}">
-                <a14:hiddenLine xmlns:p14="http://schemas.microsoft.com/office/powerpoint/2010/main" xmlns:a14="http://schemas.microsoft.com/office/drawing/2010/main" xmlns:a16="http://schemas.microsoft.com/office/drawing/2014/main" xmlns="" w="9525">
+                <a14:hiddenLine xmlns="" xmlns:a16="http://schemas.microsoft.com/office/drawing/2014/main" xmlns:a14="http://schemas.microsoft.com/office/drawing/2010/main" xmlns:p14="http://schemas.microsoft.com/office/powerpoint/2010/main" w="9525">
                   <a:solidFill>
                     <a:srgbClr val="000000"/>
                   </a:solidFill>
@@ -22866,7 +22871,7 @@
             </a:ln>
             <a:extLst>
               <a:ext uri="{91240B29-F687-4f45-9708-019B960494DF}">
-                <a14:hiddenLine xmlns:p14="http://schemas.microsoft.com/office/powerpoint/2010/main" xmlns:a14="http://schemas.microsoft.com/office/drawing/2010/main" xmlns:a16="http://schemas.microsoft.com/office/drawing/2014/main" xmlns="" w="9525">
+                <a14:hiddenLine xmlns="" xmlns:a16="http://schemas.microsoft.com/office/drawing/2014/main" xmlns:a14="http://schemas.microsoft.com/office/drawing/2010/main" xmlns:p14="http://schemas.microsoft.com/office/powerpoint/2010/main" w="9525">
                   <a:solidFill>
                     <a:srgbClr val="000000"/>
                   </a:solidFill>
@@ -22950,7 +22955,7 @@
             </a:ln>
             <a:extLst>
               <a:ext uri="{91240B29-F687-4f45-9708-019B960494DF}">
-                <a14:hiddenLine xmlns:p14="http://schemas.microsoft.com/office/powerpoint/2010/main" xmlns:a14="http://schemas.microsoft.com/office/drawing/2010/main" xmlns:a16="http://schemas.microsoft.com/office/drawing/2014/main" xmlns="" w="9525">
+                <a14:hiddenLine xmlns="" xmlns:a16="http://schemas.microsoft.com/office/drawing/2014/main" xmlns:a14="http://schemas.microsoft.com/office/drawing/2010/main" xmlns:p14="http://schemas.microsoft.com/office/powerpoint/2010/main" w="9525">
                   <a:solidFill>
                     <a:srgbClr val="000000"/>
                   </a:solidFill>
@@ -23062,7 +23067,7 @@
             </a:ln>
             <a:extLst>
               <a:ext uri="{91240B29-F687-4f45-9708-019B960494DF}">
-                <a14:hiddenLine xmlns:p14="http://schemas.microsoft.com/office/powerpoint/2010/main" xmlns:a14="http://schemas.microsoft.com/office/drawing/2010/main" xmlns:a16="http://schemas.microsoft.com/office/drawing/2014/main" xmlns="" w="9525">
+                <a14:hiddenLine xmlns="" xmlns:a16="http://schemas.microsoft.com/office/drawing/2014/main" xmlns:a14="http://schemas.microsoft.com/office/drawing/2010/main" xmlns:p14="http://schemas.microsoft.com/office/powerpoint/2010/main" w="9525">
                   <a:solidFill>
                     <a:srgbClr val="000000"/>
                   </a:solidFill>
@@ -23174,7 +23179,7 @@
             </a:ln>
             <a:extLst>
               <a:ext uri="{91240B29-F687-4f45-9708-019B960494DF}">
-                <a14:hiddenLine xmlns:p14="http://schemas.microsoft.com/office/powerpoint/2010/main" xmlns:a14="http://schemas.microsoft.com/office/drawing/2010/main" xmlns:a16="http://schemas.microsoft.com/office/drawing/2014/main" xmlns="" w="9525">
+                <a14:hiddenLine xmlns="" xmlns:a16="http://schemas.microsoft.com/office/drawing/2014/main" xmlns:a14="http://schemas.microsoft.com/office/drawing/2010/main" xmlns:p14="http://schemas.microsoft.com/office/powerpoint/2010/main" w="9525">
                   <a:solidFill>
                     <a:srgbClr val="000000"/>
                   </a:solidFill>
@@ -23261,7 +23266,7 @@
             </a:ln>
             <a:extLst>
               <a:ext uri="{91240B29-F687-4f45-9708-019B960494DF}">
-                <a14:hiddenLine xmlns:p14="http://schemas.microsoft.com/office/powerpoint/2010/main" xmlns:a14="http://schemas.microsoft.com/office/drawing/2010/main" xmlns:a16="http://schemas.microsoft.com/office/drawing/2014/main" xmlns="" w="9525">
+                <a14:hiddenLine xmlns="" xmlns:a16="http://schemas.microsoft.com/office/drawing/2014/main" xmlns:a14="http://schemas.microsoft.com/office/drawing/2010/main" xmlns:p14="http://schemas.microsoft.com/office/powerpoint/2010/main" w="9525">
                   <a:solidFill>
                     <a:srgbClr val="000000"/>
                   </a:solidFill>
@@ -23403,7 +23408,7 @@
             </a:ln>
             <a:extLst>
               <a:ext uri="{91240B29-F687-4f45-9708-019B960494DF}">
-                <a14:hiddenLine xmlns:p14="http://schemas.microsoft.com/office/powerpoint/2010/main" xmlns:a14="http://schemas.microsoft.com/office/drawing/2010/main" xmlns:a16="http://schemas.microsoft.com/office/drawing/2014/main" xmlns="" w="9525">
+                <a14:hiddenLine xmlns="" xmlns:a16="http://schemas.microsoft.com/office/drawing/2014/main" xmlns:a14="http://schemas.microsoft.com/office/drawing/2010/main" xmlns:p14="http://schemas.microsoft.com/office/powerpoint/2010/main" w="9525">
                   <a:solidFill>
                     <a:srgbClr val="000000"/>
                   </a:solidFill>
@@ -23589,7 +23594,7 @@
             </a:ln>
             <a:extLst>
               <a:ext uri="{91240B29-F687-4f45-9708-019B960494DF}">
-                <a14:hiddenLine xmlns:p14="http://schemas.microsoft.com/office/powerpoint/2010/main" xmlns:a14="http://schemas.microsoft.com/office/drawing/2010/main" xmlns:a16="http://schemas.microsoft.com/office/drawing/2014/main" xmlns="" w="9525">
+                <a14:hiddenLine xmlns="" xmlns:a16="http://schemas.microsoft.com/office/drawing/2014/main" xmlns:a14="http://schemas.microsoft.com/office/drawing/2010/main" xmlns:p14="http://schemas.microsoft.com/office/powerpoint/2010/main" w="9525">
                   <a:solidFill>
                     <a:srgbClr val="000000"/>
                   </a:solidFill>
@@ -23726,7 +23731,7 @@
             </a:ln>
             <a:extLst>
               <a:ext uri="{91240B29-F687-4f45-9708-019B960494DF}">
-                <a14:hiddenLine xmlns:p14="http://schemas.microsoft.com/office/powerpoint/2010/main" xmlns:a14="http://schemas.microsoft.com/office/drawing/2010/main" xmlns:a16="http://schemas.microsoft.com/office/drawing/2014/main" xmlns="" w="9525">
+                <a14:hiddenLine xmlns="" xmlns:a16="http://schemas.microsoft.com/office/drawing/2014/main" xmlns:a14="http://schemas.microsoft.com/office/drawing/2010/main" xmlns:p14="http://schemas.microsoft.com/office/powerpoint/2010/main" w="9525">
                   <a:solidFill>
                     <a:srgbClr val="000000"/>
                   </a:solidFill>
@@ -23838,7 +23843,7 @@
             </a:ln>
             <a:extLst>
               <a:ext uri="{91240B29-F687-4f45-9708-019B960494DF}">
-                <a14:hiddenLine xmlns:p14="http://schemas.microsoft.com/office/powerpoint/2010/main" xmlns:a14="http://schemas.microsoft.com/office/drawing/2010/main" xmlns:a16="http://schemas.microsoft.com/office/drawing/2014/main" xmlns="" w="9525">
+                <a14:hiddenLine xmlns="" xmlns:a16="http://schemas.microsoft.com/office/drawing/2014/main" xmlns:a14="http://schemas.microsoft.com/office/drawing/2010/main" xmlns:p14="http://schemas.microsoft.com/office/powerpoint/2010/main" w="9525">
                   <a:solidFill>
                     <a:srgbClr val="000000"/>
                   </a:solidFill>
@@ -23925,7 +23930,7 @@
             </a:ln>
             <a:extLst>
               <a:ext uri="{91240B29-F687-4f45-9708-019B960494DF}">
-                <a14:hiddenLine xmlns:p14="http://schemas.microsoft.com/office/powerpoint/2010/main" xmlns:a14="http://schemas.microsoft.com/office/drawing/2010/main" xmlns:a16="http://schemas.microsoft.com/office/drawing/2014/main" xmlns="" w="9525">
+                <a14:hiddenLine xmlns="" xmlns:a16="http://schemas.microsoft.com/office/drawing/2014/main" xmlns:a14="http://schemas.microsoft.com/office/drawing/2010/main" xmlns:p14="http://schemas.microsoft.com/office/powerpoint/2010/main" w="9525">
                   <a:solidFill>
                     <a:srgbClr val="000000"/>
                   </a:solidFill>
@@ -24037,7 +24042,7 @@
             </a:ln>
             <a:extLst>
               <a:ext uri="{91240B29-F687-4f45-9708-019B960494DF}">
-                <a14:hiddenLine xmlns:p14="http://schemas.microsoft.com/office/powerpoint/2010/main" xmlns:a14="http://schemas.microsoft.com/office/drawing/2010/main" xmlns:a16="http://schemas.microsoft.com/office/drawing/2014/main" xmlns="" w="9525">
+                <a14:hiddenLine xmlns="" xmlns:a16="http://schemas.microsoft.com/office/drawing/2014/main" xmlns:a14="http://schemas.microsoft.com/office/drawing/2010/main" xmlns:p14="http://schemas.microsoft.com/office/powerpoint/2010/main" w="9525">
                   <a:solidFill>
                     <a:srgbClr val="000000"/>
                   </a:solidFill>
@@ -24127,7 +24132,7 @@
             </a:ln>
             <a:extLst>
               <a:ext uri="{91240B29-F687-4f45-9708-019B960494DF}">
-                <a14:hiddenLine xmlns:p14="http://schemas.microsoft.com/office/powerpoint/2010/main" xmlns:a14="http://schemas.microsoft.com/office/drawing/2010/main" xmlns:a16="http://schemas.microsoft.com/office/drawing/2014/main" xmlns="" w="9525">
+                <a14:hiddenLine xmlns="" xmlns:a16="http://schemas.microsoft.com/office/drawing/2014/main" xmlns:a14="http://schemas.microsoft.com/office/drawing/2010/main" xmlns:p14="http://schemas.microsoft.com/office/powerpoint/2010/main" w="9525">
                   <a:solidFill>
                     <a:srgbClr val="000000"/>
                   </a:solidFill>
@@ -24239,7 +24244,7 @@
             </a:ln>
             <a:extLst>
               <a:ext uri="{91240B29-F687-4f45-9708-019B960494DF}">
-                <a14:hiddenLine xmlns:p14="http://schemas.microsoft.com/office/powerpoint/2010/main" xmlns:a14="http://schemas.microsoft.com/office/drawing/2010/main" xmlns:a16="http://schemas.microsoft.com/office/drawing/2014/main" xmlns="" w="9525">
+                <a14:hiddenLine xmlns="" xmlns:a16="http://schemas.microsoft.com/office/drawing/2014/main" xmlns:a14="http://schemas.microsoft.com/office/drawing/2010/main" xmlns:p14="http://schemas.microsoft.com/office/powerpoint/2010/main" w="9525">
                   <a:solidFill>
                     <a:srgbClr val="000000"/>
                   </a:solidFill>
@@ -24329,7 +24334,7 @@
             </a:ln>
             <a:extLst>
               <a:ext uri="{91240B29-F687-4f45-9708-019B960494DF}">
-                <a14:hiddenLine xmlns:p14="http://schemas.microsoft.com/office/powerpoint/2010/main" xmlns:a14="http://schemas.microsoft.com/office/drawing/2010/main" xmlns:a16="http://schemas.microsoft.com/office/drawing/2014/main" xmlns="" w="9525">
+                <a14:hiddenLine xmlns="" xmlns:a16="http://schemas.microsoft.com/office/drawing/2014/main" xmlns:a14="http://schemas.microsoft.com/office/drawing/2010/main" xmlns:p14="http://schemas.microsoft.com/office/powerpoint/2010/main" w="9525">
                   <a:solidFill>
                     <a:srgbClr val="000000"/>
                   </a:solidFill>
@@ -24441,7 +24446,7 @@
             </a:ln>
             <a:extLst>
               <a:ext uri="{91240B29-F687-4f45-9708-019B960494DF}">
-                <a14:hiddenLine xmlns:p14="http://schemas.microsoft.com/office/powerpoint/2010/main" xmlns:a14="http://schemas.microsoft.com/office/drawing/2010/main" xmlns:a16="http://schemas.microsoft.com/office/drawing/2014/main" xmlns="" w="9525">
+                <a14:hiddenLine xmlns="" xmlns:a16="http://schemas.microsoft.com/office/drawing/2014/main" xmlns:a14="http://schemas.microsoft.com/office/drawing/2010/main" xmlns:p14="http://schemas.microsoft.com/office/powerpoint/2010/main" w="9525">
                   <a:solidFill>
                     <a:srgbClr val="000000"/>
                   </a:solidFill>
@@ -24497,7 +24502,7 @@
             </a:ln>
             <a:extLst>
               <a:ext uri="{91240B29-F687-4f45-9708-019B960494DF}">
-                <a14:hiddenLine xmlns:p14="http://schemas.microsoft.com/office/powerpoint/2010/main" xmlns:a14="http://schemas.microsoft.com/office/drawing/2010/main" xmlns:a16="http://schemas.microsoft.com/office/drawing/2014/main" xmlns="" w="9525">
+                <a14:hiddenLine xmlns="" xmlns:a16="http://schemas.microsoft.com/office/drawing/2014/main" xmlns:a14="http://schemas.microsoft.com/office/drawing/2010/main" xmlns:p14="http://schemas.microsoft.com/office/powerpoint/2010/main" w="9525">
                   <a:solidFill>
                     <a:srgbClr val="000000"/>
                   </a:solidFill>
@@ -24718,7 +24723,7 @@
           <a:noFill/>
           <a:extLst>
             <a:ext uri="{909E8E84-426E-40dd-AFC4-6F175D3DCCD1}">
-              <a14:hiddenFill xmlns="" xmlns:a16="http://schemas.microsoft.com/office/drawing/2014/main" xmlns:a14="http://schemas.microsoft.com/office/drawing/2010/main" xmlns:p14="http://schemas.microsoft.com/office/powerpoint/2010/main">
+              <a14:hiddenFill xmlns:p14="http://schemas.microsoft.com/office/powerpoint/2010/main" xmlns:a14="http://schemas.microsoft.com/office/drawing/2010/main" xmlns:a16="http://schemas.microsoft.com/office/drawing/2014/main" xmlns="">
                 <a:solidFill>
                   <a:srgbClr val="FFFFFF"/>
                 </a:solidFill>
@@ -24809,7 +24814,7 @@
             </a:ln>
             <a:extLst>
               <a:ext uri="{91240B29-F687-4f45-9708-019B960494DF}">
-                <a14:hiddenLine xmlns="" xmlns:a16="http://schemas.microsoft.com/office/drawing/2014/main" xmlns:a14="http://schemas.microsoft.com/office/drawing/2010/main" xmlns:p14="http://schemas.microsoft.com/office/powerpoint/2010/main" w="9525">
+                <a14:hiddenLine xmlns:p14="http://schemas.microsoft.com/office/powerpoint/2010/main" xmlns:a14="http://schemas.microsoft.com/office/drawing/2010/main" xmlns:a16="http://schemas.microsoft.com/office/drawing/2014/main" xmlns="" w="9525">
                   <a:solidFill>
                     <a:srgbClr val="000000"/>
                   </a:solidFill>
@@ -24921,7 +24926,7 @@
             </a:ln>
             <a:extLst>
               <a:ext uri="{91240B29-F687-4f45-9708-019B960494DF}">
-                <a14:hiddenLine xmlns="" xmlns:a16="http://schemas.microsoft.com/office/drawing/2014/main" xmlns:a14="http://schemas.microsoft.com/office/drawing/2010/main" xmlns:p14="http://schemas.microsoft.com/office/powerpoint/2010/main" w="9525">
+                <a14:hiddenLine xmlns:p14="http://schemas.microsoft.com/office/powerpoint/2010/main" xmlns:a14="http://schemas.microsoft.com/office/drawing/2010/main" xmlns:a16="http://schemas.microsoft.com/office/drawing/2014/main" xmlns="" w="9525">
                   <a:solidFill>
                     <a:srgbClr val="000000"/>
                   </a:solidFill>
@@ -25033,7 +25038,7 @@
             </a:ln>
             <a:extLst>
               <a:ext uri="{91240B29-F687-4f45-9708-019B960494DF}">
-                <a14:hiddenLine xmlns="" xmlns:a16="http://schemas.microsoft.com/office/drawing/2014/main" xmlns:a14="http://schemas.microsoft.com/office/drawing/2010/main" xmlns:p14="http://schemas.microsoft.com/office/powerpoint/2010/main" w="9525">
+                <a14:hiddenLine xmlns:p14="http://schemas.microsoft.com/office/powerpoint/2010/main" xmlns:a14="http://schemas.microsoft.com/office/drawing/2010/main" xmlns:a16="http://schemas.microsoft.com/office/drawing/2014/main" xmlns="" w="9525">
                   <a:solidFill>
                     <a:srgbClr val="000000"/>
                   </a:solidFill>
@@ -25089,7 +25094,7 @@
             </a:ln>
             <a:extLst>
               <a:ext uri="{91240B29-F687-4f45-9708-019B960494DF}">
-                <a14:hiddenLine xmlns="" xmlns:a16="http://schemas.microsoft.com/office/drawing/2014/main" xmlns:a14="http://schemas.microsoft.com/office/drawing/2010/main" xmlns:p14="http://schemas.microsoft.com/office/powerpoint/2010/main" w="9525">
+                <a14:hiddenLine xmlns:p14="http://schemas.microsoft.com/office/powerpoint/2010/main" xmlns:a14="http://schemas.microsoft.com/office/drawing/2010/main" xmlns:a16="http://schemas.microsoft.com/office/drawing/2014/main" xmlns="" w="9525">
                   <a:solidFill>
                     <a:srgbClr val="000000"/>
                   </a:solidFill>
@@ -25201,7 +25206,7 @@
             </a:ln>
             <a:extLst>
               <a:ext uri="{91240B29-F687-4f45-9708-019B960494DF}">
-                <a14:hiddenLine xmlns="" xmlns:a16="http://schemas.microsoft.com/office/drawing/2014/main" xmlns:a14="http://schemas.microsoft.com/office/drawing/2010/main" xmlns:p14="http://schemas.microsoft.com/office/powerpoint/2010/main" w="9525">
+                <a14:hiddenLine xmlns:p14="http://schemas.microsoft.com/office/powerpoint/2010/main" xmlns:a14="http://schemas.microsoft.com/office/drawing/2010/main" xmlns:a16="http://schemas.microsoft.com/office/drawing/2014/main" xmlns="" w="9525">
                   <a:solidFill>
                     <a:srgbClr val="000000"/>
                   </a:solidFill>
@@ -25285,7 +25290,7 @@
             </a:ln>
             <a:extLst>
               <a:ext uri="{91240B29-F687-4f45-9708-019B960494DF}">
-                <a14:hiddenLine xmlns="" xmlns:a16="http://schemas.microsoft.com/office/drawing/2014/main" xmlns:a14="http://schemas.microsoft.com/office/drawing/2010/main" xmlns:p14="http://schemas.microsoft.com/office/powerpoint/2010/main" w="9525">
+                <a14:hiddenLine xmlns:p14="http://schemas.microsoft.com/office/powerpoint/2010/main" xmlns:a14="http://schemas.microsoft.com/office/drawing/2010/main" xmlns:a16="http://schemas.microsoft.com/office/drawing/2014/main" xmlns="" w="9525">
                   <a:solidFill>
                     <a:srgbClr val="000000"/>
                   </a:solidFill>
@@ -25369,7 +25374,7 @@
             </a:ln>
             <a:extLst>
               <a:ext uri="{91240B29-F687-4f45-9708-019B960494DF}">
-                <a14:hiddenLine xmlns="" xmlns:a16="http://schemas.microsoft.com/office/drawing/2014/main" xmlns:a14="http://schemas.microsoft.com/office/drawing/2010/main" xmlns:p14="http://schemas.microsoft.com/office/powerpoint/2010/main" w="9525">
+                <a14:hiddenLine xmlns:p14="http://schemas.microsoft.com/office/powerpoint/2010/main" xmlns:a14="http://schemas.microsoft.com/office/drawing/2010/main" xmlns:a16="http://schemas.microsoft.com/office/drawing/2014/main" xmlns="" w="9525">
                   <a:solidFill>
                     <a:srgbClr val="000000"/>
                   </a:solidFill>
@@ -25481,7 +25486,7 @@
             </a:ln>
             <a:extLst>
               <a:ext uri="{91240B29-F687-4f45-9708-019B960494DF}">
-                <a14:hiddenLine xmlns="" xmlns:a16="http://schemas.microsoft.com/office/drawing/2014/main" xmlns:a14="http://schemas.microsoft.com/office/drawing/2010/main" xmlns:p14="http://schemas.microsoft.com/office/powerpoint/2010/main" w="9525">
+                <a14:hiddenLine xmlns:p14="http://schemas.microsoft.com/office/powerpoint/2010/main" xmlns:a14="http://schemas.microsoft.com/office/drawing/2010/main" xmlns:a16="http://schemas.microsoft.com/office/drawing/2014/main" xmlns="" w="9525">
                   <a:solidFill>
                     <a:srgbClr val="000000"/>
                   </a:solidFill>
@@ -25565,7 +25570,7 @@
             </a:ln>
             <a:extLst>
               <a:ext uri="{91240B29-F687-4f45-9708-019B960494DF}">
-                <a14:hiddenLine xmlns="" xmlns:a16="http://schemas.microsoft.com/office/drawing/2014/main" xmlns:a14="http://schemas.microsoft.com/office/drawing/2010/main" xmlns:p14="http://schemas.microsoft.com/office/powerpoint/2010/main" w="9525">
+                <a14:hiddenLine xmlns:p14="http://schemas.microsoft.com/office/powerpoint/2010/main" xmlns:a14="http://schemas.microsoft.com/office/drawing/2010/main" xmlns:a16="http://schemas.microsoft.com/office/drawing/2014/main" xmlns="" w="9525">
                   <a:solidFill>
                     <a:srgbClr val="000000"/>
                   </a:solidFill>
@@ -25649,7 +25654,7 @@
             </a:ln>
             <a:extLst>
               <a:ext uri="{91240B29-F687-4f45-9708-019B960494DF}">
-                <a14:hiddenLine xmlns="" xmlns:a16="http://schemas.microsoft.com/office/drawing/2014/main" xmlns:a14="http://schemas.microsoft.com/office/drawing/2010/main" xmlns:p14="http://schemas.microsoft.com/office/powerpoint/2010/main" w="9525">
+                <a14:hiddenLine xmlns:p14="http://schemas.microsoft.com/office/powerpoint/2010/main" xmlns:a14="http://schemas.microsoft.com/office/drawing/2010/main" xmlns:a16="http://schemas.microsoft.com/office/drawing/2014/main" xmlns="" w="9525">
                   <a:solidFill>
                     <a:srgbClr val="000000"/>
                   </a:solidFill>
@@ -25761,7 +25766,7 @@
             </a:ln>
             <a:extLst>
               <a:ext uri="{91240B29-F687-4f45-9708-019B960494DF}">
-                <a14:hiddenLine xmlns="" xmlns:a16="http://schemas.microsoft.com/office/drawing/2014/main" xmlns:a14="http://schemas.microsoft.com/office/drawing/2010/main" xmlns:p14="http://schemas.microsoft.com/office/powerpoint/2010/main" w="9525">
+                <a14:hiddenLine xmlns:p14="http://schemas.microsoft.com/office/powerpoint/2010/main" xmlns:a14="http://schemas.microsoft.com/office/drawing/2010/main" xmlns:a16="http://schemas.microsoft.com/office/drawing/2014/main" xmlns="" w="9525">
                   <a:solidFill>
                     <a:srgbClr val="000000"/>
                   </a:solidFill>
@@ -25873,7 +25878,7 @@
             </a:ln>
             <a:extLst>
               <a:ext uri="{91240B29-F687-4f45-9708-019B960494DF}">
-                <a14:hiddenLine xmlns="" xmlns:a16="http://schemas.microsoft.com/office/drawing/2014/main" xmlns:a14="http://schemas.microsoft.com/office/drawing/2010/main" xmlns:p14="http://schemas.microsoft.com/office/powerpoint/2010/main" w="9525">
+                <a14:hiddenLine xmlns:p14="http://schemas.microsoft.com/office/powerpoint/2010/main" xmlns:a14="http://schemas.microsoft.com/office/drawing/2010/main" xmlns:a16="http://schemas.microsoft.com/office/drawing/2014/main" xmlns="" w="9525">
                   <a:solidFill>
                     <a:srgbClr val="000000"/>
                   </a:solidFill>
@@ -25957,7 +25962,7 @@
             </a:ln>
             <a:extLst>
               <a:ext uri="{91240B29-F687-4f45-9708-019B960494DF}">
-                <a14:hiddenLine xmlns="" xmlns:a16="http://schemas.microsoft.com/office/drawing/2014/main" xmlns:a14="http://schemas.microsoft.com/office/drawing/2010/main" xmlns:p14="http://schemas.microsoft.com/office/powerpoint/2010/main" w="9525">
+                <a14:hiddenLine xmlns:p14="http://schemas.microsoft.com/office/powerpoint/2010/main" xmlns:a14="http://schemas.microsoft.com/office/drawing/2010/main" xmlns:a16="http://schemas.microsoft.com/office/drawing/2014/main" xmlns="" w="9525">
                   <a:solidFill>
                     <a:srgbClr val="000000"/>
                   </a:solidFill>
@@ -26089,7 +26094,7 @@
             </a:ln>
             <a:extLst>
               <a:ext uri="{91240B29-F687-4f45-9708-019B960494DF}">
-                <a14:hiddenLine xmlns="" xmlns:a16="http://schemas.microsoft.com/office/drawing/2014/main" xmlns:a14="http://schemas.microsoft.com/office/drawing/2010/main" xmlns:p14="http://schemas.microsoft.com/office/powerpoint/2010/main" w="9525">
+                <a14:hiddenLine xmlns:p14="http://schemas.microsoft.com/office/powerpoint/2010/main" xmlns:a14="http://schemas.microsoft.com/office/drawing/2010/main" xmlns:a16="http://schemas.microsoft.com/office/drawing/2014/main" xmlns="" w="9525">
                   <a:solidFill>
                     <a:srgbClr val="000000"/>
                   </a:solidFill>
@@ -26173,7 +26178,7 @@
             </a:ln>
             <a:extLst>
               <a:ext uri="{91240B29-F687-4f45-9708-019B960494DF}">
-                <a14:hiddenLine xmlns="" xmlns:a16="http://schemas.microsoft.com/office/drawing/2014/main" xmlns:a14="http://schemas.microsoft.com/office/drawing/2010/main" xmlns:p14="http://schemas.microsoft.com/office/powerpoint/2010/main" w="9525">
+                <a14:hiddenLine xmlns:p14="http://schemas.microsoft.com/office/powerpoint/2010/main" xmlns:a14="http://schemas.microsoft.com/office/drawing/2010/main" xmlns:a16="http://schemas.microsoft.com/office/drawing/2014/main" xmlns="" w="9525">
                   <a:solidFill>
                     <a:srgbClr val="000000"/>
                   </a:solidFill>
@@ -26285,7 +26290,7 @@
             </a:ln>
             <a:extLst>
               <a:ext uri="{91240B29-F687-4f45-9708-019B960494DF}">
-                <a14:hiddenLine xmlns="" xmlns:a16="http://schemas.microsoft.com/office/drawing/2014/main" xmlns:a14="http://schemas.microsoft.com/office/drawing/2010/main" xmlns:p14="http://schemas.microsoft.com/office/powerpoint/2010/main" w="9525">
+                <a14:hiddenLine xmlns:p14="http://schemas.microsoft.com/office/powerpoint/2010/main" xmlns:a14="http://schemas.microsoft.com/office/drawing/2010/main" xmlns:a16="http://schemas.microsoft.com/office/drawing/2014/main" xmlns="" w="9525">
                   <a:solidFill>
                     <a:srgbClr val="000000"/>
                   </a:solidFill>
@@ -26397,7 +26402,7 @@
             </a:ln>
             <a:extLst>
               <a:ext uri="{91240B29-F687-4f45-9708-019B960494DF}">
-                <a14:hiddenLine xmlns="" xmlns:a16="http://schemas.microsoft.com/office/drawing/2014/main" xmlns:a14="http://schemas.microsoft.com/office/drawing/2010/main" xmlns:p14="http://schemas.microsoft.com/office/powerpoint/2010/main" w="9525">
+                <a14:hiddenLine xmlns:p14="http://schemas.microsoft.com/office/powerpoint/2010/main" xmlns:a14="http://schemas.microsoft.com/office/drawing/2010/main" xmlns:a16="http://schemas.microsoft.com/office/drawing/2014/main" xmlns="" w="9525">
                   <a:solidFill>
                     <a:srgbClr val="000000"/>
                   </a:solidFill>
@@ -26481,7 +26486,7 @@
             </a:ln>
             <a:extLst>
               <a:ext uri="{91240B29-F687-4f45-9708-019B960494DF}">
-                <a14:hiddenLine xmlns="" xmlns:a16="http://schemas.microsoft.com/office/drawing/2014/main" xmlns:a14="http://schemas.microsoft.com/office/drawing/2010/main" xmlns:p14="http://schemas.microsoft.com/office/powerpoint/2010/main" w="9525">
+                <a14:hiddenLine xmlns:p14="http://schemas.microsoft.com/office/powerpoint/2010/main" xmlns:a14="http://schemas.microsoft.com/office/drawing/2010/main" xmlns:a16="http://schemas.microsoft.com/office/drawing/2014/main" xmlns="" w="9525">
                   <a:solidFill>
                     <a:srgbClr val="000000"/>
                   </a:solidFill>
@@ -26593,7 +26598,7 @@
             </a:ln>
             <a:extLst>
               <a:ext uri="{91240B29-F687-4f45-9708-019B960494DF}">
-                <a14:hiddenLine xmlns="" xmlns:a16="http://schemas.microsoft.com/office/drawing/2014/main" xmlns:a14="http://schemas.microsoft.com/office/drawing/2010/main" xmlns:p14="http://schemas.microsoft.com/office/powerpoint/2010/main" w="9525">
+                <a14:hiddenLine xmlns:p14="http://schemas.microsoft.com/office/powerpoint/2010/main" xmlns:a14="http://schemas.microsoft.com/office/drawing/2010/main" xmlns:a16="http://schemas.microsoft.com/office/drawing/2014/main" xmlns="" w="9525">
                   <a:solidFill>
                     <a:srgbClr val="000000"/>
                   </a:solidFill>
@@ -26705,7 +26710,7 @@
             </a:ln>
             <a:extLst>
               <a:ext uri="{91240B29-F687-4f45-9708-019B960494DF}">
-                <a14:hiddenLine xmlns="" xmlns:a16="http://schemas.microsoft.com/office/drawing/2014/main" xmlns:a14="http://schemas.microsoft.com/office/drawing/2010/main" xmlns:p14="http://schemas.microsoft.com/office/powerpoint/2010/main" w="9525">
+                <a14:hiddenLine xmlns:p14="http://schemas.microsoft.com/office/powerpoint/2010/main" xmlns:a14="http://schemas.microsoft.com/office/drawing/2010/main" xmlns:a16="http://schemas.microsoft.com/office/drawing/2014/main" xmlns="" w="9525">
                   <a:solidFill>
                     <a:srgbClr val="000000"/>
                   </a:solidFill>
@@ -26783,7 +26788,7 @@
             </a:ln>
             <a:extLst>
               <a:ext uri="{91240B29-F687-4f45-9708-019B960494DF}">
-                <a14:hiddenLine xmlns="" xmlns:a16="http://schemas.microsoft.com/office/drawing/2014/main" xmlns:a14="http://schemas.microsoft.com/office/drawing/2010/main" xmlns:p14="http://schemas.microsoft.com/office/powerpoint/2010/main" w="9525">
+                <a14:hiddenLine xmlns:p14="http://schemas.microsoft.com/office/powerpoint/2010/main" xmlns:a14="http://schemas.microsoft.com/office/drawing/2010/main" xmlns:a16="http://schemas.microsoft.com/office/drawing/2014/main" xmlns="" w="9525">
                   <a:solidFill>
                     <a:srgbClr val="000000"/>
                   </a:solidFill>
@@ -26895,7 +26900,7 @@
             </a:ln>
             <a:extLst>
               <a:ext uri="{91240B29-F687-4f45-9708-019B960494DF}">
-                <a14:hiddenLine xmlns="" xmlns:a16="http://schemas.microsoft.com/office/drawing/2014/main" xmlns:a14="http://schemas.microsoft.com/office/drawing/2010/main" xmlns:p14="http://schemas.microsoft.com/office/powerpoint/2010/main" w="9525">
+                <a14:hiddenLine xmlns:p14="http://schemas.microsoft.com/office/powerpoint/2010/main" xmlns:a14="http://schemas.microsoft.com/office/drawing/2010/main" xmlns:a16="http://schemas.microsoft.com/office/drawing/2014/main" xmlns="" w="9525">
                   <a:solidFill>
                     <a:srgbClr val="000000"/>
                   </a:solidFill>
@@ -26973,7 +26978,7 @@
             </a:ln>
             <a:extLst>
               <a:ext uri="{91240B29-F687-4f45-9708-019B960494DF}">
-                <a14:hiddenLine xmlns="" xmlns:a16="http://schemas.microsoft.com/office/drawing/2014/main" xmlns:a14="http://schemas.microsoft.com/office/drawing/2010/main" xmlns:p14="http://schemas.microsoft.com/office/powerpoint/2010/main" w="9525">
+                <a14:hiddenLine xmlns:p14="http://schemas.microsoft.com/office/powerpoint/2010/main" xmlns:a14="http://schemas.microsoft.com/office/drawing/2010/main" xmlns:a16="http://schemas.microsoft.com/office/drawing/2014/main" xmlns="" w="9525">
                   <a:solidFill>
                     <a:srgbClr val="000000"/>
                   </a:solidFill>
@@ -27085,7 +27090,7 @@
             </a:ln>
             <a:extLst>
               <a:ext uri="{91240B29-F687-4f45-9708-019B960494DF}">
-                <a14:hiddenLine xmlns="" xmlns:a16="http://schemas.microsoft.com/office/drawing/2014/main" xmlns:a14="http://schemas.microsoft.com/office/drawing/2010/main" xmlns:p14="http://schemas.microsoft.com/office/powerpoint/2010/main" w="9525">
+                <a14:hiddenLine xmlns:p14="http://schemas.microsoft.com/office/powerpoint/2010/main" xmlns:a14="http://schemas.microsoft.com/office/drawing/2010/main" xmlns:a16="http://schemas.microsoft.com/office/drawing/2014/main" xmlns="" w="9525">
                   <a:solidFill>
                     <a:srgbClr val="000000"/>
                   </a:solidFill>
@@ -27175,7 +27180,7 @@
             </a:ln>
             <a:extLst>
               <a:ext uri="{91240B29-F687-4f45-9708-019B960494DF}">
-                <a14:hiddenLine xmlns="" xmlns:a16="http://schemas.microsoft.com/office/drawing/2014/main" xmlns:a14="http://schemas.microsoft.com/office/drawing/2010/main" xmlns:p14="http://schemas.microsoft.com/office/powerpoint/2010/main" w="9525">
+                <a14:hiddenLine xmlns:p14="http://schemas.microsoft.com/office/powerpoint/2010/main" xmlns:a14="http://schemas.microsoft.com/office/drawing/2010/main" xmlns:a16="http://schemas.microsoft.com/office/drawing/2014/main" xmlns="" w="9525">
                   <a:solidFill>
                     <a:srgbClr val="000000"/>
                   </a:solidFill>
@@ -27287,7 +27292,7 @@
             </a:ln>
             <a:extLst>
               <a:ext uri="{91240B29-F687-4f45-9708-019B960494DF}">
-                <a14:hiddenLine xmlns="" xmlns:a16="http://schemas.microsoft.com/office/drawing/2014/main" xmlns:a14="http://schemas.microsoft.com/office/drawing/2010/main" xmlns:p14="http://schemas.microsoft.com/office/powerpoint/2010/main" w="9525">
+                <a14:hiddenLine xmlns:p14="http://schemas.microsoft.com/office/powerpoint/2010/main" xmlns:a14="http://schemas.microsoft.com/office/drawing/2010/main" xmlns:a16="http://schemas.microsoft.com/office/drawing/2014/main" xmlns="" w="9525">
                   <a:solidFill>
                     <a:srgbClr val="000000"/>
                   </a:solidFill>
@@ -27377,7 +27382,7 @@
             </a:ln>
             <a:extLst>
               <a:ext uri="{91240B29-F687-4f45-9708-019B960494DF}">
-                <a14:hiddenLine xmlns="" xmlns:a16="http://schemas.microsoft.com/office/drawing/2014/main" xmlns:a14="http://schemas.microsoft.com/office/drawing/2010/main" xmlns:p14="http://schemas.microsoft.com/office/powerpoint/2010/main" w="9525">
+                <a14:hiddenLine xmlns:p14="http://schemas.microsoft.com/office/powerpoint/2010/main" xmlns:a14="http://schemas.microsoft.com/office/drawing/2010/main" xmlns:a16="http://schemas.microsoft.com/office/drawing/2014/main" xmlns="" w="9525">
                   <a:solidFill>
                     <a:srgbClr val="000000"/>
                   </a:solidFill>
@@ -27489,7 +27494,7 @@
             </a:ln>
             <a:extLst>
               <a:ext uri="{91240B29-F687-4f45-9708-019B960494DF}">
-                <a14:hiddenLine xmlns="" xmlns:a16="http://schemas.microsoft.com/office/drawing/2014/main" xmlns:a14="http://schemas.microsoft.com/office/drawing/2010/main" xmlns:p14="http://schemas.microsoft.com/office/powerpoint/2010/main" w="9525">
+                <a14:hiddenLine xmlns:p14="http://schemas.microsoft.com/office/powerpoint/2010/main" xmlns:a14="http://schemas.microsoft.com/office/drawing/2010/main" xmlns:a16="http://schemas.microsoft.com/office/drawing/2014/main" xmlns="" w="9525">
                   <a:solidFill>
                     <a:srgbClr val="000000"/>
                   </a:solidFill>
@@ -27545,7 +27550,7 @@
             </a:ln>
             <a:extLst>
               <a:ext uri="{91240B29-F687-4f45-9708-019B960494DF}">
-                <a14:hiddenLine xmlns="" xmlns:a16="http://schemas.microsoft.com/office/drawing/2014/main" xmlns:a14="http://schemas.microsoft.com/office/drawing/2010/main" xmlns:p14="http://schemas.microsoft.com/office/powerpoint/2010/main" w="9525">
+                <a14:hiddenLine xmlns:p14="http://schemas.microsoft.com/office/powerpoint/2010/main" xmlns:a14="http://schemas.microsoft.com/office/drawing/2010/main" xmlns:a16="http://schemas.microsoft.com/office/drawing/2014/main" xmlns="" w="9525">
                   <a:solidFill>
                     <a:srgbClr val="000000"/>
                   </a:solidFill>
@@ -27657,7 +27662,7 @@
             </a:ln>
             <a:extLst>
               <a:ext uri="{91240B29-F687-4f45-9708-019B960494DF}">
-                <a14:hiddenLine xmlns="" xmlns:a16="http://schemas.microsoft.com/office/drawing/2014/main" xmlns:a14="http://schemas.microsoft.com/office/drawing/2010/main" xmlns:p14="http://schemas.microsoft.com/office/powerpoint/2010/main" w="9525">
+                <a14:hiddenLine xmlns:p14="http://schemas.microsoft.com/office/powerpoint/2010/main" xmlns:a14="http://schemas.microsoft.com/office/drawing/2010/main" xmlns:a16="http://schemas.microsoft.com/office/drawing/2014/main" xmlns="" w="9525">
                   <a:solidFill>
                     <a:srgbClr val="000000"/>
                   </a:solidFill>
@@ -27741,7 +27746,7 @@
             </a:ln>
             <a:extLst>
               <a:ext uri="{91240B29-F687-4f45-9708-019B960494DF}">
-                <a14:hiddenLine xmlns="" xmlns:a16="http://schemas.microsoft.com/office/drawing/2014/main" xmlns:a14="http://schemas.microsoft.com/office/drawing/2010/main" xmlns:p14="http://schemas.microsoft.com/office/powerpoint/2010/main" w="9525">
+                <a14:hiddenLine xmlns:p14="http://schemas.microsoft.com/office/powerpoint/2010/main" xmlns:a14="http://schemas.microsoft.com/office/drawing/2010/main" xmlns:a16="http://schemas.microsoft.com/office/drawing/2014/main" xmlns="" w="9525">
                   <a:solidFill>
                     <a:srgbClr val="000000"/>
                   </a:solidFill>
@@ -27825,7 +27830,7 @@
             </a:ln>
             <a:extLst>
               <a:ext uri="{91240B29-F687-4f45-9708-019B960494DF}">
-                <a14:hiddenLine xmlns="" xmlns:a16="http://schemas.microsoft.com/office/drawing/2014/main" xmlns:a14="http://schemas.microsoft.com/office/drawing/2010/main" xmlns:p14="http://schemas.microsoft.com/office/powerpoint/2010/main" w="9525">
+                <a14:hiddenLine xmlns:p14="http://schemas.microsoft.com/office/powerpoint/2010/main" xmlns:a14="http://schemas.microsoft.com/office/drawing/2010/main" xmlns:a16="http://schemas.microsoft.com/office/drawing/2014/main" xmlns="" w="9525">
                   <a:solidFill>
                     <a:srgbClr val="000000"/>
                   </a:solidFill>
@@ -27937,7 +27942,7 @@
             </a:ln>
             <a:extLst>
               <a:ext uri="{91240B29-F687-4f45-9708-019B960494DF}">
-                <a14:hiddenLine xmlns="" xmlns:a16="http://schemas.microsoft.com/office/drawing/2014/main" xmlns:a14="http://schemas.microsoft.com/office/drawing/2010/main" xmlns:p14="http://schemas.microsoft.com/office/powerpoint/2010/main" w="9525">
+                <a14:hiddenLine xmlns:p14="http://schemas.microsoft.com/office/powerpoint/2010/main" xmlns:a14="http://schemas.microsoft.com/office/drawing/2010/main" xmlns:a16="http://schemas.microsoft.com/office/drawing/2014/main" xmlns="" w="9525">
                   <a:solidFill>
                     <a:srgbClr val="000000"/>
                   </a:solidFill>
@@ -28027,7 +28032,7 @@
             </a:ln>
             <a:extLst>
               <a:ext uri="{91240B29-F687-4f45-9708-019B960494DF}">
-                <a14:hiddenLine xmlns="" xmlns:a16="http://schemas.microsoft.com/office/drawing/2014/main" xmlns:a14="http://schemas.microsoft.com/office/drawing/2010/main" xmlns:p14="http://schemas.microsoft.com/office/powerpoint/2010/main" w="9525">
+                <a14:hiddenLine xmlns:p14="http://schemas.microsoft.com/office/powerpoint/2010/main" xmlns:a14="http://schemas.microsoft.com/office/drawing/2010/main" xmlns:a16="http://schemas.microsoft.com/office/drawing/2014/main" xmlns="" w="9525">
                   <a:solidFill>
                     <a:srgbClr val="000000"/>
                   </a:solidFill>
@@ -28111,7 +28116,7 @@
             </a:ln>
             <a:extLst>
               <a:ext uri="{91240B29-F687-4f45-9708-019B960494DF}">
-                <a14:hiddenLine xmlns="" xmlns:a16="http://schemas.microsoft.com/office/drawing/2014/main" xmlns:a14="http://schemas.microsoft.com/office/drawing/2010/main" xmlns:p14="http://schemas.microsoft.com/office/powerpoint/2010/main" w="9525">
+                <a14:hiddenLine xmlns:p14="http://schemas.microsoft.com/office/powerpoint/2010/main" xmlns:a14="http://schemas.microsoft.com/office/drawing/2010/main" xmlns:a16="http://schemas.microsoft.com/office/drawing/2014/main" xmlns="" w="9525">
                   <a:solidFill>
                     <a:srgbClr val="000000"/>
                   </a:solidFill>
@@ -28223,7 +28228,7 @@
             </a:ln>
             <a:extLst>
               <a:ext uri="{91240B29-F687-4f45-9708-019B960494DF}">
-                <a14:hiddenLine xmlns="" xmlns:a16="http://schemas.microsoft.com/office/drawing/2014/main" xmlns:a14="http://schemas.microsoft.com/office/drawing/2010/main" xmlns:p14="http://schemas.microsoft.com/office/powerpoint/2010/main" w="9525">
+                <a14:hiddenLine xmlns:p14="http://schemas.microsoft.com/office/powerpoint/2010/main" xmlns:a14="http://schemas.microsoft.com/office/drawing/2010/main" xmlns:a16="http://schemas.microsoft.com/office/drawing/2014/main" xmlns="" w="9525">
                   <a:solidFill>
                     <a:srgbClr val="000000"/>
                   </a:solidFill>
@@ -28307,7 +28312,7 @@
             </a:ln>
             <a:extLst>
               <a:ext uri="{91240B29-F687-4f45-9708-019B960494DF}">
-                <a14:hiddenLine xmlns="" xmlns:a16="http://schemas.microsoft.com/office/drawing/2014/main" xmlns:a14="http://schemas.microsoft.com/office/drawing/2010/main" xmlns:p14="http://schemas.microsoft.com/office/powerpoint/2010/main" w="9525">
+                <a14:hiddenLine xmlns:p14="http://schemas.microsoft.com/office/powerpoint/2010/main" xmlns:a14="http://schemas.microsoft.com/office/drawing/2010/main" xmlns:a16="http://schemas.microsoft.com/office/drawing/2014/main" xmlns="" w="9525">
                   <a:solidFill>
                     <a:srgbClr val="000000"/>
                   </a:solidFill>
@@ -28419,7 +28424,7 @@
             </a:ln>
             <a:extLst>
               <a:ext uri="{91240B29-F687-4f45-9708-019B960494DF}">
-                <a14:hiddenLine xmlns="" xmlns:a16="http://schemas.microsoft.com/office/drawing/2014/main" xmlns:a14="http://schemas.microsoft.com/office/drawing/2010/main" xmlns:p14="http://schemas.microsoft.com/office/powerpoint/2010/main" w="9525">
+                <a14:hiddenLine xmlns:p14="http://schemas.microsoft.com/office/powerpoint/2010/main" xmlns:a14="http://schemas.microsoft.com/office/drawing/2010/main" xmlns:a16="http://schemas.microsoft.com/office/drawing/2014/main" xmlns="" w="9525">
                   <a:solidFill>
                     <a:srgbClr val="000000"/>
                   </a:solidFill>
@@ -28503,7 +28508,7 @@
             </a:ln>
             <a:extLst>
               <a:ext uri="{91240B29-F687-4f45-9708-019B960494DF}">
-                <a14:hiddenLine xmlns="" xmlns:a16="http://schemas.microsoft.com/office/drawing/2014/main" xmlns:a14="http://schemas.microsoft.com/office/drawing/2010/main" xmlns:p14="http://schemas.microsoft.com/office/powerpoint/2010/main" w="9525">
+                <a14:hiddenLine xmlns:p14="http://schemas.microsoft.com/office/powerpoint/2010/main" xmlns:a14="http://schemas.microsoft.com/office/drawing/2010/main" xmlns:a16="http://schemas.microsoft.com/office/drawing/2014/main" xmlns="" w="9525">
                   <a:solidFill>
                     <a:srgbClr val="000000"/>
                   </a:solidFill>
@@ -28615,7 +28620,7 @@
             </a:ln>
             <a:extLst>
               <a:ext uri="{91240B29-F687-4f45-9708-019B960494DF}">
-                <a14:hiddenLine xmlns="" xmlns:a16="http://schemas.microsoft.com/office/drawing/2014/main" xmlns:a14="http://schemas.microsoft.com/office/drawing/2010/main" xmlns:p14="http://schemas.microsoft.com/office/powerpoint/2010/main" w="9525">
+                <a14:hiddenLine xmlns:p14="http://schemas.microsoft.com/office/powerpoint/2010/main" xmlns:a14="http://schemas.microsoft.com/office/drawing/2010/main" xmlns:a16="http://schemas.microsoft.com/office/drawing/2014/main" xmlns="" w="9525">
                   <a:solidFill>
                     <a:srgbClr val="000000"/>
                   </a:solidFill>
@@ -28671,7 +28676,7 @@
             </a:ln>
             <a:extLst>
               <a:ext uri="{91240B29-F687-4f45-9708-019B960494DF}">
-                <a14:hiddenLine xmlns="" xmlns:a16="http://schemas.microsoft.com/office/drawing/2014/main" xmlns:a14="http://schemas.microsoft.com/office/drawing/2010/main" xmlns:p14="http://schemas.microsoft.com/office/powerpoint/2010/main" w="9525">
+                <a14:hiddenLine xmlns:p14="http://schemas.microsoft.com/office/powerpoint/2010/main" xmlns:a14="http://schemas.microsoft.com/office/drawing/2010/main" xmlns:a16="http://schemas.microsoft.com/office/drawing/2014/main" xmlns="" w="9525">
                   <a:solidFill>
                     <a:srgbClr val="000000"/>
                   </a:solidFill>
@@ -28758,7 +28763,7 @@
             </a:ln>
             <a:extLst>
               <a:ext uri="{91240B29-F687-4f45-9708-019B960494DF}">
-                <a14:hiddenLine xmlns="" xmlns:a16="http://schemas.microsoft.com/office/drawing/2014/main" xmlns:a14="http://schemas.microsoft.com/office/drawing/2010/main" xmlns:p14="http://schemas.microsoft.com/office/powerpoint/2010/main" w="9525">
+                <a14:hiddenLine xmlns:p14="http://schemas.microsoft.com/office/powerpoint/2010/main" xmlns:a14="http://schemas.microsoft.com/office/drawing/2010/main" xmlns:a16="http://schemas.microsoft.com/office/drawing/2014/main" xmlns="" w="9525">
                   <a:solidFill>
                     <a:srgbClr val="000000"/>
                   </a:solidFill>
@@ -28870,7 +28875,7 @@
             </a:ln>
             <a:extLst>
               <a:ext uri="{91240B29-F687-4f45-9708-019B960494DF}">
-                <a14:hiddenLine xmlns="" xmlns:a16="http://schemas.microsoft.com/office/drawing/2014/main" xmlns:a14="http://schemas.microsoft.com/office/drawing/2010/main" xmlns:p14="http://schemas.microsoft.com/office/powerpoint/2010/main" w="9525">
+                <a14:hiddenLine xmlns:p14="http://schemas.microsoft.com/office/powerpoint/2010/main" xmlns:a14="http://schemas.microsoft.com/office/drawing/2010/main" xmlns:a16="http://schemas.microsoft.com/office/drawing/2014/main" xmlns="" w="9525">
                   <a:solidFill>
                     <a:srgbClr val="000000"/>
                   </a:solidFill>
@@ -28954,7 +28959,7 @@
             </a:ln>
             <a:extLst>
               <a:ext uri="{91240B29-F687-4f45-9708-019B960494DF}">
-                <a14:hiddenLine xmlns="" xmlns:a16="http://schemas.microsoft.com/office/drawing/2014/main" xmlns:a14="http://schemas.microsoft.com/office/drawing/2010/main" xmlns:p14="http://schemas.microsoft.com/office/powerpoint/2010/main" w="9525">
+                <a14:hiddenLine xmlns:p14="http://schemas.microsoft.com/office/powerpoint/2010/main" xmlns:a14="http://schemas.microsoft.com/office/drawing/2010/main" xmlns:a16="http://schemas.microsoft.com/office/drawing/2014/main" xmlns="" w="9525">
                   <a:solidFill>
                     <a:srgbClr val="000000"/>
                   </a:solidFill>
@@ -29066,7 +29071,7 @@
             </a:ln>
             <a:extLst>
               <a:ext uri="{91240B29-F687-4f45-9708-019B960494DF}">
-                <a14:hiddenLine xmlns="" xmlns:a16="http://schemas.microsoft.com/office/drawing/2014/main" xmlns:a14="http://schemas.microsoft.com/office/drawing/2010/main" xmlns:p14="http://schemas.microsoft.com/office/powerpoint/2010/main" w="9525">
+                <a14:hiddenLine xmlns:p14="http://schemas.microsoft.com/office/powerpoint/2010/main" xmlns:a14="http://schemas.microsoft.com/office/drawing/2010/main" xmlns:a16="http://schemas.microsoft.com/office/drawing/2014/main" xmlns="" w="9525">
                   <a:solidFill>
                     <a:srgbClr val="000000"/>
                   </a:solidFill>
@@ -29178,7 +29183,7 @@
             </a:ln>
             <a:extLst>
               <a:ext uri="{91240B29-F687-4f45-9708-019B960494DF}">
-                <a14:hiddenLine xmlns="" xmlns:a16="http://schemas.microsoft.com/office/drawing/2014/main" xmlns:a14="http://schemas.microsoft.com/office/drawing/2010/main" xmlns:p14="http://schemas.microsoft.com/office/powerpoint/2010/main" w="9525">
+                <a14:hiddenLine xmlns:p14="http://schemas.microsoft.com/office/powerpoint/2010/main" xmlns:a14="http://schemas.microsoft.com/office/drawing/2010/main" xmlns:a16="http://schemas.microsoft.com/office/drawing/2014/main" xmlns="" w="9525">
                   <a:solidFill>
                     <a:srgbClr val="000000"/>
                   </a:solidFill>
@@ -29265,7 +29270,7 @@
             </a:ln>
             <a:extLst>
               <a:ext uri="{91240B29-F687-4f45-9708-019B960494DF}">
-                <a14:hiddenLine xmlns="" xmlns:a16="http://schemas.microsoft.com/office/drawing/2014/main" xmlns:a14="http://schemas.microsoft.com/office/drawing/2010/main" xmlns:p14="http://schemas.microsoft.com/office/powerpoint/2010/main" w="9525">
+                <a14:hiddenLine xmlns:p14="http://schemas.microsoft.com/office/powerpoint/2010/main" xmlns:a14="http://schemas.microsoft.com/office/drawing/2010/main" xmlns:a16="http://schemas.microsoft.com/office/drawing/2014/main" xmlns="" w="9525">
                   <a:solidFill>
                     <a:srgbClr val="000000"/>
                   </a:solidFill>
@@ -29349,7 +29354,7 @@
             </a:ln>
             <a:extLst>
               <a:ext uri="{91240B29-F687-4f45-9708-019B960494DF}">
-                <a14:hiddenLine xmlns="" xmlns:a16="http://schemas.microsoft.com/office/drawing/2014/main" xmlns:a14="http://schemas.microsoft.com/office/drawing/2010/main" xmlns:p14="http://schemas.microsoft.com/office/powerpoint/2010/main" w="9525">
+                <a14:hiddenLine xmlns:p14="http://schemas.microsoft.com/office/powerpoint/2010/main" xmlns:a14="http://schemas.microsoft.com/office/drawing/2010/main" xmlns:a16="http://schemas.microsoft.com/office/drawing/2014/main" xmlns="" w="9525">
                   <a:solidFill>
                     <a:srgbClr val="000000"/>
                   </a:solidFill>
@@ -29461,7 +29466,7 @@
             </a:ln>
             <a:extLst>
               <a:ext uri="{91240B29-F687-4f45-9708-019B960494DF}">
-                <a14:hiddenLine xmlns="" xmlns:a16="http://schemas.microsoft.com/office/drawing/2014/main" xmlns:a14="http://schemas.microsoft.com/office/drawing/2010/main" xmlns:p14="http://schemas.microsoft.com/office/powerpoint/2010/main" w="9525">
+                <a14:hiddenLine xmlns:p14="http://schemas.microsoft.com/office/powerpoint/2010/main" xmlns:a14="http://schemas.microsoft.com/office/drawing/2010/main" xmlns:a16="http://schemas.microsoft.com/office/drawing/2014/main" xmlns="" w="9525">
                   <a:solidFill>
                     <a:srgbClr val="000000"/>
                   </a:solidFill>
@@ -29573,7 +29578,7 @@
             </a:ln>
             <a:extLst>
               <a:ext uri="{91240B29-F687-4f45-9708-019B960494DF}">
-                <a14:hiddenLine xmlns="" xmlns:a16="http://schemas.microsoft.com/office/drawing/2014/main" xmlns:a14="http://schemas.microsoft.com/office/drawing/2010/main" xmlns:p14="http://schemas.microsoft.com/office/powerpoint/2010/main" w="9525">
+                <a14:hiddenLine xmlns:p14="http://schemas.microsoft.com/office/powerpoint/2010/main" xmlns:a14="http://schemas.microsoft.com/office/drawing/2010/main" xmlns:a16="http://schemas.microsoft.com/office/drawing/2014/main" xmlns="" w="9525">
                   <a:solidFill>
                     <a:srgbClr val="000000"/>
                   </a:solidFill>
@@ -29657,7 +29662,7 @@
             </a:ln>
             <a:extLst>
               <a:ext uri="{91240B29-F687-4f45-9708-019B960494DF}">
-                <a14:hiddenLine xmlns="" xmlns:a16="http://schemas.microsoft.com/office/drawing/2014/main" xmlns:a14="http://schemas.microsoft.com/office/drawing/2010/main" xmlns:p14="http://schemas.microsoft.com/office/powerpoint/2010/main" w="9525">
+                <a14:hiddenLine xmlns:p14="http://schemas.microsoft.com/office/powerpoint/2010/main" xmlns:a14="http://schemas.microsoft.com/office/drawing/2010/main" xmlns:a16="http://schemas.microsoft.com/office/drawing/2014/main" xmlns="" w="9525">
                   <a:solidFill>
                     <a:srgbClr val="000000"/>
                   </a:solidFill>
@@ -29799,7 +29804,7 @@
             </a:ln>
             <a:extLst>
               <a:ext uri="{91240B29-F687-4f45-9708-019B960494DF}">
-                <a14:hiddenLine xmlns="" xmlns:a16="http://schemas.microsoft.com/office/drawing/2014/main" xmlns:a14="http://schemas.microsoft.com/office/drawing/2010/main" xmlns:p14="http://schemas.microsoft.com/office/powerpoint/2010/main" w="9525">
+                <a14:hiddenLine xmlns:p14="http://schemas.microsoft.com/office/powerpoint/2010/main" xmlns:a14="http://schemas.microsoft.com/office/drawing/2010/main" xmlns:a16="http://schemas.microsoft.com/office/drawing/2014/main" xmlns="" w="9525">
                   <a:solidFill>
                     <a:srgbClr val="000000"/>
                   </a:solidFill>
@@ -29889,7 +29894,7 @@
             </a:ln>
             <a:extLst>
               <a:ext uri="{91240B29-F687-4f45-9708-019B960494DF}">
-                <a14:hiddenLine xmlns="" xmlns:a16="http://schemas.microsoft.com/office/drawing/2014/main" xmlns:a14="http://schemas.microsoft.com/office/drawing/2010/main" xmlns:p14="http://schemas.microsoft.com/office/powerpoint/2010/main" w="9525">
+                <a14:hiddenLine xmlns:p14="http://schemas.microsoft.com/office/powerpoint/2010/main" xmlns:a14="http://schemas.microsoft.com/office/drawing/2010/main" xmlns:a16="http://schemas.microsoft.com/office/drawing/2014/main" xmlns="" w="9525">
                   <a:solidFill>
                     <a:srgbClr val="000000"/>
                   </a:solidFill>
@@ -30001,7 +30006,7 @@
             </a:ln>
             <a:extLst>
               <a:ext uri="{91240B29-F687-4f45-9708-019B960494DF}">
-                <a14:hiddenLine xmlns="" xmlns:a16="http://schemas.microsoft.com/office/drawing/2014/main" xmlns:a14="http://schemas.microsoft.com/office/drawing/2010/main" xmlns:p14="http://schemas.microsoft.com/office/powerpoint/2010/main" w="9525">
+                <a14:hiddenLine xmlns:p14="http://schemas.microsoft.com/office/powerpoint/2010/main" xmlns:a14="http://schemas.microsoft.com/office/drawing/2010/main" xmlns:a16="http://schemas.microsoft.com/office/drawing/2014/main" xmlns="" w="9525">
                   <a:solidFill>
                     <a:srgbClr val="000000"/>
                   </a:solidFill>
@@ -30165,7 +30170,7 @@
             <a:noFill/>
             <a:extLst>
               <a:ext uri="{909E8E84-426E-40dd-AFC4-6F175D3DCCD1}">
-                <a14:hiddenFill xmlns="" xmlns:a16="http://schemas.microsoft.com/office/drawing/2014/main" xmlns:a14="http://schemas.microsoft.com/office/drawing/2010/main" xmlns:p14="http://schemas.microsoft.com/office/powerpoint/2010/main">
+                <a14:hiddenFill xmlns:p14="http://schemas.microsoft.com/office/powerpoint/2010/main" xmlns:a14="http://schemas.microsoft.com/office/drawing/2010/main" xmlns:a16="http://schemas.microsoft.com/office/drawing/2014/main" xmlns="">
                   <a:solidFill>
                     <a:srgbClr val="FFFFFF"/>
                   </a:solidFill>
@@ -30258,7 +30263,7 @@
             </a:ln>
             <a:extLst>
               <a:ext uri="{91240B29-F687-4f45-9708-019B960494DF}">
-                <a14:hiddenLine xmlns="" xmlns:a16="http://schemas.microsoft.com/office/drawing/2014/main" xmlns:a14="http://schemas.microsoft.com/office/drawing/2010/main" xmlns:p14="http://schemas.microsoft.com/office/powerpoint/2010/main" w="9525">
+                <a14:hiddenLine xmlns:p14="http://schemas.microsoft.com/office/powerpoint/2010/main" xmlns:a14="http://schemas.microsoft.com/office/drawing/2010/main" xmlns:a16="http://schemas.microsoft.com/office/drawing/2014/main" xmlns="" w="9525">
                   <a:solidFill>
                     <a:srgbClr val="000000"/>
                   </a:solidFill>
@@ -30370,7 +30375,7 @@
             </a:ln>
             <a:extLst>
               <a:ext uri="{91240B29-F687-4f45-9708-019B960494DF}">
-                <a14:hiddenLine xmlns="" xmlns:a16="http://schemas.microsoft.com/office/drawing/2014/main" xmlns:a14="http://schemas.microsoft.com/office/drawing/2010/main" xmlns:p14="http://schemas.microsoft.com/office/powerpoint/2010/main" w="9525">
+                <a14:hiddenLine xmlns:p14="http://schemas.microsoft.com/office/powerpoint/2010/main" xmlns:a14="http://schemas.microsoft.com/office/drawing/2010/main" xmlns:a16="http://schemas.microsoft.com/office/drawing/2014/main" xmlns="" w="9525">
                   <a:solidFill>
                     <a:srgbClr val="000000"/>
                   </a:solidFill>
@@ -30482,7 +30487,7 @@
             </a:ln>
             <a:extLst>
               <a:ext uri="{91240B29-F687-4f45-9708-019B960494DF}">
-                <a14:hiddenLine xmlns="" xmlns:a16="http://schemas.microsoft.com/office/drawing/2014/main" xmlns:a14="http://schemas.microsoft.com/office/drawing/2010/main" xmlns:p14="http://schemas.microsoft.com/office/powerpoint/2010/main" w="9525">
+                <a14:hiddenLine xmlns:p14="http://schemas.microsoft.com/office/powerpoint/2010/main" xmlns:a14="http://schemas.microsoft.com/office/drawing/2010/main" xmlns:a16="http://schemas.microsoft.com/office/drawing/2014/main" xmlns="" w="9525">
                   <a:solidFill>
                     <a:srgbClr val="000000"/>
                   </a:solidFill>
@@ -30566,7 +30571,7 @@
             </a:ln>
             <a:extLst>
               <a:ext uri="{91240B29-F687-4f45-9708-019B960494DF}">
-                <a14:hiddenLine xmlns="" xmlns:a16="http://schemas.microsoft.com/office/drawing/2014/main" xmlns:a14="http://schemas.microsoft.com/office/drawing/2010/main" xmlns:p14="http://schemas.microsoft.com/office/powerpoint/2010/main" w="9525">
+                <a14:hiddenLine xmlns:p14="http://schemas.microsoft.com/office/powerpoint/2010/main" xmlns:a14="http://schemas.microsoft.com/office/drawing/2010/main" xmlns:a16="http://schemas.microsoft.com/office/drawing/2014/main" xmlns="" w="9525">
                   <a:solidFill>
                     <a:srgbClr val="000000"/>
                   </a:solidFill>
@@ -30678,7 +30683,7 @@
             </a:ln>
             <a:extLst>
               <a:ext uri="{91240B29-F687-4f45-9708-019B960494DF}">
-                <a14:hiddenLine xmlns="" xmlns:a16="http://schemas.microsoft.com/office/drawing/2014/main" xmlns:a14="http://schemas.microsoft.com/office/drawing/2010/main" xmlns:p14="http://schemas.microsoft.com/office/powerpoint/2010/main" w="9525">
+                <a14:hiddenLine xmlns:p14="http://schemas.microsoft.com/office/powerpoint/2010/main" xmlns:a14="http://schemas.microsoft.com/office/drawing/2010/main" xmlns:a16="http://schemas.microsoft.com/office/drawing/2014/main" xmlns="" w="9525">
                   <a:solidFill>
                     <a:srgbClr val="000000"/>
                   </a:solidFill>
@@ -30762,7 +30767,7 @@
             </a:ln>
             <a:extLst>
               <a:ext uri="{91240B29-F687-4f45-9708-019B960494DF}">
-                <a14:hiddenLine xmlns="" xmlns:a16="http://schemas.microsoft.com/office/drawing/2014/main" xmlns:a14="http://schemas.microsoft.com/office/drawing/2010/main" xmlns:p14="http://schemas.microsoft.com/office/powerpoint/2010/main" w="9525">
+                <a14:hiddenLine xmlns:p14="http://schemas.microsoft.com/office/powerpoint/2010/main" xmlns:a14="http://schemas.microsoft.com/office/drawing/2010/main" xmlns:a16="http://schemas.microsoft.com/office/drawing/2014/main" xmlns="" w="9525">
                   <a:solidFill>
                     <a:srgbClr val="000000"/>
                   </a:solidFill>
@@ -30846,7 +30851,7 @@
             </a:ln>
             <a:extLst>
               <a:ext uri="{91240B29-F687-4f45-9708-019B960494DF}">
-                <a14:hiddenLine xmlns="" xmlns:a16="http://schemas.microsoft.com/office/drawing/2014/main" xmlns:a14="http://schemas.microsoft.com/office/drawing/2010/main" xmlns:p14="http://schemas.microsoft.com/office/powerpoint/2010/main" w="9525">
+                <a14:hiddenLine xmlns:p14="http://schemas.microsoft.com/office/powerpoint/2010/main" xmlns:a14="http://schemas.microsoft.com/office/drawing/2010/main" xmlns:a16="http://schemas.microsoft.com/office/drawing/2014/main" xmlns="" w="9525">
                   <a:solidFill>
                     <a:srgbClr val="000000"/>
                   </a:solidFill>
@@ -30958,7 +30963,7 @@
             </a:ln>
             <a:extLst>
               <a:ext uri="{91240B29-F687-4f45-9708-019B960494DF}">
-                <a14:hiddenLine xmlns="" xmlns:a16="http://schemas.microsoft.com/office/drawing/2014/main" xmlns:a14="http://schemas.microsoft.com/office/drawing/2010/main" xmlns:p14="http://schemas.microsoft.com/office/powerpoint/2010/main" w="9525">
+                <a14:hiddenLine xmlns:p14="http://schemas.microsoft.com/office/powerpoint/2010/main" xmlns:a14="http://schemas.microsoft.com/office/drawing/2010/main" xmlns:a16="http://schemas.microsoft.com/office/drawing/2014/main" xmlns="" w="9525">
                   <a:solidFill>
                     <a:srgbClr val="000000"/>
                   </a:solidFill>
@@ -31070,7 +31075,7 @@
             </a:ln>
             <a:extLst>
               <a:ext uri="{91240B29-F687-4f45-9708-019B960494DF}">
-                <a14:hiddenLine xmlns="" xmlns:a16="http://schemas.microsoft.com/office/drawing/2014/main" xmlns:a14="http://schemas.microsoft.com/office/drawing/2010/main" xmlns:p14="http://schemas.microsoft.com/office/powerpoint/2010/main" w="9525">
+                <a14:hiddenLine xmlns:p14="http://schemas.microsoft.com/office/powerpoint/2010/main" xmlns:a14="http://schemas.microsoft.com/office/drawing/2010/main" xmlns:a16="http://schemas.microsoft.com/office/drawing/2014/main" xmlns="" w="9525">
                   <a:solidFill>
                     <a:srgbClr val="000000"/>
                   </a:solidFill>
@@ -31154,7 +31159,7 @@
             </a:ln>
             <a:extLst>
               <a:ext uri="{91240B29-F687-4f45-9708-019B960494DF}">
-                <a14:hiddenLine xmlns="" xmlns:a16="http://schemas.microsoft.com/office/drawing/2014/main" xmlns:a14="http://schemas.microsoft.com/office/drawing/2010/main" xmlns:p14="http://schemas.microsoft.com/office/powerpoint/2010/main" w="9525">
+                <a14:hiddenLine xmlns:p14="http://schemas.microsoft.com/office/powerpoint/2010/main" xmlns:a14="http://schemas.microsoft.com/office/drawing/2010/main" xmlns:a16="http://schemas.microsoft.com/office/drawing/2014/main" xmlns="" w="9525">
                   <a:solidFill>
                     <a:srgbClr val="000000"/>
                   </a:solidFill>
@@ -31286,7 +31291,7 @@
             </a:ln>
             <a:extLst>
               <a:ext uri="{91240B29-F687-4f45-9708-019B960494DF}">
-                <a14:hiddenLine xmlns="" xmlns:a16="http://schemas.microsoft.com/office/drawing/2014/main" xmlns:a14="http://schemas.microsoft.com/office/drawing/2010/main" xmlns:p14="http://schemas.microsoft.com/office/powerpoint/2010/main" w="9525">
+                <a14:hiddenLine xmlns:p14="http://schemas.microsoft.com/office/powerpoint/2010/main" xmlns:a14="http://schemas.microsoft.com/office/drawing/2010/main" xmlns:a16="http://schemas.microsoft.com/office/drawing/2014/main" xmlns="" w="9525">
                   <a:solidFill>
                     <a:srgbClr val="000000"/>
                   </a:solidFill>
@@ -31414,7 +31419,7 @@
             </a:ln>
             <a:extLst>
               <a:ext uri="{91240B29-F687-4f45-9708-019B960494DF}">
-                <a14:hiddenLine xmlns="" xmlns:a16="http://schemas.microsoft.com/office/drawing/2014/main" xmlns:a14="http://schemas.microsoft.com/office/drawing/2010/main" xmlns:p14="http://schemas.microsoft.com/office/powerpoint/2010/main" w="9525">
+                <a14:hiddenLine xmlns:p14="http://schemas.microsoft.com/office/powerpoint/2010/main" xmlns:a14="http://schemas.microsoft.com/office/drawing/2010/main" xmlns:a16="http://schemas.microsoft.com/office/drawing/2014/main" xmlns="" w="9525">
                   <a:solidFill>
                     <a:srgbClr val="000000"/>
                   </a:solidFill>
@@ -31498,7 +31503,7 @@
             </a:ln>
             <a:extLst>
               <a:ext uri="{91240B29-F687-4f45-9708-019B960494DF}">
-                <a14:hiddenLine xmlns="" xmlns:a16="http://schemas.microsoft.com/office/drawing/2014/main" xmlns:a14="http://schemas.microsoft.com/office/drawing/2010/main" xmlns:p14="http://schemas.microsoft.com/office/powerpoint/2010/main" w="9525">
+                <a14:hiddenLine xmlns:p14="http://schemas.microsoft.com/office/powerpoint/2010/main" xmlns:a14="http://schemas.microsoft.com/office/drawing/2010/main" xmlns:a16="http://schemas.microsoft.com/office/drawing/2014/main" xmlns="" w="9525">
                   <a:solidFill>
                     <a:srgbClr val="000000"/>
                   </a:solidFill>
@@ -31582,7 +31587,7 @@
             </a:ln>
             <a:extLst>
               <a:ext uri="{91240B29-F687-4f45-9708-019B960494DF}">
-                <a14:hiddenLine xmlns="" xmlns:a16="http://schemas.microsoft.com/office/drawing/2014/main" xmlns:a14="http://schemas.microsoft.com/office/drawing/2010/main" xmlns:p14="http://schemas.microsoft.com/office/powerpoint/2010/main" w="9525">
+                <a14:hiddenLine xmlns:p14="http://schemas.microsoft.com/office/powerpoint/2010/main" xmlns:a14="http://schemas.microsoft.com/office/drawing/2010/main" xmlns:a16="http://schemas.microsoft.com/office/drawing/2014/main" xmlns="" w="9525">
                   <a:solidFill>
                     <a:srgbClr val="000000"/>
                   </a:solidFill>
@@ -31694,7 +31699,7 @@
             </a:ln>
             <a:extLst>
               <a:ext uri="{91240B29-F687-4f45-9708-019B960494DF}">
-                <a14:hiddenLine xmlns="" xmlns:a16="http://schemas.microsoft.com/office/drawing/2014/main" xmlns:a14="http://schemas.microsoft.com/office/drawing/2010/main" xmlns:p14="http://schemas.microsoft.com/office/powerpoint/2010/main" w="9525">
+                <a14:hiddenLine xmlns:p14="http://schemas.microsoft.com/office/powerpoint/2010/main" xmlns:a14="http://schemas.microsoft.com/office/drawing/2010/main" xmlns:a16="http://schemas.microsoft.com/office/drawing/2014/main" xmlns="" w="9525">
                   <a:solidFill>
                     <a:srgbClr val="000000"/>
                   </a:solidFill>
@@ -31750,7 +31755,7 @@
             </a:ln>
             <a:extLst>
               <a:ext uri="{91240B29-F687-4f45-9708-019B960494DF}">
-                <a14:hiddenLine xmlns="" xmlns:a16="http://schemas.microsoft.com/office/drawing/2014/main" xmlns:a14="http://schemas.microsoft.com/office/drawing/2010/main" xmlns:p14="http://schemas.microsoft.com/office/powerpoint/2010/main" w="9525">
+                <a14:hiddenLine xmlns:p14="http://schemas.microsoft.com/office/powerpoint/2010/main" xmlns:a14="http://schemas.microsoft.com/office/drawing/2010/main" xmlns:a16="http://schemas.microsoft.com/office/drawing/2014/main" xmlns="" w="9525">
                   <a:solidFill>
                     <a:srgbClr val="000000"/>
                   </a:solidFill>
@@ -31837,7 +31842,7 @@
             </a:ln>
             <a:extLst>
               <a:ext uri="{91240B29-F687-4f45-9708-019B960494DF}">
-                <a14:hiddenLine xmlns="" xmlns:a16="http://schemas.microsoft.com/office/drawing/2014/main" xmlns:a14="http://schemas.microsoft.com/office/drawing/2010/main" xmlns:p14="http://schemas.microsoft.com/office/powerpoint/2010/main" w="9525">
+                <a14:hiddenLine xmlns:p14="http://schemas.microsoft.com/office/powerpoint/2010/main" xmlns:a14="http://schemas.microsoft.com/office/drawing/2010/main" xmlns:a16="http://schemas.microsoft.com/office/drawing/2014/main" xmlns="" w="9525">
                   <a:solidFill>
                     <a:srgbClr val="000000"/>
                   </a:solidFill>
@@ -31949,7 +31954,7 @@
             </a:ln>
             <a:extLst>
               <a:ext uri="{91240B29-F687-4f45-9708-019B960494DF}">
-                <a14:hiddenLine xmlns="" xmlns:a16="http://schemas.microsoft.com/office/drawing/2014/main" xmlns:a14="http://schemas.microsoft.com/office/drawing/2010/main" xmlns:p14="http://schemas.microsoft.com/office/powerpoint/2010/main" w="9525">
+                <a14:hiddenLine xmlns:p14="http://schemas.microsoft.com/office/powerpoint/2010/main" xmlns:a14="http://schemas.microsoft.com/office/drawing/2010/main" xmlns:a16="http://schemas.microsoft.com/office/drawing/2014/main" xmlns="" w="9525">
                   <a:solidFill>
                     <a:srgbClr val="000000"/>
                   </a:solidFill>
@@ -32033,7 +32038,7 @@
             </a:ln>
             <a:extLst>
               <a:ext uri="{91240B29-F687-4f45-9708-019B960494DF}">
-                <a14:hiddenLine xmlns="" xmlns:a16="http://schemas.microsoft.com/office/drawing/2014/main" xmlns:a14="http://schemas.microsoft.com/office/drawing/2010/main" xmlns:p14="http://schemas.microsoft.com/office/powerpoint/2010/main" w="9525">
+                <a14:hiddenLine xmlns:p14="http://schemas.microsoft.com/office/powerpoint/2010/main" xmlns:a14="http://schemas.microsoft.com/office/drawing/2010/main" xmlns:a16="http://schemas.microsoft.com/office/drawing/2014/main" xmlns="" w="9525">
                   <a:solidFill>
                     <a:srgbClr val="000000"/>
                   </a:solidFill>
@@ -32145,7 +32150,7 @@
             </a:ln>
             <a:extLst>
               <a:ext uri="{91240B29-F687-4f45-9708-019B960494DF}">
-                <a14:hiddenLine xmlns="" xmlns:a16="http://schemas.microsoft.com/office/drawing/2014/main" xmlns:a14="http://schemas.microsoft.com/office/drawing/2010/main" xmlns:p14="http://schemas.microsoft.com/office/powerpoint/2010/main" w="9525">
+                <a14:hiddenLine xmlns:p14="http://schemas.microsoft.com/office/powerpoint/2010/main" xmlns:a14="http://schemas.microsoft.com/office/drawing/2010/main" xmlns:a16="http://schemas.microsoft.com/office/drawing/2014/main" xmlns="" w="9525">
                   <a:solidFill>
                     <a:srgbClr val="000000"/>
                   </a:solidFill>
@@ -32232,7 +32237,7 @@
             </a:ln>
             <a:extLst>
               <a:ext uri="{91240B29-F687-4f45-9708-019B960494DF}">
-                <a14:hiddenLine xmlns="" xmlns:a16="http://schemas.microsoft.com/office/drawing/2014/main" xmlns:a14="http://schemas.microsoft.com/office/drawing/2010/main" xmlns:p14="http://schemas.microsoft.com/office/powerpoint/2010/main" w="9525">
+                <a14:hiddenLine xmlns:p14="http://schemas.microsoft.com/office/powerpoint/2010/main" xmlns:a14="http://schemas.microsoft.com/office/drawing/2010/main" xmlns:a16="http://schemas.microsoft.com/office/drawing/2014/main" xmlns="" w="9525">
                   <a:solidFill>
                     <a:srgbClr val="000000"/>
                   </a:solidFill>
@@ -32316,7 +32321,7 @@
             </a:ln>
             <a:extLst>
               <a:ext uri="{91240B29-F687-4f45-9708-019B960494DF}">
-                <a14:hiddenLine xmlns="" xmlns:a16="http://schemas.microsoft.com/office/drawing/2014/main" xmlns:a14="http://schemas.microsoft.com/office/drawing/2010/main" xmlns:p14="http://schemas.microsoft.com/office/powerpoint/2010/main" w="9525">
+                <a14:hiddenLine xmlns:p14="http://schemas.microsoft.com/office/powerpoint/2010/main" xmlns:a14="http://schemas.microsoft.com/office/drawing/2010/main" xmlns:a16="http://schemas.microsoft.com/office/drawing/2014/main" xmlns="" w="9525">
                   <a:solidFill>
                     <a:srgbClr val="000000"/>
                   </a:solidFill>
@@ -32428,7 +32433,7 @@
             </a:ln>
             <a:extLst>
               <a:ext uri="{91240B29-F687-4f45-9708-019B960494DF}">
-                <a14:hiddenLine xmlns="" xmlns:a16="http://schemas.microsoft.com/office/drawing/2014/main" xmlns:a14="http://schemas.microsoft.com/office/drawing/2010/main" xmlns:p14="http://schemas.microsoft.com/office/powerpoint/2010/main" w="9525">
+                <a14:hiddenLine xmlns:p14="http://schemas.microsoft.com/office/powerpoint/2010/main" xmlns:a14="http://schemas.microsoft.com/office/drawing/2010/main" xmlns:a16="http://schemas.microsoft.com/office/drawing/2014/main" xmlns="" w="9525">
                   <a:solidFill>
                     <a:srgbClr val="000000"/>
                   </a:solidFill>
@@ -32540,7 +32545,7 @@
             </a:ln>
             <a:extLst>
               <a:ext uri="{91240B29-F687-4f45-9708-019B960494DF}">
-                <a14:hiddenLine xmlns="" xmlns:a16="http://schemas.microsoft.com/office/drawing/2014/main" xmlns:a14="http://schemas.microsoft.com/office/drawing/2010/main" xmlns:p14="http://schemas.microsoft.com/office/powerpoint/2010/main" w="9525">
+                <a14:hiddenLine xmlns:p14="http://schemas.microsoft.com/office/powerpoint/2010/main" xmlns:a14="http://schemas.microsoft.com/office/drawing/2010/main" xmlns:a16="http://schemas.microsoft.com/office/drawing/2014/main" xmlns="" w="9525">
                   <a:solidFill>
                     <a:srgbClr val="000000"/>
                   </a:solidFill>
@@ -32627,7 +32632,7 @@
             </a:ln>
             <a:extLst>
               <a:ext uri="{91240B29-F687-4f45-9708-019B960494DF}">
-                <a14:hiddenLine xmlns="" xmlns:a16="http://schemas.microsoft.com/office/drawing/2014/main" xmlns:a14="http://schemas.microsoft.com/office/drawing/2010/main" xmlns:p14="http://schemas.microsoft.com/office/powerpoint/2010/main" w="9525">
+                <a14:hiddenLine xmlns:p14="http://schemas.microsoft.com/office/powerpoint/2010/main" xmlns:a14="http://schemas.microsoft.com/office/drawing/2010/main" xmlns:a16="http://schemas.microsoft.com/office/drawing/2014/main" xmlns="" w="9525">
                   <a:solidFill>
                     <a:srgbClr val="000000"/>
                   </a:solidFill>
@@ -32769,7 +32774,7 @@
             </a:ln>
             <a:extLst>
               <a:ext uri="{91240B29-F687-4f45-9708-019B960494DF}">
-                <a14:hiddenLine xmlns="" xmlns:a16="http://schemas.microsoft.com/office/drawing/2014/main" xmlns:a14="http://schemas.microsoft.com/office/drawing/2010/main" xmlns:p14="http://schemas.microsoft.com/office/powerpoint/2010/main" w="9525">
+                <a14:hiddenLine xmlns:p14="http://schemas.microsoft.com/office/powerpoint/2010/main" xmlns:a14="http://schemas.microsoft.com/office/drawing/2010/main" xmlns:a16="http://schemas.microsoft.com/office/drawing/2014/main" xmlns="" w="9525">
                   <a:solidFill>
                     <a:srgbClr val="000000"/>
                   </a:solidFill>
@@ -32906,7 +32911,7 @@
             </a:ln>
             <a:extLst>
               <a:ext uri="{91240B29-F687-4f45-9708-019B960494DF}">
-                <a14:hiddenLine xmlns="" xmlns:a16="http://schemas.microsoft.com/office/drawing/2014/main" xmlns:a14="http://schemas.microsoft.com/office/drawing/2010/main" xmlns:p14="http://schemas.microsoft.com/office/powerpoint/2010/main" w="9525">
+                <a14:hiddenLine xmlns:p14="http://schemas.microsoft.com/office/powerpoint/2010/main" xmlns:a14="http://schemas.microsoft.com/office/drawing/2010/main" xmlns:a16="http://schemas.microsoft.com/office/drawing/2014/main" xmlns="" w="9525">
                   <a:solidFill>
                     <a:srgbClr val="000000"/>
                   </a:solidFill>
@@ -33043,7 +33048,7 @@
             </a:ln>
             <a:extLst>
               <a:ext uri="{91240B29-F687-4f45-9708-019B960494DF}">
-                <a14:hiddenLine xmlns="" xmlns:a16="http://schemas.microsoft.com/office/drawing/2014/main" xmlns:a14="http://schemas.microsoft.com/office/drawing/2010/main" xmlns:p14="http://schemas.microsoft.com/office/powerpoint/2010/main" w="9525">
+                <a14:hiddenLine xmlns:p14="http://schemas.microsoft.com/office/powerpoint/2010/main" xmlns:a14="http://schemas.microsoft.com/office/drawing/2010/main" xmlns:a16="http://schemas.microsoft.com/office/drawing/2014/main" xmlns="" w="9525">
                   <a:solidFill>
                     <a:srgbClr val="000000"/>
                   </a:solidFill>
@@ -33155,7 +33160,7 @@
             </a:ln>
             <a:extLst>
               <a:ext uri="{91240B29-F687-4f45-9708-019B960494DF}">
-                <a14:hiddenLine xmlns="" xmlns:a16="http://schemas.microsoft.com/office/drawing/2014/main" xmlns:a14="http://schemas.microsoft.com/office/drawing/2010/main" xmlns:p14="http://schemas.microsoft.com/office/powerpoint/2010/main" w="9525">
+                <a14:hiddenLine xmlns:p14="http://schemas.microsoft.com/office/powerpoint/2010/main" xmlns:a14="http://schemas.microsoft.com/office/drawing/2010/main" xmlns:a16="http://schemas.microsoft.com/office/drawing/2014/main" xmlns="" w="9525">
                   <a:solidFill>
                     <a:srgbClr val="000000"/>
                   </a:solidFill>
@@ -33242,7 +33247,7 @@
             </a:ln>
             <a:extLst>
               <a:ext uri="{91240B29-F687-4f45-9708-019B960494DF}">
-                <a14:hiddenLine xmlns="" xmlns:a16="http://schemas.microsoft.com/office/drawing/2014/main" xmlns:a14="http://schemas.microsoft.com/office/drawing/2010/main" xmlns:p14="http://schemas.microsoft.com/office/powerpoint/2010/main" w="9525">
+                <a14:hiddenLine xmlns:p14="http://schemas.microsoft.com/office/powerpoint/2010/main" xmlns:a14="http://schemas.microsoft.com/office/drawing/2010/main" xmlns:a16="http://schemas.microsoft.com/office/drawing/2014/main" xmlns="" w="9525">
                   <a:solidFill>
                     <a:srgbClr val="000000"/>
                   </a:solidFill>
@@ -33354,7 +33359,7 @@
             </a:ln>
             <a:extLst>
               <a:ext uri="{91240B29-F687-4f45-9708-019B960494DF}">
-                <a14:hiddenLine xmlns="" xmlns:a16="http://schemas.microsoft.com/office/drawing/2014/main" xmlns:a14="http://schemas.microsoft.com/office/drawing/2010/main" xmlns:p14="http://schemas.microsoft.com/office/powerpoint/2010/main" w="9525">
+                <a14:hiddenLine xmlns:p14="http://schemas.microsoft.com/office/powerpoint/2010/main" xmlns:a14="http://schemas.microsoft.com/office/drawing/2010/main" xmlns:a16="http://schemas.microsoft.com/office/drawing/2014/main" xmlns="" w="9525">
                   <a:solidFill>
                     <a:srgbClr val="000000"/>
                   </a:solidFill>
@@ -33444,7 +33449,7 @@
             </a:ln>
             <a:extLst>
               <a:ext uri="{91240B29-F687-4f45-9708-019B960494DF}">
-                <a14:hiddenLine xmlns="" xmlns:a16="http://schemas.microsoft.com/office/drawing/2014/main" xmlns:a14="http://schemas.microsoft.com/office/drawing/2010/main" xmlns:p14="http://schemas.microsoft.com/office/powerpoint/2010/main" w="9525">
+                <a14:hiddenLine xmlns:p14="http://schemas.microsoft.com/office/powerpoint/2010/main" xmlns:a14="http://schemas.microsoft.com/office/drawing/2010/main" xmlns:a16="http://schemas.microsoft.com/office/drawing/2014/main" xmlns="" w="9525">
                   <a:solidFill>
                     <a:srgbClr val="000000"/>
                   </a:solidFill>
@@ -33556,7 +33561,7 @@
             </a:ln>
             <a:extLst>
               <a:ext uri="{91240B29-F687-4f45-9708-019B960494DF}">
-                <a14:hiddenLine xmlns="" xmlns:a16="http://schemas.microsoft.com/office/drawing/2014/main" xmlns:a14="http://schemas.microsoft.com/office/drawing/2010/main" xmlns:p14="http://schemas.microsoft.com/office/powerpoint/2010/main" w="9525">
+                <a14:hiddenLine xmlns:p14="http://schemas.microsoft.com/office/powerpoint/2010/main" xmlns:a14="http://schemas.microsoft.com/office/drawing/2010/main" xmlns:a16="http://schemas.microsoft.com/office/drawing/2014/main" xmlns="" w="9525">
                   <a:solidFill>
                     <a:srgbClr val="000000"/>
                   </a:solidFill>
@@ -33646,7 +33651,7 @@
             </a:ln>
             <a:extLst>
               <a:ext uri="{91240B29-F687-4f45-9708-019B960494DF}">
-                <a14:hiddenLine xmlns="" xmlns:a16="http://schemas.microsoft.com/office/drawing/2014/main" xmlns:a14="http://schemas.microsoft.com/office/drawing/2010/main" xmlns:p14="http://schemas.microsoft.com/office/powerpoint/2010/main" w="9525">
+                <a14:hiddenLine xmlns:p14="http://schemas.microsoft.com/office/powerpoint/2010/main" xmlns:a14="http://schemas.microsoft.com/office/drawing/2010/main" xmlns:a16="http://schemas.microsoft.com/office/drawing/2014/main" xmlns="" w="9525">
                   <a:solidFill>
                     <a:srgbClr val="000000"/>
                   </a:solidFill>
@@ -33758,7 +33763,7 @@
             </a:ln>
             <a:extLst>
               <a:ext uri="{91240B29-F687-4f45-9708-019B960494DF}">
-                <a14:hiddenLine xmlns="" xmlns:a16="http://schemas.microsoft.com/office/drawing/2014/main" xmlns:a14="http://schemas.microsoft.com/office/drawing/2010/main" xmlns:p14="http://schemas.microsoft.com/office/powerpoint/2010/main" w="9525">
+                <a14:hiddenLine xmlns:p14="http://schemas.microsoft.com/office/powerpoint/2010/main" xmlns:a14="http://schemas.microsoft.com/office/drawing/2010/main" xmlns:a16="http://schemas.microsoft.com/office/drawing/2014/main" xmlns="" w="9525">
                   <a:solidFill>
                     <a:srgbClr val="000000"/>
                   </a:solidFill>
@@ -33814,7 +33819,7 @@
             </a:ln>
             <a:extLst>
               <a:ext uri="{91240B29-F687-4f45-9708-019B960494DF}">
-                <a14:hiddenLine xmlns="" xmlns:a16="http://schemas.microsoft.com/office/drawing/2014/main" xmlns:a14="http://schemas.microsoft.com/office/drawing/2010/main" xmlns:p14="http://schemas.microsoft.com/office/powerpoint/2010/main" w="9525">
+                <a14:hiddenLine xmlns:p14="http://schemas.microsoft.com/office/powerpoint/2010/main" xmlns:a14="http://schemas.microsoft.com/office/drawing/2010/main" xmlns:a16="http://schemas.microsoft.com/office/drawing/2014/main" xmlns="" w="9525">
                   <a:solidFill>
                     <a:srgbClr val="000000"/>
                   </a:solidFill>

--- a/Presentazioni/TEDxLearn_part4.pptx
+++ b/Presentazioni/TEDxLearn_part4.pptx
@@ -10,8 +10,8 @@
     <p:sldId id="260" r:id="rId4"/>
     <p:sldId id="266" r:id="rId5"/>
     <p:sldId id="267" r:id="rId6"/>
-    <p:sldId id="268" r:id="rId7"/>
-    <p:sldId id="270" r:id="rId8"/>
+    <p:sldId id="270" r:id="rId7"/>
+    <p:sldId id="271" r:id="rId8"/>
     <p:sldId id="259" r:id="rId9"/>
   </p:sldIdLst>
   <p:sldSz cx="12192000" cy="6858000"/>
@@ -367,7 +367,7 @@
           <a:noFill/>
           <a:extLst>
             <a:ext uri="{909E8E84-426E-40dd-AFC4-6F175D3DCCD1}">
-              <a14:hiddenFill xmlns="" xmlns:a14="http://schemas.microsoft.com/office/drawing/2010/main">
+              <a14:hiddenFill xmlns:a14="http://schemas.microsoft.com/office/drawing/2010/main" xmlns="">
                 <a:solidFill>
                   <a:srgbClr val="FFFFFF"/>
                 </a:solidFill>
@@ -426,7 +426,7 @@
             </a:ln>
             <a:extLst>
               <a:ext uri="{91240B29-F687-4f45-9708-019B960494DF}">
-                <a14:hiddenLine xmlns="" xmlns:a14="http://schemas.microsoft.com/office/drawing/2010/main" w="9525">
+                <a14:hiddenLine xmlns:a14="http://schemas.microsoft.com/office/drawing/2010/main" xmlns="" w="9525">
                   <a:solidFill>
                     <a:srgbClr val="000000"/>
                   </a:solidFill>
@@ -516,7 +516,7 @@
             </a:ln>
             <a:extLst>
               <a:ext uri="{91240B29-F687-4f45-9708-019B960494DF}">
-                <a14:hiddenLine xmlns="" xmlns:a14="http://schemas.microsoft.com/office/drawing/2010/main" w="9525">
+                <a14:hiddenLine xmlns:a14="http://schemas.microsoft.com/office/drawing/2010/main" xmlns="" w="9525">
                   <a:solidFill>
                     <a:srgbClr val="000000"/>
                   </a:solidFill>
@@ -606,7 +606,7 @@
             </a:ln>
             <a:extLst>
               <a:ext uri="{91240B29-F687-4f45-9708-019B960494DF}">
-                <a14:hiddenLine xmlns="" xmlns:a14="http://schemas.microsoft.com/office/drawing/2010/main" w="9525">
+                <a14:hiddenLine xmlns:a14="http://schemas.microsoft.com/office/drawing/2010/main" xmlns="" w="9525">
                   <a:solidFill>
                     <a:srgbClr val="000000"/>
                   </a:solidFill>
@@ -640,7 +640,7 @@
             </a:ln>
             <a:extLst>
               <a:ext uri="{91240B29-F687-4f45-9708-019B960494DF}">
-                <a14:hiddenLine xmlns="" xmlns:a14="http://schemas.microsoft.com/office/drawing/2010/main" w="9525">
+                <a14:hiddenLine xmlns:a14="http://schemas.microsoft.com/office/drawing/2010/main" xmlns="" w="9525">
                   <a:solidFill>
                     <a:srgbClr val="000000"/>
                   </a:solidFill>
@@ -730,7 +730,7 @@
             </a:ln>
             <a:extLst>
               <a:ext uri="{91240B29-F687-4f45-9708-019B960494DF}">
-                <a14:hiddenLine xmlns="" xmlns:a14="http://schemas.microsoft.com/office/drawing/2010/main" w="9525">
+                <a14:hiddenLine xmlns:a14="http://schemas.microsoft.com/office/drawing/2010/main" xmlns="" w="9525">
                   <a:solidFill>
                     <a:srgbClr val="000000"/>
                   </a:solidFill>
@@ -792,7 +792,7 @@
             </a:ln>
             <a:extLst>
               <a:ext uri="{91240B29-F687-4f45-9708-019B960494DF}">
-                <a14:hiddenLine xmlns="" xmlns:a14="http://schemas.microsoft.com/office/drawing/2010/main" w="9525">
+                <a14:hiddenLine xmlns:a14="http://schemas.microsoft.com/office/drawing/2010/main" xmlns="" w="9525">
                   <a:solidFill>
                     <a:srgbClr val="000000"/>
                   </a:solidFill>
@@ -854,7 +854,7 @@
             </a:ln>
             <a:extLst>
               <a:ext uri="{91240B29-F687-4f45-9708-019B960494DF}">
-                <a14:hiddenLine xmlns="" xmlns:a14="http://schemas.microsoft.com/office/drawing/2010/main" w="9525">
+                <a14:hiddenLine xmlns:a14="http://schemas.microsoft.com/office/drawing/2010/main" xmlns="" w="9525">
                   <a:solidFill>
                     <a:srgbClr val="000000"/>
                   </a:solidFill>
@@ -944,7 +944,7 @@
             </a:ln>
             <a:extLst>
               <a:ext uri="{91240B29-F687-4f45-9708-019B960494DF}">
-                <a14:hiddenLine xmlns="" xmlns:a14="http://schemas.microsoft.com/office/drawing/2010/main" w="9525">
+                <a14:hiddenLine xmlns:a14="http://schemas.microsoft.com/office/drawing/2010/main" xmlns="" w="9525">
                   <a:solidFill>
                     <a:srgbClr val="000000"/>
                   </a:solidFill>
@@ -1006,7 +1006,7 @@
             </a:ln>
             <a:extLst>
               <a:ext uri="{91240B29-F687-4f45-9708-019B960494DF}">
-                <a14:hiddenLine xmlns="" xmlns:a14="http://schemas.microsoft.com/office/drawing/2010/main" w="9525">
+                <a14:hiddenLine xmlns:a14="http://schemas.microsoft.com/office/drawing/2010/main" xmlns="" w="9525">
                   <a:solidFill>
                     <a:srgbClr val="000000"/>
                   </a:solidFill>
@@ -1068,7 +1068,7 @@
             </a:ln>
             <a:extLst>
               <a:ext uri="{91240B29-F687-4f45-9708-019B960494DF}">
-                <a14:hiddenLine xmlns="" xmlns:a14="http://schemas.microsoft.com/office/drawing/2010/main" w="9525">
+                <a14:hiddenLine xmlns:a14="http://schemas.microsoft.com/office/drawing/2010/main" xmlns="" w="9525">
                   <a:solidFill>
                     <a:srgbClr val="000000"/>
                   </a:solidFill>
@@ -1158,7 +1158,7 @@
             </a:ln>
             <a:extLst>
               <a:ext uri="{91240B29-F687-4f45-9708-019B960494DF}">
-                <a14:hiddenLine xmlns="" xmlns:a14="http://schemas.microsoft.com/office/drawing/2010/main" w="9525">
+                <a14:hiddenLine xmlns:a14="http://schemas.microsoft.com/office/drawing/2010/main" xmlns="" w="9525">
                   <a:solidFill>
                     <a:srgbClr val="000000"/>
                   </a:solidFill>
@@ -1248,7 +1248,7 @@
             </a:ln>
             <a:extLst>
               <a:ext uri="{91240B29-F687-4f45-9708-019B960494DF}">
-                <a14:hiddenLine xmlns="" xmlns:a14="http://schemas.microsoft.com/office/drawing/2010/main" w="9525">
+                <a14:hiddenLine xmlns:a14="http://schemas.microsoft.com/office/drawing/2010/main" xmlns="" w="9525">
                   <a:solidFill>
                     <a:srgbClr val="000000"/>
                   </a:solidFill>
@@ -1310,7 +1310,7 @@
             </a:ln>
             <a:extLst>
               <a:ext uri="{91240B29-F687-4f45-9708-019B960494DF}">
-                <a14:hiddenLine xmlns="" xmlns:a14="http://schemas.microsoft.com/office/drawing/2010/main" w="9525">
+                <a14:hiddenLine xmlns:a14="http://schemas.microsoft.com/office/drawing/2010/main" xmlns="" w="9525">
                   <a:solidFill>
                     <a:srgbClr val="000000"/>
                   </a:solidFill>
@@ -1420,7 +1420,7 @@
             </a:ln>
             <a:extLst>
               <a:ext uri="{91240B29-F687-4f45-9708-019B960494DF}">
-                <a14:hiddenLine xmlns="" xmlns:a14="http://schemas.microsoft.com/office/drawing/2010/main" w="9525">
+                <a14:hiddenLine xmlns:a14="http://schemas.microsoft.com/office/drawing/2010/main" xmlns="" w="9525">
                   <a:solidFill>
                     <a:srgbClr val="000000"/>
                   </a:solidFill>
@@ -1482,7 +1482,7 @@
             </a:ln>
             <a:extLst>
               <a:ext uri="{91240B29-F687-4f45-9708-019B960494DF}">
-                <a14:hiddenLine xmlns="" xmlns:a14="http://schemas.microsoft.com/office/drawing/2010/main" w="9525">
+                <a14:hiddenLine xmlns:a14="http://schemas.microsoft.com/office/drawing/2010/main" xmlns="" w="9525">
                   <a:solidFill>
                     <a:srgbClr val="000000"/>
                   </a:solidFill>
@@ -1572,7 +1572,7 @@
             </a:ln>
             <a:extLst>
               <a:ext uri="{91240B29-F687-4f45-9708-019B960494DF}">
-                <a14:hiddenLine xmlns="" xmlns:a14="http://schemas.microsoft.com/office/drawing/2010/main" w="9525">
+                <a14:hiddenLine xmlns:a14="http://schemas.microsoft.com/office/drawing/2010/main" xmlns="" w="9525">
                   <a:solidFill>
                     <a:srgbClr val="000000"/>
                   </a:solidFill>
@@ -1662,7 +1662,7 @@
             </a:ln>
             <a:extLst>
               <a:ext uri="{91240B29-F687-4f45-9708-019B960494DF}">
-                <a14:hiddenLine xmlns="" xmlns:a14="http://schemas.microsoft.com/office/drawing/2010/main" w="9525">
+                <a14:hiddenLine xmlns:a14="http://schemas.microsoft.com/office/drawing/2010/main" xmlns="" w="9525">
                   <a:solidFill>
                     <a:srgbClr val="000000"/>
                   </a:solidFill>
@@ -1724,7 +1724,7 @@
             </a:ln>
             <a:extLst>
               <a:ext uri="{91240B29-F687-4f45-9708-019B960494DF}">
-                <a14:hiddenLine xmlns="" xmlns:a14="http://schemas.microsoft.com/office/drawing/2010/main" w="9525">
+                <a14:hiddenLine xmlns:a14="http://schemas.microsoft.com/office/drawing/2010/main" xmlns="" w="9525">
                   <a:solidFill>
                     <a:srgbClr val="000000"/>
                   </a:solidFill>
@@ -1814,7 +1814,7 @@
             </a:ln>
             <a:extLst>
               <a:ext uri="{91240B29-F687-4f45-9708-019B960494DF}">
-                <a14:hiddenLine xmlns="" xmlns:a14="http://schemas.microsoft.com/office/drawing/2010/main" w="9525">
+                <a14:hiddenLine xmlns:a14="http://schemas.microsoft.com/office/drawing/2010/main" xmlns="" w="9525">
                   <a:solidFill>
                     <a:srgbClr val="000000"/>
                   </a:solidFill>
@@ -1904,7 +1904,7 @@
             </a:ln>
             <a:extLst>
               <a:ext uri="{91240B29-F687-4f45-9708-019B960494DF}">
-                <a14:hiddenLine xmlns="" xmlns:a14="http://schemas.microsoft.com/office/drawing/2010/main" w="9525">
+                <a14:hiddenLine xmlns:a14="http://schemas.microsoft.com/office/drawing/2010/main" xmlns="" w="9525">
                   <a:solidFill>
                     <a:srgbClr val="000000"/>
                   </a:solidFill>
@@ -1960,7 +1960,7 @@
             </a:ln>
             <a:extLst>
               <a:ext uri="{91240B29-F687-4f45-9708-019B960494DF}">
-                <a14:hiddenLine xmlns="" xmlns:a14="http://schemas.microsoft.com/office/drawing/2010/main" w="9525">
+                <a14:hiddenLine xmlns:a14="http://schemas.microsoft.com/office/drawing/2010/main" xmlns="" w="9525">
                   <a:solidFill>
                     <a:srgbClr val="000000"/>
                   </a:solidFill>
@@ -2050,7 +2050,7 @@
             </a:ln>
             <a:extLst>
               <a:ext uri="{91240B29-F687-4f45-9708-019B960494DF}">
-                <a14:hiddenLine xmlns="" xmlns:a14="http://schemas.microsoft.com/office/drawing/2010/main" w="9525">
+                <a14:hiddenLine xmlns:a14="http://schemas.microsoft.com/office/drawing/2010/main" xmlns="" w="9525">
                   <a:solidFill>
                     <a:srgbClr val="000000"/>
                   </a:solidFill>
@@ -2106,7 +2106,7 @@
             </a:ln>
             <a:extLst>
               <a:ext uri="{91240B29-F687-4f45-9708-019B960494DF}">
-                <a14:hiddenLine xmlns="" xmlns:a14="http://schemas.microsoft.com/office/drawing/2010/main" w="9525">
+                <a14:hiddenLine xmlns:a14="http://schemas.microsoft.com/office/drawing/2010/main" xmlns="" w="9525">
                   <a:solidFill>
                     <a:srgbClr val="000000"/>
                   </a:solidFill>
@@ -2196,7 +2196,7 @@
             </a:ln>
             <a:extLst>
               <a:ext uri="{91240B29-F687-4f45-9708-019B960494DF}">
-                <a14:hiddenLine xmlns="" xmlns:a14="http://schemas.microsoft.com/office/drawing/2010/main" w="9525">
+                <a14:hiddenLine xmlns:a14="http://schemas.microsoft.com/office/drawing/2010/main" xmlns="" w="9525">
                   <a:solidFill>
                     <a:srgbClr val="000000"/>
                   </a:solidFill>
@@ -2264,7 +2264,7 @@
             </a:ln>
             <a:extLst>
               <a:ext uri="{91240B29-F687-4f45-9708-019B960494DF}">
-                <a14:hiddenLine xmlns="" xmlns:a14="http://schemas.microsoft.com/office/drawing/2010/main" w="9525">
+                <a14:hiddenLine xmlns:a14="http://schemas.microsoft.com/office/drawing/2010/main" xmlns="" w="9525">
                   <a:solidFill>
                     <a:srgbClr val="000000"/>
                   </a:solidFill>
@@ -2354,7 +2354,7 @@
             </a:ln>
             <a:extLst>
               <a:ext uri="{91240B29-F687-4f45-9708-019B960494DF}">
-                <a14:hiddenLine xmlns="" xmlns:a14="http://schemas.microsoft.com/office/drawing/2010/main" w="9525">
+                <a14:hiddenLine xmlns:a14="http://schemas.microsoft.com/office/drawing/2010/main" xmlns="" w="9525">
                   <a:solidFill>
                     <a:srgbClr val="000000"/>
                   </a:solidFill>
@@ -2422,7 +2422,7 @@
             </a:ln>
             <a:extLst>
               <a:ext uri="{91240B29-F687-4f45-9708-019B960494DF}">
-                <a14:hiddenLine xmlns="" xmlns:a14="http://schemas.microsoft.com/office/drawing/2010/main" w="9525">
+                <a14:hiddenLine xmlns:a14="http://schemas.microsoft.com/office/drawing/2010/main" xmlns="" w="9525">
                   <a:solidFill>
                     <a:srgbClr val="000000"/>
                   </a:solidFill>
@@ -2512,7 +2512,7 @@
             </a:ln>
             <a:extLst>
               <a:ext uri="{91240B29-F687-4f45-9708-019B960494DF}">
-                <a14:hiddenLine xmlns="" xmlns:a14="http://schemas.microsoft.com/office/drawing/2010/main" w="9525">
+                <a14:hiddenLine xmlns:a14="http://schemas.microsoft.com/office/drawing/2010/main" xmlns="" w="9525">
                   <a:solidFill>
                     <a:srgbClr val="000000"/>
                   </a:solidFill>
@@ -2546,7 +2546,7 @@
             </a:ln>
             <a:extLst>
               <a:ext uri="{91240B29-F687-4f45-9708-019B960494DF}">
-                <a14:hiddenLine xmlns="" xmlns:a14="http://schemas.microsoft.com/office/drawing/2010/main" w="9525">
+                <a14:hiddenLine xmlns:a14="http://schemas.microsoft.com/office/drawing/2010/main" xmlns="" w="9525">
                   <a:solidFill>
                     <a:srgbClr val="000000"/>
                   </a:solidFill>
@@ -2636,7 +2636,7 @@
             </a:ln>
             <a:extLst>
               <a:ext uri="{91240B29-F687-4f45-9708-019B960494DF}">
-                <a14:hiddenLine xmlns="" xmlns:a14="http://schemas.microsoft.com/office/drawing/2010/main" w="9525">
+                <a14:hiddenLine xmlns:a14="http://schemas.microsoft.com/office/drawing/2010/main" xmlns="" w="9525">
                   <a:solidFill>
                     <a:srgbClr val="000000"/>
                   </a:solidFill>
@@ -2698,7 +2698,7 @@
             </a:ln>
             <a:extLst>
               <a:ext uri="{91240B29-F687-4f45-9708-019B960494DF}">
-                <a14:hiddenLine xmlns="" xmlns:a14="http://schemas.microsoft.com/office/drawing/2010/main" w="9525">
+                <a14:hiddenLine xmlns:a14="http://schemas.microsoft.com/office/drawing/2010/main" xmlns="" w="9525">
                   <a:solidFill>
                     <a:srgbClr val="000000"/>
                   </a:solidFill>
@@ -2760,7 +2760,7 @@
             </a:ln>
             <a:extLst>
               <a:ext uri="{91240B29-F687-4f45-9708-019B960494DF}">
-                <a14:hiddenLine xmlns="" xmlns:a14="http://schemas.microsoft.com/office/drawing/2010/main" w="9525">
+                <a14:hiddenLine xmlns:a14="http://schemas.microsoft.com/office/drawing/2010/main" xmlns="" w="9525">
                   <a:solidFill>
                     <a:srgbClr val="000000"/>
                   </a:solidFill>
@@ -2850,7 +2850,7 @@
             </a:ln>
             <a:extLst>
               <a:ext uri="{91240B29-F687-4f45-9708-019B960494DF}">
-                <a14:hiddenLine xmlns="" xmlns:a14="http://schemas.microsoft.com/office/drawing/2010/main" w="9525">
+                <a14:hiddenLine xmlns:a14="http://schemas.microsoft.com/office/drawing/2010/main" xmlns="" w="9525">
                   <a:solidFill>
                     <a:srgbClr val="000000"/>
                   </a:solidFill>
@@ -2918,7 +2918,7 @@
             </a:ln>
             <a:extLst>
               <a:ext uri="{91240B29-F687-4f45-9708-019B960494DF}">
-                <a14:hiddenLine xmlns="" xmlns:a14="http://schemas.microsoft.com/office/drawing/2010/main" w="9525">
+                <a14:hiddenLine xmlns:a14="http://schemas.microsoft.com/office/drawing/2010/main" xmlns="" w="9525">
                   <a:solidFill>
                     <a:srgbClr val="000000"/>
                   </a:solidFill>
@@ -2980,7 +2980,7 @@
             </a:ln>
             <a:extLst>
               <a:ext uri="{91240B29-F687-4f45-9708-019B960494DF}">
-                <a14:hiddenLine xmlns="" xmlns:a14="http://schemas.microsoft.com/office/drawing/2010/main" w="9525">
+                <a14:hiddenLine xmlns:a14="http://schemas.microsoft.com/office/drawing/2010/main" xmlns="" w="9525">
                   <a:solidFill>
                     <a:srgbClr val="000000"/>
                   </a:solidFill>
@@ -3070,7 +3070,7 @@
             </a:ln>
             <a:extLst>
               <a:ext uri="{91240B29-F687-4f45-9708-019B960494DF}">
-                <a14:hiddenLine xmlns="" xmlns:a14="http://schemas.microsoft.com/office/drawing/2010/main" w="9525">
+                <a14:hiddenLine xmlns:a14="http://schemas.microsoft.com/office/drawing/2010/main" xmlns="" w="9525">
                   <a:solidFill>
                     <a:srgbClr val="000000"/>
                   </a:solidFill>
@@ -3132,7 +3132,7 @@
             </a:ln>
             <a:extLst>
               <a:ext uri="{91240B29-F687-4f45-9708-019B960494DF}">
-                <a14:hiddenLine xmlns="" xmlns:a14="http://schemas.microsoft.com/office/drawing/2010/main" w="9525">
+                <a14:hiddenLine xmlns:a14="http://schemas.microsoft.com/office/drawing/2010/main" xmlns="" w="9525">
                   <a:solidFill>
                     <a:srgbClr val="000000"/>
                   </a:solidFill>
@@ -3222,7 +3222,7 @@
             </a:ln>
             <a:extLst>
               <a:ext uri="{91240B29-F687-4f45-9708-019B960494DF}">
-                <a14:hiddenLine xmlns="" xmlns:a14="http://schemas.microsoft.com/office/drawing/2010/main" w="9525">
+                <a14:hiddenLine xmlns:a14="http://schemas.microsoft.com/office/drawing/2010/main" xmlns="" w="9525">
                   <a:solidFill>
                     <a:srgbClr val="000000"/>
                   </a:solidFill>
@@ -3284,7 +3284,7 @@
             </a:ln>
             <a:extLst>
               <a:ext uri="{91240B29-F687-4f45-9708-019B960494DF}">
-                <a14:hiddenLine xmlns="" xmlns:a14="http://schemas.microsoft.com/office/drawing/2010/main" w="9525">
+                <a14:hiddenLine xmlns:a14="http://schemas.microsoft.com/office/drawing/2010/main" xmlns="" w="9525">
                   <a:solidFill>
                     <a:srgbClr val="000000"/>
                   </a:solidFill>
@@ -3374,7 +3374,7 @@
             </a:ln>
             <a:extLst>
               <a:ext uri="{91240B29-F687-4f45-9708-019B960494DF}">
-                <a14:hiddenLine xmlns="" xmlns:a14="http://schemas.microsoft.com/office/drawing/2010/main" w="9525">
+                <a14:hiddenLine xmlns:a14="http://schemas.microsoft.com/office/drawing/2010/main" xmlns="" w="9525">
                   <a:solidFill>
                     <a:srgbClr val="000000"/>
                   </a:solidFill>
@@ -3408,7 +3408,7 @@
             </a:ln>
             <a:extLst>
               <a:ext uri="{91240B29-F687-4f45-9708-019B960494DF}">
-                <a14:hiddenLine xmlns="" xmlns:a14="http://schemas.microsoft.com/office/drawing/2010/main" w="9525">
+                <a14:hiddenLine xmlns:a14="http://schemas.microsoft.com/office/drawing/2010/main" xmlns="" w="9525">
                   <a:solidFill>
                     <a:srgbClr val="000000"/>
                   </a:solidFill>
@@ -3473,7 +3473,7 @@
             </a:ln>
             <a:extLst>
               <a:ext uri="{91240B29-F687-4f45-9708-019B960494DF}">
-                <a14:hiddenLine xmlns="" xmlns:a14="http://schemas.microsoft.com/office/drawing/2010/main" w="9525">
+                <a14:hiddenLine xmlns:a14="http://schemas.microsoft.com/office/drawing/2010/main" xmlns="" w="9525">
                   <a:solidFill>
                     <a:srgbClr val="000000"/>
                   </a:solidFill>
@@ -3563,7 +3563,7 @@
             </a:ln>
             <a:extLst>
               <a:ext uri="{91240B29-F687-4f45-9708-019B960494DF}">
-                <a14:hiddenLine xmlns="" xmlns:a14="http://schemas.microsoft.com/office/drawing/2010/main" w="9525">
+                <a14:hiddenLine xmlns:a14="http://schemas.microsoft.com/office/drawing/2010/main" xmlns="" w="9525">
                   <a:solidFill>
                     <a:srgbClr val="000000"/>
                   </a:solidFill>
@@ -3625,7 +3625,7 @@
             </a:ln>
             <a:extLst>
               <a:ext uri="{91240B29-F687-4f45-9708-019B960494DF}">
-                <a14:hiddenLine xmlns="" xmlns:a14="http://schemas.microsoft.com/office/drawing/2010/main" w="9525">
+                <a14:hiddenLine xmlns:a14="http://schemas.microsoft.com/office/drawing/2010/main" xmlns="" w="9525">
                   <a:solidFill>
                     <a:srgbClr val="000000"/>
                   </a:solidFill>
@@ -3715,7 +3715,7 @@
             </a:ln>
             <a:extLst>
               <a:ext uri="{91240B29-F687-4f45-9708-019B960494DF}">
-                <a14:hiddenLine xmlns="" xmlns:a14="http://schemas.microsoft.com/office/drawing/2010/main" w="9525">
+                <a14:hiddenLine xmlns:a14="http://schemas.microsoft.com/office/drawing/2010/main" xmlns="" w="9525">
                   <a:solidFill>
                     <a:srgbClr val="000000"/>
                   </a:solidFill>
@@ -3805,7 +3805,7 @@
             </a:ln>
             <a:extLst>
               <a:ext uri="{91240B29-F687-4f45-9708-019B960494DF}">
-                <a14:hiddenLine xmlns="" xmlns:a14="http://schemas.microsoft.com/office/drawing/2010/main" w="9525">
+                <a14:hiddenLine xmlns:a14="http://schemas.microsoft.com/office/drawing/2010/main" xmlns="" w="9525">
                   <a:solidFill>
                     <a:srgbClr val="000000"/>
                   </a:solidFill>
@@ -3870,7 +3870,7 @@
             </a:ln>
             <a:extLst>
               <a:ext uri="{91240B29-F687-4f45-9708-019B960494DF}">
-                <a14:hiddenLine xmlns="" xmlns:a14="http://schemas.microsoft.com/office/drawing/2010/main" w="9525">
+                <a14:hiddenLine xmlns:a14="http://schemas.microsoft.com/office/drawing/2010/main" xmlns="" w="9525">
                   <a:solidFill>
                     <a:srgbClr val="000000"/>
                   </a:solidFill>
@@ -3932,7 +3932,7 @@
             </a:ln>
             <a:extLst>
               <a:ext uri="{91240B29-F687-4f45-9708-019B960494DF}">
-                <a14:hiddenLine xmlns="" xmlns:a14="http://schemas.microsoft.com/office/drawing/2010/main" w="9525">
+                <a14:hiddenLine xmlns:a14="http://schemas.microsoft.com/office/drawing/2010/main" xmlns="" w="9525">
                   <a:solidFill>
                     <a:srgbClr val="000000"/>
                   </a:solidFill>
@@ -4022,7 +4022,7 @@
             </a:ln>
             <a:extLst>
               <a:ext uri="{91240B29-F687-4f45-9708-019B960494DF}">
-                <a14:hiddenLine xmlns="" xmlns:a14="http://schemas.microsoft.com/office/drawing/2010/main" w="9525">
+                <a14:hiddenLine xmlns:a14="http://schemas.microsoft.com/office/drawing/2010/main" xmlns="" w="9525">
                   <a:solidFill>
                     <a:srgbClr val="000000"/>
                   </a:solidFill>
@@ -4112,7 +4112,7 @@
             </a:ln>
             <a:extLst>
               <a:ext uri="{91240B29-F687-4f45-9708-019B960494DF}">
-                <a14:hiddenLine xmlns="" xmlns:a14="http://schemas.microsoft.com/office/drawing/2010/main" w="9525">
+                <a14:hiddenLine xmlns:a14="http://schemas.microsoft.com/office/drawing/2010/main" xmlns="" w="9525">
                   <a:solidFill>
                     <a:srgbClr val="000000"/>
                   </a:solidFill>
@@ -4174,7 +4174,7 @@
             </a:ln>
             <a:extLst>
               <a:ext uri="{91240B29-F687-4f45-9708-019B960494DF}">
-                <a14:hiddenLine xmlns="" xmlns:a14="http://schemas.microsoft.com/office/drawing/2010/main" w="9525">
+                <a14:hiddenLine xmlns:a14="http://schemas.microsoft.com/office/drawing/2010/main" xmlns="" w="9525">
                   <a:solidFill>
                     <a:srgbClr val="000000"/>
                   </a:solidFill>
@@ -4294,7 +4294,7 @@
             </a:ln>
             <a:extLst>
               <a:ext uri="{91240B29-F687-4f45-9708-019B960494DF}">
-                <a14:hiddenLine xmlns="" xmlns:a14="http://schemas.microsoft.com/office/drawing/2010/main" w="9525">
+                <a14:hiddenLine xmlns:a14="http://schemas.microsoft.com/office/drawing/2010/main" xmlns="" w="9525">
                   <a:solidFill>
                     <a:srgbClr val="000000"/>
                   </a:solidFill>
@@ -4362,7 +4362,7 @@
             </a:ln>
             <a:extLst>
               <a:ext uri="{91240B29-F687-4f45-9708-019B960494DF}">
-                <a14:hiddenLine xmlns="" xmlns:a14="http://schemas.microsoft.com/office/drawing/2010/main" w="9525">
+                <a14:hiddenLine xmlns:a14="http://schemas.microsoft.com/office/drawing/2010/main" xmlns="" w="9525">
                   <a:solidFill>
                     <a:srgbClr val="000000"/>
                   </a:solidFill>
@@ -4452,7 +4452,7 @@
             </a:ln>
             <a:extLst>
               <a:ext uri="{91240B29-F687-4f45-9708-019B960494DF}">
-                <a14:hiddenLine xmlns="" xmlns:a14="http://schemas.microsoft.com/office/drawing/2010/main" w="9525">
+                <a14:hiddenLine xmlns:a14="http://schemas.microsoft.com/office/drawing/2010/main" xmlns="" w="9525">
                   <a:solidFill>
                     <a:srgbClr val="000000"/>
                   </a:solidFill>
@@ -4592,7 +4592,7 @@
           <a:p>
             <a:fld id="{867D2BB0-EC20-4E7E-BA61-C31A6B3B5362}" type="datetimeFigureOut">
               <a:rPr lang="it-IT" smtClean="0"/>
-              <a:t>29/06/2024</a:t>
+              <a:t>01/07/2024</a:t>
             </a:fld>
             <a:endParaRPr lang="it-IT"/>
           </a:p>
@@ -4859,7 +4859,7 @@
           <a:p>
             <a:fld id="{867D2BB0-EC20-4E7E-BA61-C31A6B3B5362}" type="datetimeFigureOut">
               <a:rPr lang="it-IT" smtClean="0"/>
-              <a:t>29/06/2024</a:t>
+              <a:t>01/07/2024</a:t>
             </a:fld>
             <a:endParaRPr lang="it-IT"/>
           </a:p>
@@ -5055,7 +5055,7 @@
           <a:p>
             <a:fld id="{867D2BB0-EC20-4E7E-BA61-C31A6B3B5362}" type="datetimeFigureOut">
               <a:rPr lang="it-IT" smtClean="0"/>
-              <a:t>29/06/2024</a:t>
+              <a:t>01/07/2024</a:t>
             </a:fld>
             <a:endParaRPr lang="it-IT"/>
           </a:p>
@@ -5318,7 +5318,7 @@
           <a:p>
             <a:fld id="{867D2BB0-EC20-4E7E-BA61-C31A6B3B5362}" type="datetimeFigureOut">
               <a:rPr lang="it-IT" smtClean="0"/>
-              <a:t>29/06/2024</a:t>
+              <a:t>01/07/2024</a:t>
             </a:fld>
             <a:endParaRPr lang="it-IT"/>
           </a:p>
@@ -5752,7 +5752,7 @@
           <a:p>
             <a:fld id="{867D2BB0-EC20-4E7E-BA61-C31A6B3B5362}" type="datetimeFigureOut">
               <a:rPr lang="it-IT" smtClean="0"/>
-              <a:t>29/06/2024</a:t>
+              <a:t>01/07/2024</a:t>
             </a:fld>
             <a:endParaRPr lang="it-IT"/>
           </a:p>
@@ -6298,7 +6298,7 @@
           <a:p>
             <a:fld id="{867D2BB0-EC20-4E7E-BA61-C31A6B3B5362}" type="datetimeFigureOut">
               <a:rPr lang="it-IT" smtClean="0"/>
-              <a:t>29/06/2024</a:t>
+              <a:t>01/07/2024</a:t>
             </a:fld>
             <a:endParaRPr lang="it-IT"/>
           </a:p>
@@ -7018,7 +7018,7 @@
           <a:p>
             <a:fld id="{867D2BB0-EC20-4E7E-BA61-C31A6B3B5362}" type="datetimeFigureOut">
               <a:rPr lang="it-IT" smtClean="0"/>
-              <a:t>29/06/2024</a:t>
+              <a:t>01/07/2024</a:t>
             </a:fld>
             <a:endParaRPr lang="it-IT"/>
           </a:p>
@@ -7188,7 +7188,7 @@
           <a:p>
             <a:fld id="{867D2BB0-EC20-4E7E-BA61-C31A6B3B5362}" type="datetimeFigureOut">
               <a:rPr lang="it-IT" smtClean="0"/>
-              <a:t>29/06/2024</a:t>
+              <a:t>01/07/2024</a:t>
             </a:fld>
             <a:endParaRPr lang="it-IT"/>
           </a:p>
@@ -7368,7 +7368,7 @@
           <a:p>
             <a:fld id="{867D2BB0-EC20-4E7E-BA61-C31A6B3B5362}" type="datetimeFigureOut">
               <a:rPr lang="it-IT" smtClean="0"/>
-              <a:t>29/06/2024</a:t>
+              <a:t>01/07/2024</a:t>
             </a:fld>
             <a:endParaRPr lang="it-IT"/>
           </a:p>
@@ -7538,7 +7538,7 @@
           <a:p>
             <a:fld id="{867D2BB0-EC20-4E7E-BA61-C31A6B3B5362}" type="datetimeFigureOut">
               <a:rPr lang="it-IT" smtClean="0"/>
-              <a:t>29/06/2024</a:t>
+              <a:t>01/07/2024</a:t>
             </a:fld>
             <a:endParaRPr lang="it-IT"/>
           </a:p>
@@ -7788,7 +7788,7 @@
           <a:p>
             <a:fld id="{867D2BB0-EC20-4E7E-BA61-C31A6B3B5362}" type="datetimeFigureOut">
               <a:rPr lang="it-IT" smtClean="0"/>
-              <a:t>29/06/2024</a:t>
+              <a:t>01/07/2024</a:t>
             </a:fld>
             <a:endParaRPr lang="it-IT"/>
           </a:p>
@@ -8020,7 +8020,7 @@
           <a:p>
             <a:fld id="{867D2BB0-EC20-4E7E-BA61-C31A6B3B5362}" type="datetimeFigureOut">
               <a:rPr lang="it-IT" smtClean="0"/>
-              <a:t>29/06/2024</a:t>
+              <a:t>01/07/2024</a:t>
             </a:fld>
             <a:endParaRPr lang="it-IT"/>
           </a:p>
@@ -8401,7 +8401,7 @@
           <a:p>
             <a:fld id="{867D2BB0-EC20-4E7E-BA61-C31A6B3B5362}" type="datetimeFigureOut">
               <a:rPr lang="it-IT" smtClean="0"/>
-              <a:t>29/06/2024</a:t>
+              <a:t>01/07/2024</a:t>
             </a:fld>
             <a:endParaRPr lang="it-IT"/>
           </a:p>
@@ -8519,7 +8519,7 @@
           <a:p>
             <a:fld id="{867D2BB0-EC20-4E7E-BA61-C31A6B3B5362}" type="datetimeFigureOut">
               <a:rPr lang="it-IT" smtClean="0"/>
-              <a:t>29/06/2024</a:t>
+              <a:t>01/07/2024</a:t>
             </a:fld>
             <a:endParaRPr lang="it-IT"/>
           </a:p>
@@ -8614,7 +8614,7 @@
           <a:p>
             <a:fld id="{867D2BB0-EC20-4E7E-BA61-C31A6B3B5362}" type="datetimeFigureOut">
               <a:rPr lang="it-IT" smtClean="0"/>
-              <a:t>29/06/2024</a:t>
+              <a:t>01/07/2024</a:t>
             </a:fld>
             <a:endParaRPr lang="it-IT"/>
           </a:p>
@@ -8863,7 +8863,7 @@
           <a:p>
             <a:fld id="{867D2BB0-EC20-4E7E-BA61-C31A6B3B5362}" type="datetimeFigureOut">
               <a:rPr lang="it-IT" smtClean="0"/>
-              <a:t>29/06/2024</a:t>
+              <a:t>01/07/2024</a:t>
             </a:fld>
             <a:endParaRPr lang="it-IT"/>
           </a:p>
@@ -9143,7 +9143,7 @@
           <a:p>
             <a:fld id="{867D2BB0-EC20-4E7E-BA61-C31A6B3B5362}" type="datetimeFigureOut">
               <a:rPr lang="it-IT" smtClean="0"/>
-              <a:t>29/06/2024</a:t>
+              <a:t>01/07/2024</a:t>
             </a:fld>
             <a:endParaRPr lang="it-IT"/>
           </a:p>
@@ -9266,7 +9266,7 @@
           <a:noFill/>
           <a:extLst>
             <a:ext uri="{909E8E84-426E-40dd-AFC4-6F175D3DCCD1}">
-              <a14:hiddenFill xmlns="" xmlns:a14="http://schemas.microsoft.com/office/drawing/2010/main">
+              <a14:hiddenFill xmlns:a14="http://schemas.microsoft.com/office/drawing/2010/main" xmlns="">
                 <a:solidFill>
                   <a:srgbClr val="FFFFFF"/>
                 </a:solidFill>
@@ -9340,7 +9340,7 @@
               </a:ln>
               <a:extLst>
                 <a:ext uri="{91240B29-F687-4f45-9708-019B960494DF}">
-                  <a14:hiddenLine xmlns="" xmlns:a14="http://schemas.microsoft.com/office/drawing/2010/main" w="9525">
+                  <a14:hiddenLine xmlns:a14="http://schemas.microsoft.com/office/drawing/2010/main" xmlns="" w="9525">
                     <a:solidFill>
                       <a:srgbClr val="000000"/>
                     </a:solidFill>
@@ -9430,7 +9430,7 @@
               </a:ln>
               <a:extLst>
                 <a:ext uri="{91240B29-F687-4f45-9708-019B960494DF}">
-                  <a14:hiddenLine xmlns="" xmlns:a14="http://schemas.microsoft.com/office/drawing/2010/main" w="9525">
+                  <a14:hiddenLine xmlns:a14="http://schemas.microsoft.com/office/drawing/2010/main" xmlns="" w="9525">
                     <a:solidFill>
                       <a:srgbClr val="000000"/>
                     </a:solidFill>
@@ -9520,7 +9520,7 @@
               </a:ln>
               <a:extLst>
                 <a:ext uri="{91240B29-F687-4f45-9708-019B960494DF}">
-                  <a14:hiddenLine xmlns="" xmlns:a14="http://schemas.microsoft.com/office/drawing/2010/main" w="9525">
+                  <a14:hiddenLine xmlns:a14="http://schemas.microsoft.com/office/drawing/2010/main" xmlns="" w="9525">
                     <a:solidFill>
                       <a:srgbClr val="000000"/>
                     </a:solidFill>
@@ -9582,7 +9582,7 @@
               </a:ln>
               <a:extLst>
                 <a:ext uri="{91240B29-F687-4f45-9708-019B960494DF}">
-                  <a14:hiddenLine xmlns="" xmlns:a14="http://schemas.microsoft.com/office/drawing/2010/main" w="9525">
+                  <a14:hiddenLine xmlns:a14="http://schemas.microsoft.com/office/drawing/2010/main" xmlns="" w="9525">
                     <a:solidFill>
                       <a:srgbClr val="000000"/>
                     </a:solidFill>
@@ -9672,7 +9672,7 @@
               </a:ln>
               <a:extLst>
                 <a:ext uri="{91240B29-F687-4f45-9708-019B960494DF}">
-                  <a14:hiddenLine xmlns="" xmlns:a14="http://schemas.microsoft.com/office/drawing/2010/main" w="9525">
+                  <a14:hiddenLine xmlns:a14="http://schemas.microsoft.com/office/drawing/2010/main" xmlns="" w="9525">
                     <a:solidFill>
                       <a:srgbClr val="000000"/>
                     </a:solidFill>
@@ -9734,7 +9734,7 @@
               </a:ln>
               <a:extLst>
                 <a:ext uri="{91240B29-F687-4f45-9708-019B960494DF}">
-                  <a14:hiddenLine xmlns="" xmlns:a14="http://schemas.microsoft.com/office/drawing/2010/main" w="9525">
+                  <a14:hiddenLine xmlns:a14="http://schemas.microsoft.com/office/drawing/2010/main" xmlns="" w="9525">
                     <a:solidFill>
                       <a:srgbClr val="000000"/>
                     </a:solidFill>
@@ -9796,7 +9796,7 @@
               </a:ln>
               <a:extLst>
                 <a:ext uri="{91240B29-F687-4f45-9708-019B960494DF}">
-                  <a14:hiddenLine xmlns="" xmlns:a14="http://schemas.microsoft.com/office/drawing/2010/main" w="9525">
+                  <a14:hiddenLine xmlns:a14="http://schemas.microsoft.com/office/drawing/2010/main" xmlns="" w="9525">
                     <a:solidFill>
                       <a:srgbClr val="000000"/>
                     </a:solidFill>
@@ -9886,7 +9886,7 @@
               </a:ln>
               <a:extLst>
                 <a:ext uri="{91240B29-F687-4f45-9708-019B960494DF}">
-                  <a14:hiddenLine xmlns="" xmlns:a14="http://schemas.microsoft.com/office/drawing/2010/main" w="9525">
+                  <a14:hiddenLine xmlns:a14="http://schemas.microsoft.com/office/drawing/2010/main" xmlns="" w="9525">
                     <a:solidFill>
                       <a:srgbClr val="000000"/>
                     </a:solidFill>
@@ -9976,7 +9976,7 @@
               </a:ln>
               <a:extLst>
                 <a:ext uri="{91240B29-F687-4f45-9708-019B960494DF}">
-                  <a14:hiddenLine xmlns="" xmlns:a14="http://schemas.microsoft.com/office/drawing/2010/main" w="9525">
+                  <a14:hiddenLine xmlns:a14="http://schemas.microsoft.com/office/drawing/2010/main" xmlns="" w="9525">
                     <a:solidFill>
                       <a:srgbClr val="000000"/>
                     </a:solidFill>
@@ -10038,7 +10038,7 @@
               </a:ln>
               <a:extLst>
                 <a:ext uri="{91240B29-F687-4f45-9708-019B960494DF}">
-                  <a14:hiddenLine xmlns="" xmlns:a14="http://schemas.microsoft.com/office/drawing/2010/main" w="9525">
+                  <a14:hiddenLine xmlns:a14="http://schemas.microsoft.com/office/drawing/2010/main" xmlns="" w="9525">
                     <a:solidFill>
                       <a:srgbClr val="000000"/>
                     </a:solidFill>
@@ -10148,7 +10148,7 @@
               </a:ln>
               <a:extLst>
                 <a:ext uri="{91240B29-F687-4f45-9708-019B960494DF}">
-                  <a14:hiddenLine xmlns="" xmlns:a14="http://schemas.microsoft.com/office/drawing/2010/main" w="9525">
+                  <a14:hiddenLine xmlns:a14="http://schemas.microsoft.com/office/drawing/2010/main" xmlns="" w="9525">
                     <a:solidFill>
                       <a:srgbClr val="000000"/>
                     </a:solidFill>
@@ -10232,7 +10232,7 @@
               </a:ln>
               <a:extLst>
                 <a:ext uri="{91240B29-F687-4f45-9708-019B960494DF}">
-                  <a14:hiddenLine xmlns="" xmlns:a14="http://schemas.microsoft.com/office/drawing/2010/main" w="9525">
+                  <a14:hiddenLine xmlns:a14="http://schemas.microsoft.com/office/drawing/2010/main" xmlns="" w="9525">
                     <a:solidFill>
                       <a:srgbClr val="000000"/>
                     </a:solidFill>
@@ -10294,7 +10294,7 @@
               </a:ln>
               <a:extLst>
                 <a:ext uri="{91240B29-F687-4f45-9708-019B960494DF}">
-                  <a14:hiddenLine xmlns="" xmlns:a14="http://schemas.microsoft.com/office/drawing/2010/main" w="9525">
+                  <a14:hiddenLine xmlns:a14="http://schemas.microsoft.com/office/drawing/2010/main" xmlns="" w="9525">
                     <a:solidFill>
                       <a:srgbClr val="000000"/>
                     </a:solidFill>
@@ -10356,7 +10356,7 @@
               </a:ln>
               <a:extLst>
                 <a:ext uri="{91240B29-F687-4f45-9708-019B960494DF}">
-                  <a14:hiddenLine xmlns="" xmlns:a14="http://schemas.microsoft.com/office/drawing/2010/main" w="9525">
+                  <a14:hiddenLine xmlns:a14="http://schemas.microsoft.com/office/drawing/2010/main" xmlns="" w="9525">
                     <a:solidFill>
                       <a:srgbClr val="000000"/>
                     </a:solidFill>
@@ -10446,7 +10446,7 @@
               </a:ln>
               <a:extLst>
                 <a:ext uri="{91240B29-F687-4f45-9708-019B960494DF}">
-                  <a14:hiddenLine xmlns="" xmlns:a14="http://schemas.microsoft.com/office/drawing/2010/main" w="9525">
+                  <a14:hiddenLine xmlns:a14="http://schemas.microsoft.com/office/drawing/2010/main" xmlns="" w="9525">
                     <a:solidFill>
                       <a:srgbClr val="000000"/>
                     </a:solidFill>
@@ -10480,7 +10480,7 @@
               </a:ln>
               <a:extLst>
                 <a:ext uri="{91240B29-F687-4f45-9708-019B960494DF}">
-                  <a14:hiddenLine xmlns="" xmlns:a14="http://schemas.microsoft.com/office/drawing/2010/main" w="9525">
+                  <a14:hiddenLine xmlns:a14="http://schemas.microsoft.com/office/drawing/2010/main" xmlns="" w="9525">
                     <a:solidFill>
                       <a:srgbClr val="000000"/>
                     </a:solidFill>
@@ -10545,7 +10545,7 @@
               </a:ln>
               <a:extLst>
                 <a:ext uri="{91240B29-F687-4f45-9708-019B960494DF}">
-                  <a14:hiddenLine xmlns="" xmlns:a14="http://schemas.microsoft.com/office/drawing/2010/main" w="9525">
+                  <a14:hiddenLine xmlns:a14="http://schemas.microsoft.com/office/drawing/2010/main" xmlns="" w="9525">
                     <a:solidFill>
                       <a:srgbClr val="000000"/>
                     </a:solidFill>
@@ -10635,7 +10635,7 @@
               </a:ln>
               <a:extLst>
                 <a:ext uri="{91240B29-F687-4f45-9708-019B960494DF}">
-                  <a14:hiddenLine xmlns="" xmlns:a14="http://schemas.microsoft.com/office/drawing/2010/main" w="9525">
+                  <a14:hiddenLine xmlns:a14="http://schemas.microsoft.com/office/drawing/2010/main" xmlns="" w="9525">
                     <a:solidFill>
                       <a:srgbClr val="000000"/>
                     </a:solidFill>
@@ -10697,7 +10697,7 @@
               </a:ln>
               <a:extLst>
                 <a:ext uri="{91240B29-F687-4f45-9708-019B960494DF}">
-                  <a14:hiddenLine xmlns="" xmlns:a14="http://schemas.microsoft.com/office/drawing/2010/main" w="9525">
+                  <a14:hiddenLine xmlns:a14="http://schemas.microsoft.com/office/drawing/2010/main" xmlns="" w="9525">
                     <a:solidFill>
                       <a:srgbClr val="000000"/>
                     </a:solidFill>
@@ -10787,7 +10787,7 @@
               </a:ln>
               <a:extLst>
                 <a:ext uri="{91240B29-F687-4f45-9708-019B960494DF}">
-                  <a14:hiddenLine xmlns="" xmlns:a14="http://schemas.microsoft.com/office/drawing/2010/main" w="9525">
+                  <a14:hiddenLine xmlns:a14="http://schemas.microsoft.com/office/drawing/2010/main" xmlns="" w="9525">
                     <a:solidFill>
                       <a:srgbClr val="000000"/>
                     </a:solidFill>
@@ -10852,7 +10852,7 @@
               </a:ln>
               <a:extLst>
                 <a:ext uri="{91240B29-F687-4f45-9708-019B960494DF}">
-                  <a14:hiddenLine xmlns="" xmlns:a14="http://schemas.microsoft.com/office/drawing/2010/main" w="9525">
+                  <a14:hiddenLine xmlns:a14="http://schemas.microsoft.com/office/drawing/2010/main" xmlns="" w="9525">
                     <a:solidFill>
                       <a:srgbClr val="000000"/>
                     </a:solidFill>
@@ -10914,7 +10914,7 @@
               </a:ln>
               <a:extLst>
                 <a:ext uri="{91240B29-F687-4f45-9708-019B960494DF}">
-                  <a14:hiddenLine xmlns="" xmlns:a14="http://schemas.microsoft.com/office/drawing/2010/main" w="9525">
+                  <a14:hiddenLine xmlns:a14="http://schemas.microsoft.com/office/drawing/2010/main" xmlns="" w="9525">
                     <a:solidFill>
                       <a:srgbClr val="000000"/>
                     </a:solidFill>
@@ -11004,7 +11004,7 @@
               </a:ln>
               <a:extLst>
                 <a:ext uri="{91240B29-F687-4f45-9708-019B960494DF}">
-                  <a14:hiddenLine xmlns="" xmlns:a14="http://schemas.microsoft.com/office/drawing/2010/main" w="9525">
+                  <a14:hiddenLine xmlns:a14="http://schemas.microsoft.com/office/drawing/2010/main" xmlns="" w="9525">
                     <a:solidFill>
                       <a:srgbClr val="000000"/>
                     </a:solidFill>
@@ -11094,7 +11094,7 @@
               </a:ln>
               <a:extLst>
                 <a:ext uri="{91240B29-F687-4f45-9708-019B960494DF}">
-                  <a14:hiddenLine xmlns="" xmlns:a14="http://schemas.microsoft.com/office/drawing/2010/main" w="9525">
+                  <a14:hiddenLine xmlns:a14="http://schemas.microsoft.com/office/drawing/2010/main" xmlns="" w="9525">
                     <a:solidFill>
                       <a:srgbClr val="000000"/>
                     </a:solidFill>
@@ -11159,7 +11159,7 @@
               </a:ln>
               <a:extLst>
                 <a:ext uri="{91240B29-F687-4f45-9708-019B960494DF}">
-                  <a14:hiddenLine xmlns="" xmlns:a14="http://schemas.microsoft.com/office/drawing/2010/main" w="9525">
+                  <a14:hiddenLine xmlns:a14="http://schemas.microsoft.com/office/drawing/2010/main" xmlns="" w="9525">
                     <a:solidFill>
                       <a:srgbClr val="000000"/>
                     </a:solidFill>
@@ -11279,7 +11279,7 @@
               </a:ln>
               <a:extLst>
                 <a:ext uri="{91240B29-F687-4f45-9708-019B960494DF}">
-                  <a14:hiddenLine xmlns="" xmlns:a14="http://schemas.microsoft.com/office/drawing/2010/main" w="9525">
+                  <a14:hiddenLine xmlns:a14="http://schemas.microsoft.com/office/drawing/2010/main" xmlns="" w="9525">
                     <a:solidFill>
                       <a:srgbClr val="000000"/>
                     </a:solidFill>
@@ -11360,7 +11360,7 @@
               </a:ln>
               <a:extLst>
                 <a:ext uri="{91240B29-F687-4f45-9708-019B960494DF}">
-                  <a14:hiddenLine xmlns="" xmlns:a14="http://schemas.microsoft.com/office/drawing/2010/main" w="9525">
+                  <a14:hiddenLine xmlns:a14="http://schemas.microsoft.com/office/drawing/2010/main" xmlns="" w="9525">
                     <a:solidFill>
                       <a:srgbClr val="000000"/>
                     </a:solidFill>
@@ -11475,7 +11475,7 @@
               </a:ln>
               <a:extLst>
                 <a:ext uri="{91240B29-F687-4f45-9708-019B960494DF}">
-                  <a14:hiddenLine xmlns="" xmlns:a14="http://schemas.microsoft.com/office/drawing/2010/main" w="9525">
+                  <a14:hiddenLine xmlns:a14="http://schemas.microsoft.com/office/drawing/2010/main" xmlns="" w="9525">
                     <a:solidFill>
                       <a:srgbClr val="000000"/>
                     </a:solidFill>
@@ -11565,7 +11565,7 @@
               </a:ln>
               <a:extLst>
                 <a:ext uri="{91240B29-F687-4f45-9708-019B960494DF}">
-                  <a14:hiddenLine xmlns="" xmlns:a14="http://schemas.microsoft.com/office/drawing/2010/main" w="9525">
+                  <a14:hiddenLine xmlns:a14="http://schemas.microsoft.com/office/drawing/2010/main" xmlns="" w="9525">
                     <a:solidFill>
                       <a:srgbClr val="000000"/>
                     </a:solidFill>
@@ -11630,7 +11630,7 @@
               </a:ln>
               <a:extLst>
                 <a:ext uri="{91240B29-F687-4f45-9708-019B960494DF}">
-                  <a14:hiddenLine xmlns="" xmlns:a14="http://schemas.microsoft.com/office/drawing/2010/main" w="9525">
+                  <a14:hiddenLine xmlns:a14="http://schemas.microsoft.com/office/drawing/2010/main" xmlns="" w="9525">
                     <a:solidFill>
                       <a:srgbClr val="000000"/>
                     </a:solidFill>
@@ -11720,7 +11720,7 @@
               </a:ln>
               <a:extLst>
                 <a:ext uri="{91240B29-F687-4f45-9708-019B960494DF}">
-                  <a14:hiddenLine xmlns="" xmlns:a14="http://schemas.microsoft.com/office/drawing/2010/main" w="9525">
+                  <a14:hiddenLine xmlns:a14="http://schemas.microsoft.com/office/drawing/2010/main" xmlns="" w="9525">
                     <a:solidFill>
                       <a:srgbClr val="000000"/>
                     </a:solidFill>
@@ -11788,7 +11788,7 @@
               </a:ln>
               <a:extLst>
                 <a:ext uri="{91240B29-F687-4f45-9708-019B960494DF}">
-                  <a14:hiddenLine xmlns="" xmlns:a14="http://schemas.microsoft.com/office/drawing/2010/main" w="9525">
+                  <a14:hiddenLine xmlns:a14="http://schemas.microsoft.com/office/drawing/2010/main" xmlns="" w="9525">
                     <a:solidFill>
                       <a:srgbClr val="000000"/>
                     </a:solidFill>
@@ -11878,7 +11878,7 @@
               </a:ln>
               <a:extLst>
                 <a:ext uri="{91240B29-F687-4f45-9708-019B960494DF}">
-                  <a14:hiddenLine xmlns="" xmlns:a14="http://schemas.microsoft.com/office/drawing/2010/main" w="9525">
+                  <a14:hiddenLine xmlns:a14="http://schemas.microsoft.com/office/drawing/2010/main" xmlns="" w="9525">
                     <a:solidFill>
                       <a:srgbClr val="000000"/>
                     </a:solidFill>
@@ -11946,7 +11946,7 @@
               </a:ln>
               <a:extLst>
                 <a:ext uri="{91240B29-F687-4f45-9708-019B960494DF}">
-                  <a14:hiddenLine xmlns="" xmlns:a14="http://schemas.microsoft.com/office/drawing/2010/main" w="9525">
+                  <a14:hiddenLine xmlns:a14="http://schemas.microsoft.com/office/drawing/2010/main" xmlns="" w="9525">
                     <a:solidFill>
                       <a:srgbClr val="000000"/>
                     </a:solidFill>
@@ -12036,7 +12036,7 @@
               </a:ln>
               <a:extLst>
                 <a:ext uri="{91240B29-F687-4f45-9708-019B960494DF}">
-                  <a14:hiddenLine xmlns="" xmlns:a14="http://schemas.microsoft.com/office/drawing/2010/main" w="9525">
+                  <a14:hiddenLine xmlns:a14="http://schemas.microsoft.com/office/drawing/2010/main" xmlns="" w="9525">
                     <a:solidFill>
                       <a:srgbClr val="000000"/>
                     </a:solidFill>
@@ -12070,7 +12070,7 @@
               </a:ln>
               <a:extLst>
                 <a:ext uri="{91240B29-F687-4f45-9708-019B960494DF}">
-                  <a14:hiddenLine xmlns="" xmlns:a14="http://schemas.microsoft.com/office/drawing/2010/main" w="9525">
+                  <a14:hiddenLine xmlns:a14="http://schemas.microsoft.com/office/drawing/2010/main" xmlns="" w="9525">
                     <a:solidFill>
                       <a:srgbClr val="000000"/>
                     </a:solidFill>
@@ -12210,7 +12210,7 @@
           <a:p>
             <a:fld id="{867D2BB0-EC20-4E7E-BA61-C31A6B3B5362}" type="datetimeFigureOut">
               <a:rPr lang="it-IT" smtClean="0"/>
-              <a:t>29/06/2024</a:t>
+              <a:t>01/07/2024</a:t>
             </a:fld>
             <a:endParaRPr lang="it-IT"/>
           </a:p>
@@ -12802,7 +12802,7 @@
             <a:noFill/>
             <a:extLst>
               <a:ext uri="{909E8E84-426E-40dd-AFC4-6F175D3DCCD1}">
-                <a14:hiddenFill xmlns:a14="http://schemas.microsoft.com/office/drawing/2010/main" xmlns:p14="http://schemas.microsoft.com/office/powerpoint/2010/main" xmlns:a16="http://schemas.microsoft.com/office/drawing/2014/main" xmlns="">
+                <a14:hiddenFill xmlns="" xmlns:a16="http://schemas.microsoft.com/office/drawing/2014/main" xmlns:p14="http://schemas.microsoft.com/office/powerpoint/2010/main" xmlns:a14="http://schemas.microsoft.com/office/drawing/2010/main">
                   <a:solidFill>
                     <a:srgbClr val="FFFFFF"/>
                   </a:solidFill>
@@ -15348,7 +15348,7 @@
           <a:noFill/>
           <a:extLst>
             <a:ext uri="{909E8E84-426E-40dd-AFC4-6F175D3DCCD1}">
-              <a14:hiddenFill xmlns:p14="http://schemas.microsoft.com/office/powerpoint/2010/main" xmlns:a14="http://schemas.microsoft.com/office/drawing/2010/main" xmlns:a16="http://schemas.microsoft.com/office/drawing/2014/main" xmlns="">
+              <a14:hiddenFill xmlns="" xmlns:a16="http://schemas.microsoft.com/office/drawing/2014/main" xmlns:a14="http://schemas.microsoft.com/office/drawing/2010/main" xmlns:p14="http://schemas.microsoft.com/office/powerpoint/2010/main">
                 <a:solidFill>
                   <a:srgbClr val="FFFFFF"/>
                 </a:solidFill>
@@ -15439,7 +15439,7 @@
             </a:ln>
             <a:extLst>
               <a:ext uri="{91240B29-F687-4f45-9708-019B960494DF}">
-                <a14:hiddenLine xmlns:p14="http://schemas.microsoft.com/office/powerpoint/2010/main" xmlns:a14="http://schemas.microsoft.com/office/drawing/2010/main" xmlns:a16="http://schemas.microsoft.com/office/drawing/2014/main" xmlns="" w="9525">
+                <a14:hiddenLine xmlns="" xmlns:a16="http://schemas.microsoft.com/office/drawing/2014/main" xmlns:a14="http://schemas.microsoft.com/office/drawing/2010/main" xmlns:p14="http://schemas.microsoft.com/office/powerpoint/2010/main" w="9525">
                   <a:solidFill>
                     <a:srgbClr val="000000"/>
                   </a:solidFill>
@@ -15551,7 +15551,7 @@
             </a:ln>
             <a:extLst>
               <a:ext uri="{91240B29-F687-4f45-9708-019B960494DF}">
-                <a14:hiddenLine xmlns:p14="http://schemas.microsoft.com/office/powerpoint/2010/main" xmlns:a14="http://schemas.microsoft.com/office/drawing/2010/main" xmlns:a16="http://schemas.microsoft.com/office/drawing/2014/main" xmlns="" w="9525">
+                <a14:hiddenLine xmlns="" xmlns:a16="http://schemas.microsoft.com/office/drawing/2014/main" xmlns:a14="http://schemas.microsoft.com/office/drawing/2010/main" xmlns:p14="http://schemas.microsoft.com/office/powerpoint/2010/main" w="9525">
                   <a:solidFill>
                     <a:srgbClr val="000000"/>
                   </a:solidFill>
@@ -15663,7 +15663,7 @@
             </a:ln>
             <a:extLst>
               <a:ext uri="{91240B29-F687-4f45-9708-019B960494DF}">
-                <a14:hiddenLine xmlns:p14="http://schemas.microsoft.com/office/powerpoint/2010/main" xmlns:a14="http://schemas.microsoft.com/office/drawing/2010/main" xmlns:a16="http://schemas.microsoft.com/office/drawing/2014/main" xmlns="" w="9525">
+                <a14:hiddenLine xmlns="" xmlns:a16="http://schemas.microsoft.com/office/drawing/2014/main" xmlns:a14="http://schemas.microsoft.com/office/drawing/2010/main" xmlns:p14="http://schemas.microsoft.com/office/powerpoint/2010/main" w="9525">
                   <a:solidFill>
                     <a:srgbClr val="000000"/>
                   </a:solidFill>
@@ -15719,7 +15719,7 @@
             </a:ln>
             <a:extLst>
               <a:ext uri="{91240B29-F687-4f45-9708-019B960494DF}">
-                <a14:hiddenLine xmlns:p14="http://schemas.microsoft.com/office/powerpoint/2010/main" xmlns:a14="http://schemas.microsoft.com/office/drawing/2010/main" xmlns:a16="http://schemas.microsoft.com/office/drawing/2014/main" xmlns="" w="9525">
+                <a14:hiddenLine xmlns="" xmlns:a16="http://schemas.microsoft.com/office/drawing/2014/main" xmlns:a14="http://schemas.microsoft.com/office/drawing/2010/main" xmlns:p14="http://schemas.microsoft.com/office/powerpoint/2010/main" w="9525">
                   <a:solidFill>
                     <a:srgbClr val="000000"/>
                   </a:solidFill>
@@ -15831,7 +15831,7 @@
             </a:ln>
             <a:extLst>
               <a:ext uri="{91240B29-F687-4f45-9708-019B960494DF}">
-                <a14:hiddenLine xmlns:p14="http://schemas.microsoft.com/office/powerpoint/2010/main" xmlns:a14="http://schemas.microsoft.com/office/drawing/2010/main" xmlns:a16="http://schemas.microsoft.com/office/drawing/2014/main" xmlns="" w="9525">
+                <a14:hiddenLine xmlns="" xmlns:a16="http://schemas.microsoft.com/office/drawing/2014/main" xmlns:a14="http://schemas.microsoft.com/office/drawing/2010/main" xmlns:p14="http://schemas.microsoft.com/office/powerpoint/2010/main" w="9525">
                   <a:solidFill>
                     <a:srgbClr val="000000"/>
                   </a:solidFill>
@@ -15915,7 +15915,7 @@
             </a:ln>
             <a:extLst>
               <a:ext uri="{91240B29-F687-4f45-9708-019B960494DF}">
-                <a14:hiddenLine xmlns:p14="http://schemas.microsoft.com/office/powerpoint/2010/main" xmlns:a14="http://schemas.microsoft.com/office/drawing/2010/main" xmlns:a16="http://schemas.microsoft.com/office/drawing/2014/main" xmlns="" w="9525">
+                <a14:hiddenLine xmlns="" xmlns:a16="http://schemas.microsoft.com/office/drawing/2014/main" xmlns:a14="http://schemas.microsoft.com/office/drawing/2010/main" xmlns:p14="http://schemas.microsoft.com/office/powerpoint/2010/main" w="9525">
                   <a:solidFill>
                     <a:srgbClr val="000000"/>
                   </a:solidFill>
@@ -15999,7 +15999,7 @@
             </a:ln>
             <a:extLst>
               <a:ext uri="{91240B29-F687-4f45-9708-019B960494DF}">
-                <a14:hiddenLine xmlns:p14="http://schemas.microsoft.com/office/powerpoint/2010/main" xmlns:a14="http://schemas.microsoft.com/office/drawing/2010/main" xmlns:a16="http://schemas.microsoft.com/office/drawing/2014/main" xmlns="" w="9525">
+                <a14:hiddenLine xmlns="" xmlns:a16="http://schemas.microsoft.com/office/drawing/2014/main" xmlns:a14="http://schemas.microsoft.com/office/drawing/2010/main" xmlns:p14="http://schemas.microsoft.com/office/powerpoint/2010/main" w="9525">
                   <a:solidFill>
                     <a:srgbClr val="000000"/>
                   </a:solidFill>
@@ -16111,7 +16111,7 @@
             </a:ln>
             <a:extLst>
               <a:ext uri="{91240B29-F687-4f45-9708-019B960494DF}">
-                <a14:hiddenLine xmlns:p14="http://schemas.microsoft.com/office/powerpoint/2010/main" xmlns:a14="http://schemas.microsoft.com/office/drawing/2010/main" xmlns:a16="http://schemas.microsoft.com/office/drawing/2014/main" xmlns="" w="9525">
+                <a14:hiddenLine xmlns="" xmlns:a16="http://schemas.microsoft.com/office/drawing/2014/main" xmlns:a14="http://schemas.microsoft.com/office/drawing/2010/main" xmlns:p14="http://schemas.microsoft.com/office/powerpoint/2010/main" w="9525">
                   <a:solidFill>
                     <a:srgbClr val="000000"/>
                   </a:solidFill>
@@ -16195,7 +16195,7 @@
             </a:ln>
             <a:extLst>
               <a:ext uri="{91240B29-F687-4f45-9708-019B960494DF}">
-                <a14:hiddenLine xmlns:p14="http://schemas.microsoft.com/office/powerpoint/2010/main" xmlns:a14="http://schemas.microsoft.com/office/drawing/2010/main" xmlns:a16="http://schemas.microsoft.com/office/drawing/2014/main" xmlns="" w="9525">
+                <a14:hiddenLine xmlns="" xmlns:a16="http://schemas.microsoft.com/office/drawing/2014/main" xmlns:a14="http://schemas.microsoft.com/office/drawing/2010/main" xmlns:p14="http://schemas.microsoft.com/office/powerpoint/2010/main" w="9525">
                   <a:solidFill>
                     <a:srgbClr val="000000"/>
                   </a:solidFill>
@@ -16279,7 +16279,7 @@
             </a:ln>
             <a:extLst>
               <a:ext uri="{91240B29-F687-4f45-9708-019B960494DF}">
-                <a14:hiddenLine xmlns:p14="http://schemas.microsoft.com/office/powerpoint/2010/main" xmlns:a14="http://schemas.microsoft.com/office/drawing/2010/main" xmlns:a16="http://schemas.microsoft.com/office/drawing/2014/main" xmlns="" w="9525">
+                <a14:hiddenLine xmlns="" xmlns:a16="http://schemas.microsoft.com/office/drawing/2014/main" xmlns:a14="http://schemas.microsoft.com/office/drawing/2010/main" xmlns:p14="http://schemas.microsoft.com/office/powerpoint/2010/main" w="9525">
                   <a:solidFill>
                     <a:srgbClr val="000000"/>
                   </a:solidFill>
@@ -16391,7 +16391,7 @@
             </a:ln>
             <a:extLst>
               <a:ext uri="{91240B29-F687-4f45-9708-019B960494DF}">
-                <a14:hiddenLine xmlns:p14="http://schemas.microsoft.com/office/powerpoint/2010/main" xmlns:a14="http://schemas.microsoft.com/office/drawing/2010/main" xmlns:a16="http://schemas.microsoft.com/office/drawing/2014/main" xmlns="" w="9525">
+                <a14:hiddenLine xmlns="" xmlns:a16="http://schemas.microsoft.com/office/drawing/2014/main" xmlns:a14="http://schemas.microsoft.com/office/drawing/2010/main" xmlns:p14="http://schemas.microsoft.com/office/powerpoint/2010/main" w="9525">
                   <a:solidFill>
                     <a:srgbClr val="000000"/>
                   </a:solidFill>
@@ -16503,7 +16503,7 @@
             </a:ln>
             <a:extLst>
               <a:ext uri="{91240B29-F687-4f45-9708-019B960494DF}">
-                <a14:hiddenLine xmlns:p14="http://schemas.microsoft.com/office/powerpoint/2010/main" xmlns:a14="http://schemas.microsoft.com/office/drawing/2010/main" xmlns:a16="http://schemas.microsoft.com/office/drawing/2014/main" xmlns="" w="9525">
+                <a14:hiddenLine xmlns="" xmlns:a16="http://schemas.microsoft.com/office/drawing/2014/main" xmlns:a14="http://schemas.microsoft.com/office/drawing/2010/main" xmlns:p14="http://schemas.microsoft.com/office/powerpoint/2010/main" w="9525">
                   <a:solidFill>
                     <a:srgbClr val="000000"/>
                   </a:solidFill>
@@ -16587,7 +16587,7 @@
             </a:ln>
             <a:extLst>
               <a:ext uri="{91240B29-F687-4f45-9708-019B960494DF}">
-                <a14:hiddenLine xmlns:p14="http://schemas.microsoft.com/office/powerpoint/2010/main" xmlns:a14="http://schemas.microsoft.com/office/drawing/2010/main" xmlns:a16="http://schemas.microsoft.com/office/drawing/2014/main" xmlns="" w="9525">
+                <a14:hiddenLine xmlns="" xmlns:a16="http://schemas.microsoft.com/office/drawing/2014/main" xmlns:a14="http://schemas.microsoft.com/office/drawing/2010/main" xmlns:p14="http://schemas.microsoft.com/office/powerpoint/2010/main" w="9525">
                   <a:solidFill>
                     <a:srgbClr val="000000"/>
                   </a:solidFill>
@@ -16719,7 +16719,7 @@
             </a:ln>
             <a:extLst>
               <a:ext uri="{91240B29-F687-4f45-9708-019B960494DF}">
-                <a14:hiddenLine xmlns:p14="http://schemas.microsoft.com/office/powerpoint/2010/main" xmlns:a14="http://schemas.microsoft.com/office/drawing/2010/main" xmlns:a16="http://schemas.microsoft.com/office/drawing/2014/main" xmlns="" w="9525">
+                <a14:hiddenLine xmlns="" xmlns:a16="http://schemas.microsoft.com/office/drawing/2014/main" xmlns:a14="http://schemas.microsoft.com/office/drawing/2010/main" xmlns:p14="http://schemas.microsoft.com/office/powerpoint/2010/main" w="9525">
                   <a:solidFill>
                     <a:srgbClr val="000000"/>
                   </a:solidFill>
@@ -16803,7 +16803,7 @@
             </a:ln>
             <a:extLst>
               <a:ext uri="{91240B29-F687-4f45-9708-019B960494DF}">
-                <a14:hiddenLine xmlns:p14="http://schemas.microsoft.com/office/powerpoint/2010/main" xmlns:a14="http://schemas.microsoft.com/office/drawing/2010/main" xmlns:a16="http://schemas.microsoft.com/office/drawing/2014/main" xmlns="" w="9525">
+                <a14:hiddenLine xmlns="" xmlns:a16="http://schemas.microsoft.com/office/drawing/2014/main" xmlns:a14="http://schemas.microsoft.com/office/drawing/2010/main" xmlns:p14="http://schemas.microsoft.com/office/powerpoint/2010/main" w="9525">
                   <a:solidFill>
                     <a:srgbClr val="000000"/>
                   </a:solidFill>
@@ -16915,7 +16915,7 @@
             </a:ln>
             <a:extLst>
               <a:ext uri="{91240B29-F687-4f45-9708-019B960494DF}">
-                <a14:hiddenLine xmlns:p14="http://schemas.microsoft.com/office/powerpoint/2010/main" xmlns:a14="http://schemas.microsoft.com/office/drawing/2010/main" xmlns:a16="http://schemas.microsoft.com/office/drawing/2014/main" xmlns="" w="9525">
+                <a14:hiddenLine xmlns="" xmlns:a16="http://schemas.microsoft.com/office/drawing/2014/main" xmlns:a14="http://schemas.microsoft.com/office/drawing/2010/main" xmlns:p14="http://schemas.microsoft.com/office/powerpoint/2010/main" w="9525">
                   <a:solidFill>
                     <a:srgbClr val="000000"/>
                   </a:solidFill>
@@ -17027,7 +17027,7 @@
             </a:ln>
             <a:extLst>
               <a:ext uri="{91240B29-F687-4f45-9708-019B960494DF}">
-                <a14:hiddenLine xmlns:p14="http://schemas.microsoft.com/office/powerpoint/2010/main" xmlns:a14="http://schemas.microsoft.com/office/drawing/2010/main" xmlns:a16="http://schemas.microsoft.com/office/drawing/2014/main" xmlns="" w="9525">
+                <a14:hiddenLine xmlns="" xmlns:a16="http://schemas.microsoft.com/office/drawing/2014/main" xmlns:a14="http://schemas.microsoft.com/office/drawing/2010/main" xmlns:p14="http://schemas.microsoft.com/office/powerpoint/2010/main" w="9525">
                   <a:solidFill>
                     <a:srgbClr val="000000"/>
                   </a:solidFill>
@@ -17111,7 +17111,7 @@
             </a:ln>
             <a:extLst>
               <a:ext uri="{91240B29-F687-4f45-9708-019B960494DF}">
-                <a14:hiddenLine xmlns:p14="http://schemas.microsoft.com/office/powerpoint/2010/main" xmlns:a14="http://schemas.microsoft.com/office/drawing/2010/main" xmlns:a16="http://schemas.microsoft.com/office/drawing/2014/main" xmlns="" w="9525">
+                <a14:hiddenLine xmlns="" xmlns:a16="http://schemas.microsoft.com/office/drawing/2014/main" xmlns:a14="http://schemas.microsoft.com/office/drawing/2010/main" xmlns:p14="http://schemas.microsoft.com/office/powerpoint/2010/main" w="9525">
                   <a:solidFill>
                     <a:srgbClr val="000000"/>
                   </a:solidFill>
@@ -17223,7 +17223,7 @@
             </a:ln>
             <a:extLst>
               <a:ext uri="{91240B29-F687-4f45-9708-019B960494DF}">
-                <a14:hiddenLine xmlns:p14="http://schemas.microsoft.com/office/powerpoint/2010/main" xmlns:a14="http://schemas.microsoft.com/office/drawing/2010/main" xmlns:a16="http://schemas.microsoft.com/office/drawing/2014/main" xmlns="" w="9525">
+                <a14:hiddenLine xmlns="" xmlns:a16="http://schemas.microsoft.com/office/drawing/2014/main" xmlns:a14="http://schemas.microsoft.com/office/drawing/2010/main" xmlns:p14="http://schemas.microsoft.com/office/powerpoint/2010/main" w="9525">
                   <a:solidFill>
                     <a:srgbClr val="000000"/>
                   </a:solidFill>
@@ -17335,7 +17335,7 @@
             </a:ln>
             <a:extLst>
               <a:ext uri="{91240B29-F687-4f45-9708-019B960494DF}">
-                <a14:hiddenLine xmlns:p14="http://schemas.microsoft.com/office/powerpoint/2010/main" xmlns:a14="http://schemas.microsoft.com/office/drawing/2010/main" xmlns:a16="http://schemas.microsoft.com/office/drawing/2014/main" xmlns="" w="9525">
+                <a14:hiddenLine xmlns="" xmlns:a16="http://schemas.microsoft.com/office/drawing/2014/main" xmlns:a14="http://schemas.microsoft.com/office/drawing/2010/main" xmlns:p14="http://schemas.microsoft.com/office/powerpoint/2010/main" w="9525">
                   <a:solidFill>
                     <a:srgbClr val="000000"/>
                   </a:solidFill>
@@ -17413,7 +17413,7 @@
             </a:ln>
             <a:extLst>
               <a:ext uri="{91240B29-F687-4f45-9708-019B960494DF}">
-                <a14:hiddenLine xmlns:p14="http://schemas.microsoft.com/office/powerpoint/2010/main" xmlns:a14="http://schemas.microsoft.com/office/drawing/2010/main" xmlns:a16="http://schemas.microsoft.com/office/drawing/2014/main" xmlns="" w="9525">
+                <a14:hiddenLine xmlns="" xmlns:a16="http://schemas.microsoft.com/office/drawing/2014/main" xmlns:a14="http://schemas.microsoft.com/office/drawing/2010/main" xmlns:p14="http://schemas.microsoft.com/office/powerpoint/2010/main" w="9525">
                   <a:solidFill>
                     <a:srgbClr val="000000"/>
                   </a:solidFill>
@@ -17525,7 +17525,7 @@
             </a:ln>
             <a:extLst>
               <a:ext uri="{91240B29-F687-4f45-9708-019B960494DF}">
-                <a14:hiddenLine xmlns:p14="http://schemas.microsoft.com/office/powerpoint/2010/main" xmlns:a14="http://schemas.microsoft.com/office/drawing/2010/main" xmlns:a16="http://schemas.microsoft.com/office/drawing/2014/main" xmlns="" w="9525">
+                <a14:hiddenLine xmlns="" xmlns:a16="http://schemas.microsoft.com/office/drawing/2014/main" xmlns:a14="http://schemas.microsoft.com/office/drawing/2010/main" xmlns:p14="http://schemas.microsoft.com/office/powerpoint/2010/main" w="9525">
                   <a:solidFill>
                     <a:srgbClr val="000000"/>
                   </a:solidFill>
@@ -17603,7 +17603,7 @@
             </a:ln>
             <a:extLst>
               <a:ext uri="{91240B29-F687-4f45-9708-019B960494DF}">
-                <a14:hiddenLine xmlns:p14="http://schemas.microsoft.com/office/powerpoint/2010/main" xmlns:a14="http://schemas.microsoft.com/office/drawing/2010/main" xmlns:a16="http://schemas.microsoft.com/office/drawing/2014/main" xmlns="" w="9525">
+                <a14:hiddenLine xmlns="" xmlns:a16="http://schemas.microsoft.com/office/drawing/2014/main" xmlns:a14="http://schemas.microsoft.com/office/drawing/2010/main" xmlns:p14="http://schemas.microsoft.com/office/powerpoint/2010/main" w="9525">
                   <a:solidFill>
                     <a:srgbClr val="000000"/>
                   </a:solidFill>
@@ -17715,7 +17715,7 @@
             </a:ln>
             <a:extLst>
               <a:ext uri="{91240B29-F687-4f45-9708-019B960494DF}">
-                <a14:hiddenLine xmlns:p14="http://schemas.microsoft.com/office/powerpoint/2010/main" xmlns:a14="http://schemas.microsoft.com/office/drawing/2010/main" xmlns:a16="http://schemas.microsoft.com/office/drawing/2014/main" xmlns="" w="9525">
+                <a14:hiddenLine xmlns="" xmlns:a16="http://schemas.microsoft.com/office/drawing/2014/main" xmlns:a14="http://schemas.microsoft.com/office/drawing/2010/main" xmlns:p14="http://schemas.microsoft.com/office/powerpoint/2010/main" w="9525">
                   <a:solidFill>
                     <a:srgbClr val="000000"/>
                   </a:solidFill>
@@ -17805,7 +17805,7 @@
             </a:ln>
             <a:extLst>
               <a:ext uri="{91240B29-F687-4f45-9708-019B960494DF}">
-                <a14:hiddenLine xmlns:p14="http://schemas.microsoft.com/office/powerpoint/2010/main" xmlns:a14="http://schemas.microsoft.com/office/drawing/2010/main" xmlns:a16="http://schemas.microsoft.com/office/drawing/2014/main" xmlns="" w="9525">
+                <a14:hiddenLine xmlns="" xmlns:a16="http://schemas.microsoft.com/office/drawing/2014/main" xmlns:a14="http://schemas.microsoft.com/office/drawing/2010/main" xmlns:p14="http://schemas.microsoft.com/office/powerpoint/2010/main" w="9525">
                   <a:solidFill>
                     <a:srgbClr val="000000"/>
                   </a:solidFill>
@@ -17917,7 +17917,7 @@
             </a:ln>
             <a:extLst>
               <a:ext uri="{91240B29-F687-4f45-9708-019B960494DF}">
-                <a14:hiddenLine xmlns:p14="http://schemas.microsoft.com/office/powerpoint/2010/main" xmlns:a14="http://schemas.microsoft.com/office/drawing/2010/main" xmlns:a16="http://schemas.microsoft.com/office/drawing/2014/main" xmlns="" w="9525">
+                <a14:hiddenLine xmlns="" xmlns:a16="http://schemas.microsoft.com/office/drawing/2014/main" xmlns:a14="http://schemas.microsoft.com/office/drawing/2010/main" xmlns:p14="http://schemas.microsoft.com/office/powerpoint/2010/main" w="9525">
                   <a:solidFill>
                     <a:srgbClr val="000000"/>
                   </a:solidFill>
@@ -18007,7 +18007,7 @@
             </a:ln>
             <a:extLst>
               <a:ext uri="{91240B29-F687-4f45-9708-019B960494DF}">
-                <a14:hiddenLine xmlns:p14="http://schemas.microsoft.com/office/powerpoint/2010/main" xmlns:a14="http://schemas.microsoft.com/office/drawing/2010/main" xmlns:a16="http://schemas.microsoft.com/office/drawing/2014/main" xmlns="" w="9525">
+                <a14:hiddenLine xmlns="" xmlns:a16="http://schemas.microsoft.com/office/drawing/2014/main" xmlns:a14="http://schemas.microsoft.com/office/drawing/2010/main" xmlns:p14="http://schemas.microsoft.com/office/powerpoint/2010/main" w="9525">
                   <a:solidFill>
                     <a:srgbClr val="000000"/>
                   </a:solidFill>
@@ -18119,7 +18119,7 @@
             </a:ln>
             <a:extLst>
               <a:ext uri="{91240B29-F687-4f45-9708-019B960494DF}">
-                <a14:hiddenLine xmlns:p14="http://schemas.microsoft.com/office/powerpoint/2010/main" xmlns:a14="http://schemas.microsoft.com/office/drawing/2010/main" xmlns:a16="http://schemas.microsoft.com/office/drawing/2014/main" xmlns="" w="9525">
+                <a14:hiddenLine xmlns="" xmlns:a16="http://schemas.microsoft.com/office/drawing/2014/main" xmlns:a14="http://schemas.microsoft.com/office/drawing/2010/main" xmlns:p14="http://schemas.microsoft.com/office/powerpoint/2010/main" w="9525">
                   <a:solidFill>
                     <a:srgbClr val="000000"/>
                   </a:solidFill>
@@ -18175,7 +18175,7 @@
             </a:ln>
             <a:extLst>
               <a:ext uri="{91240B29-F687-4f45-9708-019B960494DF}">
-                <a14:hiddenLine xmlns:p14="http://schemas.microsoft.com/office/powerpoint/2010/main" xmlns:a14="http://schemas.microsoft.com/office/drawing/2010/main" xmlns:a16="http://schemas.microsoft.com/office/drawing/2014/main" xmlns="" w="9525">
+                <a14:hiddenLine xmlns="" xmlns:a16="http://schemas.microsoft.com/office/drawing/2014/main" xmlns:a14="http://schemas.microsoft.com/office/drawing/2010/main" xmlns:p14="http://schemas.microsoft.com/office/powerpoint/2010/main" w="9525">
                   <a:solidFill>
                     <a:srgbClr val="000000"/>
                   </a:solidFill>
@@ -18287,7 +18287,7 @@
             </a:ln>
             <a:extLst>
               <a:ext uri="{91240B29-F687-4f45-9708-019B960494DF}">
-                <a14:hiddenLine xmlns:p14="http://schemas.microsoft.com/office/powerpoint/2010/main" xmlns:a14="http://schemas.microsoft.com/office/drawing/2010/main" xmlns:a16="http://schemas.microsoft.com/office/drawing/2014/main" xmlns="" w="9525">
+                <a14:hiddenLine xmlns="" xmlns:a16="http://schemas.microsoft.com/office/drawing/2014/main" xmlns:a14="http://schemas.microsoft.com/office/drawing/2010/main" xmlns:p14="http://schemas.microsoft.com/office/powerpoint/2010/main" w="9525">
                   <a:solidFill>
                     <a:srgbClr val="000000"/>
                   </a:solidFill>
@@ -18371,7 +18371,7 @@
             </a:ln>
             <a:extLst>
               <a:ext uri="{91240B29-F687-4f45-9708-019B960494DF}">
-                <a14:hiddenLine xmlns:p14="http://schemas.microsoft.com/office/powerpoint/2010/main" xmlns:a14="http://schemas.microsoft.com/office/drawing/2010/main" xmlns:a16="http://schemas.microsoft.com/office/drawing/2014/main" xmlns="" w="9525">
+                <a14:hiddenLine xmlns="" xmlns:a16="http://schemas.microsoft.com/office/drawing/2014/main" xmlns:a14="http://schemas.microsoft.com/office/drawing/2010/main" xmlns:p14="http://schemas.microsoft.com/office/powerpoint/2010/main" w="9525">
                   <a:solidFill>
                     <a:srgbClr val="000000"/>
                   </a:solidFill>
@@ -18455,7 +18455,7 @@
             </a:ln>
             <a:extLst>
               <a:ext uri="{91240B29-F687-4f45-9708-019B960494DF}">
-                <a14:hiddenLine xmlns:p14="http://schemas.microsoft.com/office/powerpoint/2010/main" xmlns:a14="http://schemas.microsoft.com/office/drawing/2010/main" xmlns:a16="http://schemas.microsoft.com/office/drawing/2014/main" xmlns="" w="9525">
+                <a14:hiddenLine xmlns="" xmlns:a16="http://schemas.microsoft.com/office/drawing/2014/main" xmlns:a14="http://schemas.microsoft.com/office/drawing/2010/main" xmlns:p14="http://schemas.microsoft.com/office/powerpoint/2010/main" w="9525">
                   <a:solidFill>
                     <a:srgbClr val="000000"/>
                   </a:solidFill>
@@ -18567,7 +18567,7 @@
             </a:ln>
             <a:extLst>
               <a:ext uri="{91240B29-F687-4f45-9708-019B960494DF}">
-                <a14:hiddenLine xmlns:p14="http://schemas.microsoft.com/office/powerpoint/2010/main" xmlns:a14="http://schemas.microsoft.com/office/drawing/2010/main" xmlns:a16="http://schemas.microsoft.com/office/drawing/2014/main" xmlns="" w="9525">
+                <a14:hiddenLine xmlns="" xmlns:a16="http://schemas.microsoft.com/office/drawing/2014/main" xmlns:a14="http://schemas.microsoft.com/office/drawing/2010/main" xmlns:p14="http://schemas.microsoft.com/office/powerpoint/2010/main" w="9525">
                   <a:solidFill>
                     <a:srgbClr val="000000"/>
                   </a:solidFill>
@@ -18657,7 +18657,7 @@
             </a:ln>
             <a:extLst>
               <a:ext uri="{91240B29-F687-4f45-9708-019B960494DF}">
-                <a14:hiddenLine xmlns:p14="http://schemas.microsoft.com/office/powerpoint/2010/main" xmlns:a14="http://schemas.microsoft.com/office/drawing/2010/main" xmlns:a16="http://schemas.microsoft.com/office/drawing/2014/main" xmlns="" w="9525">
+                <a14:hiddenLine xmlns="" xmlns:a16="http://schemas.microsoft.com/office/drawing/2014/main" xmlns:a14="http://schemas.microsoft.com/office/drawing/2010/main" xmlns:p14="http://schemas.microsoft.com/office/powerpoint/2010/main" w="9525">
                   <a:solidFill>
                     <a:srgbClr val="000000"/>
                   </a:solidFill>
@@ -18741,7 +18741,7 @@
             </a:ln>
             <a:extLst>
               <a:ext uri="{91240B29-F687-4f45-9708-019B960494DF}">
-                <a14:hiddenLine xmlns:p14="http://schemas.microsoft.com/office/powerpoint/2010/main" xmlns:a14="http://schemas.microsoft.com/office/drawing/2010/main" xmlns:a16="http://schemas.microsoft.com/office/drawing/2014/main" xmlns="" w="9525">
+                <a14:hiddenLine xmlns="" xmlns:a16="http://schemas.microsoft.com/office/drawing/2014/main" xmlns:a14="http://schemas.microsoft.com/office/drawing/2010/main" xmlns:p14="http://schemas.microsoft.com/office/powerpoint/2010/main" w="9525">
                   <a:solidFill>
                     <a:srgbClr val="000000"/>
                   </a:solidFill>
@@ -18853,7 +18853,7 @@
             </a:ln>
             <a:extLst>
               <a:ext uri="{91240B29-F687-4f45-9708-019B960494DF}">
-                <a14:hiddenLine xmlns:p14="http://schemas.microsoft.com/office/powerpoint/2010/main" xmlns:a14="http://schemas.microsoft.com/office/drawing/2010/main" xmlns:a16="http://schemas.microsoft.com/office/drawing/2014/main" xmlns="" w="9525">
+                <a14:hiddenLine xmlns="" xmlns:a16="http://schemas.microsoft.com/office/drawing/2014/main" xmlns:a14="http://schemas.microsoft.com/office/drawing/2010/main" xmlns:p14="http://schemas.microsoft.com/office/powerpoint/2010/main" w="9525">
                   <a:solidFill>
                     <a:srgbClr val="000000"/>
                   </a:solidFill>
@@ -18937,7 +18937,7 @@
             </a:ln>
             <a:extLst>
               <a:ext uri="{91240B29-F687-4f45-9708-019B960494DF}">
-                <a14:hiddenLine xmlns:p14="http://schemas.microsoft.com/office/powerpoint/2010/main" xmlns:a14="http://schemas.microsoft.com/office/drawing/2010/main" xmlns:a16="http://schemas.microsoft.com/office/drawing/2014/main" xmlns="" w="9525">
+                <a14:hiddenLine xmlns="" xmlns:a16="http://schemas.microsoft.com/office/drawing/2014/main" xmlns:a14="http://schemas.microsoft.com/office/drawing/2010/main" xmlns:p14="http://schemas.microsoft.com/office/powerpoint/2010/main" w="9525">
                   <a:solidFill>
                     <a:srgbClr val="000000"/>
                   </a:solidFill>
@@ -19049,7 +19049,7 @@
             </a:ln>
             <a:extLst>
               <a:ext uri="{91240B29-F687-4f45-9708-019B960494DF}">
-                <a14:hiddenLine xmlns:p14="http://schemas.microsoft.com/office/powerpoint/2010/main" xmlns:a14="http://schemas.microsoft.com/office/drawing/2010/main" xmlns:a16="http://schemas.microsoft.com/office/drawing/2014/main" xmlns="" w="9525">
+                <a14:hiddenLine xmlns="" xmlns:a16="http://schemas.microsoft.com/office/drawing/2014/main" xmlns:a14="http://schemas.microsoft.com/office/drawing/2010/main" xmlns:p14="http://schemas.microsoft.com/office/powerpoint/2010/main" w="9525">
                   <a:solidFill>
                     <a:srgbClr val="000000"/>
                   </a:solidFill>
@@ -19133,7 +19133,7 @@
             </a:ln>
             <a:extLst>
               <a:ext uri="{91240B29-F687-4f45-9708-019B960494DF}">
-                <a14:hiddenLine xmlns:p14="http://schemas.microsoft.com/office/powerpoint/2010/main" xmlns:a14="http://schemas.microsoft.com/office/drawing/2010/main" xmlns:a16="http://schemas.microsoft.com/office/drawing/2014/main" xmlns="" w="9525">
+                <a14:hiddenLine xmlns="" xmlns:a16="http://schemas.microsoft.com/office/drawing/2014/main" xmlns:a14="http://schemas.microsoft.com/office/drawing/2010/main" xmlns:p14="http://schemas.microsoft.com/office/powerpoint/2010/main" w="9525">
                   <a:solidFill>
                     <a:srgbClr val="000000"/>
                   </a:solidFill>
@@ -19245,7 +19245,7 @@
             </a:ln>
             <a:extLst>
               <a:ext uri="{91240B29-F687-4f45-9708-019B960494DF}">
-                <a14:hiddenLine xmlns:p14="http://schemas.microsoft.com/office/powerpoint/2010/main" xmlns:a14="http://schemas.microsoft.com/office/drawing/2010/main" xmlns:a16="http://schemas.microsoft.com/office/drawing/2014/main" xmlns="" w="9525">
+                <a14:hiddenLine xmlns="" xmlns:a16="http://schemas.microsoft.com/office/drawing/2014/main" xmlns:a14="http://schemas.microsoft.com/office/drawing/2010/main" xmlns:p14="http://schemas.microsoft.com/office/powerpoint/2010/main" w="9525">
                   <a:solidFill>
                     <a:srgbClr val="000000"/>
                   </a:solidFill>
@@ -19301,7 +19301,7 @@
             </a:ln>
             <a:extLst>
               <a:ext uri="{91240B29-F687-4f45-9708-019B960494DF}">
-                <a14:hiddenLine xmlns:p14="http://schemas.microsoft.com/office/powerpoint/2010/main" xmlns:a14="http://schemas.microsoft.com/office/drawing/2010/main" xmlns:a16="http://schemas.microsoft.com/office/drawing/2014/main" xmlns="" w="9525">
+                <a14:hiddenLine xmlns="" xmlns:a16="http://schemas.microsoft.com/office/drawing/2014/main" xmlns:a14="http://schemas.microsoft.com/office/drawing/2010/main" xmlns:p14="http://schemas.microsoft.com/office/powerpoint/2010/main" w="9525">
                   <a:solidFill>
                     <a:srgbClr val="000000"/>
                   </a:solidFill>
@@ -19388,7 +19388,7 @@
             </a:ln>
             <a:extLst>
               <a:ext uri="{91240B29-F687-4f45-9708-019B960494DF}">
-                <a14:hiddenLine xmlns:p14="http://schemas.microsoft.com/office/powerpoint/2010/main" xmlns:a14="http://schemas.microsoft.com/office/drawing/2010/main" xmlns:a16="http://schemas.microsoft.com/office/drawing/2014/main" xmlns="" w="9525">
+                <a14:hiddenLine xmlns="" xmlns:a16="http://schemas.microsoft.com/office/drawing/2014/main" xmlns:a14="http://schemas.microsoft.com/office/drawing/2010/main" xmlns:p14="http://schemas.microsoft.com/office/powerpoint/2010/main" w="9525">
                   <a:solidFill>
                     <a:srgbClr val="000000"/>
                   </a:solidFill>
@@ -19500,7 +19500,7 @@
             </a:ln>
             <a:extLst>
               <a:ext uri="{91240B29-F687-4f45-9708-019B960494DF}">
-                <a14:hiddenLine xmlns:p14="http://schemas.microsoft.com/office/powerpoint/2010/main" xmlns:a14="http://schemas.microsoft.com/office/drawing/2010/main" xmlns:a16="http://schemas.microsoft.com/office/drawing/2014/main" xmlns="" w="9525">
+                <a14:hiddenLine xmlns="" xmlns:a16="http://schemas.microsoft.com/office/drawing/2014/main" xmlns:a14="http://schemas.microsoft.com/office/drawing/2010/main" xmlns:p14="http://schemas.microsoft.com/office/powerpoint/2010/main" w="9525">
                   <a:solidFill>
                     <a:srgbClr val="000000"/>
                   </a:solidFill>
@@ -19584,7 +19584,7 @@
             </a:ln>
             <a:extLst>
               <a:ext uri="{91240B29-F687-4f45-9708-019B960494DF}">
-                <a14:hiddenLine xmlns:p14="http://schemas.microsoft.com/office/powerpoint/2010/main" xmlns:a14="http://schemas.microsoft.com/office/drawing/2010/main" xmlns:a16="http://schemas.microsoft.com/office/drawing/2014/main" xmlns="" w="9525">
+                <a14:hiddenLine xmlns="" xmlns:a16="http://schemas.microsoft.com/office/drawing/2014/main" xmlns:a14="http://schemas.microsoft.com/office/drawing/2010/main" xmlns:p14="http://schemas.microsoft.com/office/powerpoint/2010/main" w="9525">
                   <a:solidFill>
                     <a:srgbClr val="000000"/>
                   </a:solidFill>
@@ -19696,7 +19696,7 @@
             </a:ln>
             <a:extLst>
               <a:ext uri="{91240B29-F687-4f45-9708-019B960494DF}">
-                <a14:hiddenLine xmlns:p14="http://schemas.microsoft.com/office/powerpoint/2010/main" xmlns:a14="http://schemas.microsoft.com/office/drawing/2010/main" xmlns:a16="http://schemas.microsoft.com/office/drawing/2014/main" xmlns="" w="9525">
+                <a14:hiddenLine xmlns="" xmlns:a16="http://schemas.microsoft.com/office/drawing/2014/main" xmlns:a14="http://schemas.microsoft.com/office/drawing/2010/main" xmlns:p14="http://schemas.microsoft.com/office/powerpoint/2010/main" w="9525">
                   <a:solidFill>
                     <a:srgbClr val="000000"/>
                   </a:solidFill>
@@ -19808,7 +19808,7 @@
             </a:ln>
             <a:extLst>
               <a:ext uri="{91240B29-F687-4f45-9708-019B960494DF}">
-                <a14:hiddenLine xmlns:p14="http://schemas.microsoft.com/office/powerpoint/2010/main" xmlns:a14="http://schemas.microsoft.com/office/drawing/2010/main" xmlns:a16="http://schemas.microsoft.com/office/drawing/2014/main" xmlns="" w="9525">
+                <a14:hiddenLine xmlns="" xmlns:a16="http://schemas.microsoft.com/office/drawing/2014/main" xmlns:a14="http://schemas.microsoft.com/office/drawing/2010/main" xmlns:p14="http://schemas.microsoft.com/office/powerpoint/2010/main" w="9525">
                   <a:solidFill>
                     <a:srgbClr val="000000"/>
                   </a:solidFill>
@@ -19895,7 +19895,7 @@
             </a:ln>
             <a:extLst>
               <a:ext uri="{91240B29-F687-4f45-9708-019B960494DF}">
-                <a14:hiddenLine xmlns:p14="http://schemas.microsoft.com/office/powerpoint/2010/main" xmlns:a14="http://schemas.microsoft.com/office/drawing/2010/main" xmlns:a16="http://schemas.microsoft.com/office/drawing/2014/main" xmlns="" w="9525">
+                <a14:hiddenLine xmlns="" xmlns:a16="http://schemas.microsoft.com/office/drawing/2014/main" xmlns:a14="http://schemas.microsoft.com/office/drawing/2010/main" xmlns:p14="http://schemas.microsoft.com/office/powerpoint/2010/main" w="9525">
                   <a:solidFill>
                     <a:srgbClr val="000000"/>
                   </a:solidFill>
@@ -19979,7 +19979,7 @@
             </a:ln>
             <a:extLst>
               <a:ext uri="{91240B29-F687-4f45-9708-019B960494DF}">
-                <a14:hiddenLine xmlns:p14="http://schemas.microsoft.com/office/powerpoint/2010/main" xmlns:a14="http://schemas.microsoft.com/office/drawing/2010/main" xmlns:a16="http://schemas.microsoft.com/office/drawing/2014/main" xmlns="" w="9525">
+                <a14:hiddenLine xmlns="" xmlns:a16="http://schemas.microsoft.com/office/drawing/2014/main" xmlns:a14="http://schemas.microsoft.com/office/drawing/2010/main" xmlns:p14="http://schemas.microsoft.com/office/powerpoint/2010/main" w="9525">
                   <a:solidFill>
                     <a:srgbClr val="000000"/>
                   </a:solidFill>
@@ -20091,7 +20091,7 @@
             </a:ln>
             <a:extLst>
               <a:ext uri="{91240B29-F687-4f45-9708-019B960494DF}">
-                <a14:hiddenLine xmlns:p14="http://schemas.microsoft.com/office/powerpoint/2010/main" xmlns:a14="http://schemas.microsoft.com/office/drawing/2010/main" xmlns:a16="http://schemas.microsoft.com/office/drawing/2014/main" xmlns="" w="9525">
+                <a14:hiddenLine xmlns="" xmlns:a16="http://schemas.microsoft.com/office/drawing/2014/main" xmlns:a14="http://schemas.microsoft.com/office/drawing/2010/main" xmlns:p14="http://schemas.microsoft.com/office/powerpoint/2010/main" w="9525">
                   <a:solidFill>
                     <a:srgbClr val="000000"/>
                   </a:solidFill>
@@ -20203,7 +20203,7 @@
             </a:ln>
             <a:extLst>
               <a:ext uri="{91240B29-F687-4f45-9708-019B960494DF}">
-                <a14:hiddenLine xmlns:p14="http://schemas.microsoft.com/office/powerpoint/2010/main" xmlns:a14="http://schemas.microsoft.com/office/drawing/2010/main" xmlns:a16="http://schemas.microsoft.com/office/drawing/2014/main" xmlns="" w="9525">
+                <a14:hiddenLine xmlns="" xmlns:a16="http://schemas.microsoft.com/office/drawing/2014/main" xmlns:a14="http://schemas.microsoft.com/office/drawing/2010/main" xmlns:p14="http://schemas.microsoft.com/office/powerpoint/2010/main" w="9525">
                   <a:solidFill>
                     <a:srgbClr val="000000"/>
                   </a:solidFill>
@@ -20287,7 +20287,7 @@
             </a:ln>
             <a:extLst>
               <a:ext uri="{91240B29-F687-4f45-9708-019B960494DF}">
-                <a14:hiddenLine xmlns:p14="http://schemas.microsoft.com/office/powerpoint/2010/main" xmlns:a14="http://schemas.microsoft.com/office/drawing/2010/main" xmlns:a16="http://schemas.microsoft.com/office/drawing/2014/main" xmlns="" w="9525">
+                <a14:hiddenLine xmlns="" xmlns:a16="http://schemas.microsoft.com/office/drawing/2014/main" xmlns:a14="http://schemas.microsoft.com/office/drawing/2010/main" xmlns:p14="http://schemas.microsoft.com/office/powerpoint/2010/main" w="9525">
                   <a:solidFill>
                     <a:srgbClr val="000000"/>
                   </a:solidFill>
@@ -20429,7 +20429,7 @@
             </a:ln>
             <a:extLst>
               <a:ext uri="{91240B29-F687-4f45-9708-019B960494DF}">
-                <a14:hiddenLine xmlns:p14="http://schemas.microsoft.com/office/powerpoint/2010/main" xmlns:a14="http://schemas.microsoft.com/office/drawing/2010/main" xmlns:a16="http://schemas.microsoft.com/office/drawing/2014/main" xmlns="" w="9525">
+                <a14:hiddenLine xmlns="" xmlns:a16="http://schemas.microsoft.com/office/drawing/2014/main" xmlns:a14="http://schemas.microsoft.com/office/drawing/2010/main" xmlns:p14="http://schemas.microsoft.com/office/powerpoint/2010/main" w="9525">
                   <a:solidFill>
                     <a:srgbClr val="000000"/>
                   </a:solidFill>
@@ -20519,7 +20519,7 @@
             </a:ln>
             <a:extLst>
               <a:ext uri="{91240B29-F687-4f45-9708-019B960494DF}">
-                <a14:hiddenLine xmlns:p14="http://schemas.microsoft.com/office/powerpoint/2010/main" xmlns:a14="http://schemas.microsoft.com/office/drawing/2010/main" xmlns:a16="http://schemas.microsoft.com/office/drawing/2014/main" xmlns="" w="9525">
+                <a14:hiddenLine xmlns="" xmlns:a16="http://schemas.microsoft.com/office/drawing/2014/main" xmlns:a14="http://schemas.microsoft.com/office/drawing/2010/main" xmlns:p14="http://schemas.microsoft.com/office/powerpoint/2010/main" w="9525">
                   <a:solidFill>
                     <a:srgbClr val="000000"/>
                   </a:solidFill>
@@ -20631,7 +20631,7 @@
             </a:ln>
             <a:extLst>
               <a:ext uri="{91240B29-F687-4f45-9708-019B960494DF}">
-                <a14:hiddenLine xmlns:p14="http://schemas.microsoft.com/office/powerpoint/2010/main" xmlns:a14="http://schemas.microsoft.com/office/drawing/2010/main" xmlns:a16="http://schemas.microsoft.com/office/drawing/2014/main" xmlns="" w="9525">
+                <a14:hiddenLine xmlns="" xmlns:a16="http://schemas.microsoft.com/office/drawing/2014/main" xmlns:a14="http://schemas.microsoft.com/office/drawing/2010/main" xmlns:p14="http://schemas.microsoft.com/office/powerpoint/2010/main" w="9525">
                   <a:solidFill>
                     <a:srgbClr val="000000"/>
                   </a:solidFill>
@@ -20795,7 +20795,7 @@
             <a:noFill/>
             <a:extLst>
               <a:ext uri="{909E8E84-426E-40dd-AFC4-6F175D3DCCD1}">
-                <a14:hiddenFill xmlns:p14="http://schemas.microsoft.com/office/powerpoint/2010/main" xmlns:a14="http://schemas.microsoft.com/office/drawing/2010/main" xmlns:a16="http://schemas.microsoft.com/office/drawing/2014/main" xmlns="">
+                <a14:hiddenFill xmlns="" xmlns:a16="http://schemas.microsoft.com/office/drawing/2014/main" xmlns:a14="http://schemas.microsoft.com/office/drawing/2010/main" xmlns:p14="http://schemas.microsoft.com/office/powerpoint/2010/main">
                   <a:solidFill>
                     <a:srgbClr val="FFFFFF"/>
                   </a:solidFill>
@@ -20924,7 +20924,7 @@
             </a:ln>
             <a:extLst>
               <a:ext uri="{91240B29-F687-4f45-9708-019B960494DF}">
-                <a14:hiddenLine xmlns:p14="http://schemas.microsoft.com/office/powerpoint/2010/main" xmlns:a14="http://schemas.microsoft.com/office/drawing/2010/main" xmlns:a16="http://schemas.microsoft.com/office/drawing/2014/main" xmlns="" w="9525">
+                <a14:hiddenLine xmlns="" xmlns:a16="http://schemas.microsoft.com/office/drawing/2014/main" xmlns:a14="http://schemas.microsoft.com/office/drawing/2010/main" xmlns:p14="http://schemas.microsoft.com/office/powerpoint/2010/main" w="9525">
                   <a:solidFill>
                     <a:srgbClr val="000000"/>
                   </a:solidFill>
@@ -21036,7 +21036,7 @@
             </a:ln>
             <a:extLst>
               <a:ext uri="{91240B29-F687-4f45-9708-019B960494DF}">
-                <a14:hiddenLine xmlns:p14="http://schemas.microsoft.com/office/powerpoint/2010/main" xmlns:a14="http://schemas.microsoft.com/office/drawing/2010/main" xmlns:a16="http://schemas.microsoft.com/office/drawing/2014/main" xmlns="" w="9525">
+                <a14:hiddenLine xmlns="" xmlns:a16="http://schemas.microsoft.com/office/drawing/2014/main" xmlns:a14="http://schemas.microsoft.com/office/drawing/2010/main" xmlns:p14="http://schemas.microsoft.com/office/powerpoint/2010/main" w="9525">
                   <a:solidFill>
                     <a:srgbClr val="000000"/>
                   </a:solidFill>
@@ -21148,7 +21148,7 @@
             </a:ln>
             <a:extLst>
               <a:ext uri="{91240B29-F687-4f45-9708-019B960494DF}">
-                <a14:hiddenLine xmlns:p14="http://schemas.microsoft.com/office/powerpoint/2010/main" xmlns:a14="http://schemas.microsoft.com/office/drawing/2010/main" xmlns:a16="http://schemas.microsoft.com/office/drawing/2014/main" xmlns="" w="9525">
+                <a14:hiddenLine xmlns="" xmlns:a16="http://schemas.microsoft.com/office/drawing/2014/main" xmlns:a14="http://schemas.microsoft.com/office/drawing/2010/main" xmlns:p14="http://schemas.microsoft.com/office/powerpoint/2010/main" w="9525">
                   <a:solidFill>
                     <a:srgbClr val="000000"/>
                   </a:solidFill>
@@ -21232,7 +21232,7 @@
             </a:ln>
             <a:extLst>
               <a:ext uri="{91240B29-F687-4f45-9708-019B960494DF}">
-                <a14:hiddenLine xmlns:p14="http://schemas.microsoft.com/office/powerpoint/2010/main" xmlns:a14="http://schemas.microsoft.com/office/drawing/2010/main" xmlns:a16="http://schemas.microsoft.com/office/drawing/2014/main" xmlns="" w="9525">
+                <a14:hiddenLine xmlns="" xmlns:a16="http://schemas.microsoft.com/office/drawing/2014/main" xmlns:a14="http://schemas.microsoft.com/office/drawing/2010/main" xmlns:p14="http://schemas.microsoft.com/office/powerpoint/2010/main" w="9525">
                   <a:solidFill>
                     <a:srgbClr val="000000"/>
                   </a:solidFill>
@@ -21344,7 +21344,7 @@
             </a:ln>
             <a:extLst>
               <a:ext uri="{91240B29-F687-4f45-9708-019B960494DF}">
-                <a14:hiddenLine xmlns:p14="http://schemas.microsoft.com/office/powerpoint/2010/main" xmlns:a14="http://schemas.microsoft.com/office/drawing/2010/main" xmlns:a16="http://schemas.microsoft.com/office/drawing/2014/main" xmlns="" w="9525">
+                <a14:hiddenLine xmlns="" xmlns:a16="http://schemas.microsoft.com/office/drawing/2014/main" xmlns:a14="http://schemas.microsoft.com/office/drawing/2010/main" xmlns:p14="http://schemas.microsoft.com/office/powerpoint/2010/main" w="9525">
                   <a:solidFill>
                     <a:srgbClr val="000000"/>
                   </a:solidFill>
@@ -21428,7 +21428,7 @@
             </a:ln>
             <a:extLst>
               <a:ext uri="{91240B29-F687-4f45-9708-019B960494DF}">
-                <a14:hiddenLine xmlns:p14="http://schemas.microsoft.com/office/powerpoint/2010/main" xmlns:a14="http://schemas.microsoft.com/office/drawing/2010/main" xmlns:a16="http://schemas.microsoft.com/office/drawing/2014/main" xmlns="" w="9525">
+                <a14:hiddenLine xmlns="" xmlns:a16="http://schemas.microsoft.com/office/drawing/2014/main" xmlns:a14="http://schemas.microsoft.com/office/drawing/2010/main" xmlns:p14="http://schemas.microsoft.com/office/powerpoint/2010/main" w="9525">
                   <a:solidFill>
                     <a:srgbClr val="000000"/>
                   </a:solidFill>
@@ -21512,7 +21512,7 @@
             </a:ln>
             <a:extLst>
               <a:ext uri="{91240B29-F687-4f45-9708-019B960494DF}">
-                <a14:hiddenLine xmlns:p14="http://schemas.microsoft.com/office/powerpoint/2010/main" xmlns:a14="http://schemas.microsoft.com/office/drawing/2010/main" xmlns:a16="http://schemas.microsoft.com/office/drawing/2014/main" xmlns="" w="9525">
+                <a14:hiddenLine xmlns="" xmlns:a16="http://schemas.microsoft.com/office/drawing/2014/main" xmlns:a14="http://schemas.microsoft.com/office/drawing/2010/main" xmlns:p14="http://schemas.microsoft.com/office/powerpoint/2010/main" w="9525">
                   <a:solidFill>
                     <a:srgbClr val="000000"/>
                   </a:solidFill>
@@ -21624,7 +21624,7 @@
             </a:ln>
             <a:extLst>
               <a:ext uri="{91240B29-F687-4f45-9708-019B960494DF}">
-                <a14:hiddenLine xmlns:p14="http://schemas.microsoft.com/office/powerpoint/2010/main" xmlns:a14="http://schemas.microsoft.com/office/drawing/2010/main" xmlns:a16="http://schemas.microsoft.com/office/drawing/2014/main" xmlns="" w="9525">
+                <a14:hiddenLine xmlns="" xmlns:a16="http://schemas.microsoft.com/office/drawing/2014/main" xmlns:a14="http://schemas.microsoft.com/office/drawing/2010/main" xmlns:p14="http://schemas.microsoft.com/office/powerpoint/2010/main" w="9525">
                   <a:solidFill>
                     <a:srgbClr val="000000"/>
                   </a:solidFill>
@@ -21736,7 +21736,7 @@
             </a:ln>
             <a:extLst>
               <a:ext uri="{91240B29-F687-4f45-9708-019B960494DF}">
-                <a14:hiddenLine xmlns:p14="http://schemas.microsoft.com/office/powerpoint/2010/main" xmlns:a14="http://schemas.microsoft.com/office/drawing/2010/main" xmlns:a16="http://schemas.microsoft.com/office/drawing/2014/main" xmlns="" w="9525">
+                <a14:hiddenLine xmlns="" xmlns:a16="http://schemas.microsoft.com/office/drawing/2014/main" xmlns:a14="http://schemas.microsoft.com/office/drawing/2010/main" xmlns:p14="http://schemas.microsoft.com/office/powerpoint/2010/main" w="9525">
                   <a:solidFill>
                     <a:srgbClr val="000000"/>
                   </a:solidFill>
@@ -21820,7 +21820,7 @@
             </a:ln>
             <a:extLst>
               <a:ext uri="{91240B29-F687-4f45-9708-019B960494DF}">
-                <a14:hiddenLine xmlns:p14="http://schemas.microsoft.com/office/powerpoint/2010/main" xmlns:a14="http://schemas.microsoft.com/office/drawing/2010/main" xmlns:a16="http://schemas.microsoft.com/office/drawing/2014/main" xmlns="" w="9525">
+                <a14:hiddenLine xmlns="" xmlns:a16="http://schemas.microsoft.com/office/drawing/2014/main" xmlns:a14="http://schemas.microsoft.com/office/drawing/2010/main" xmlns:p14="http://schemas.microsoft.com/office/powerpoint/2010/main" w="9525">
                   <a:solidFill>
                     <a:srgbClr val="000000"/>
                   </a:solidFill>
@@ -21952,7 +21952,7 @@
             </a:ln>
             <a:extLst>
               <a:ext uri="{91240B29-F687-4f45-9708-019B960494DF}">
-                <a14:hiddenLine xmlns:p14="http://schemas.microsoft.com/office/powerpoint/2010/main" xmlns:a14="http://schemas.microsoft.com/office/drawing/2010/main" xmlns:a16="http://schemas.microsoft.com/office/drawing/2014/main" xmlns="" w="9525">
+                <a14:hiddenLine xmlns="" xmlns:a16="http://schemas.microsoft.com/office/drawing/2014/main" xmlns:a14="http://schemas.microsoft.com/office/drawing/2010/main" xmlns:p14="http://schemas.microsoft.com/office/powerpoint/2010/main" w="9525">
                   <a:solidFill>
                     <a:srgbClr val="000000"/>
                   </a:solidFill>
@@ -22080,7 +22080,7 @@
             </a:ln>
             <a:extLst>
               <a:ext uri="{91240B29-F687-4f45-9708-019B960494DF}">
-                <a14:hiddenLine xmlns:p14="http://schemas.microsoft.com/office/powerpoint/2010/main" xmlns:a14="http://schemas.microsoft.com/office/drawing/2010/main" xmlns:a16="http://schemas.microsoft.com/office/drawing/2014/main" xmlns="" w="9525">
+                <a14:hiddenLine xmlns="" xmlns:a16="http://schemas.microsoft.com/office/drawing/2014/main" xmlns:a14="http://schemas.microsoft.com/office/drawing/2010/main" xmlns:p14="http://schemas.microsoft.com/office/powerpoint/2010/main" w="9525">
                   <a:solidFill>
                     <a:srgbClr val="000000"/>
                   </a:solidFill>
@@ -22164,7 +22164,7 @@
             </a:ln>
             <a:extLst>
               <a:ext uri="{91240B29-F687-4f45-9708-019B960494DF}">
-                <a14:hiddenLine xmlns:p14="http://schemas.microsoft.com/office/powerpoint/2010/main" xmlns:a14="http://schemas.microsoft.com/office/drawing/2010/main" xmlns:a16="http://schemas.microsoft.com/office/drawing/2014/main" xmlns="" w="9525">
+                <a14:hiddenLine xmlns="" xmlns:a16="http://schemas.microsoft.com/office/drawing/2014/main" xmlns:a14="http://schemas.microsoft.com/office/drawing/2010/main" xmlns:p14="http://schemas.microsoft.com/office/powerpoint/2010/main" w="9525">
                   <a:solidFill>
                     <a:srgbClr val="000000"/>
                   </a:solidFill>
@@ -22248,7 +22248,7 @@
             </a:ln>
             <a:extLst>
               <a:ext uri="{91240B29-F687-4f45-9708-019B960494DF}">
-                <a14:hiddenLine xmlns:p14="http://schemas.microsoft.com/office/powerpoint/2010/main" xmlns:a14="http://schemas.microsoft.com/office/drawing/2010/main" xmlns:a16="http://schemas.microsoft.com/office/drawing/2014/main" xmlns="" w="9525">
+                <a14:hiddenLine xmlns="" xmlns:a16="http://schemas.microsoft.com/office/drawing/2014/main" xmlns:a14="http://schemas.microsoft.com/office/drawing/2010/main" xmlns:p14="http://schemas.microsoft.com/office/powerpoint/2010/main" w="9525">
                   <a:solidFill>
                     <a:srgbClr val="000000"/>
                   </a:solidFill>
@@ -22360,7 +22360,7 @@
             </a:ln>
             <a:extLst>
               <a:ext uri="{91240B29-F687-4f45-9708-019B960494DF}">
-                <a14:hiddenLine xmlns:p14="http://schemas.microsoft.com/office/powerpoint/2010/main" xmlns:a14="http://schemas.microsoft.com/office/drawing/2010/main" xmlns:a16="http://schemas.microsoft.com/office/drawing/2014/main" xmlns="" w="9525">
+                <a14:hiddenLine xmlns="" xmlns:a16="http://schemas.microsoft.com/office/drawing/2014/main" xmlns:a14="http://schemas.microsoft.com/office/drawing/2010/main" xmlns:p14="http://schemas.microsoft.com/office/powerpoint/2010/main" w="9525">
                   <a:solidFill>
                     <a:srgbClr val="000000"/>
                   </a:solidFill>
@@ -22416,7 +22416,7 @@
             </a:ln>
             <a:extLst>
               <a:ext uri="{91240B29-F687-4f45-9708-019B960494DF}">
-                <a14:hiddenLine xmlns:p14="http://schemas.microsoft.com/office/powerpoint/2010/main" xmlns:a14="http://schemas.microsoft.com/office/drawing/2010/main" xmlns:a16="http://schemas.microsoft.com/office/drawing/2014/main" xmlns="" w="9525">
+                <a14:hiddenLine xmlns="" xmlns:a16="http://schemas.microsoft.com/office/drawing/2014/main" xmlns:a14="http://schemas.microsoft.com/office/drawing/2010/main" xmlns:p14="http://schemas.microsoft.com/office/powerpoint/2010/main" w="9525">
                   <a:solidFill>
                     <a:srgbClr val="000000"/>
                   </a:solidFill>
@@ -22503,7 +22503,7 @@
             </a:ln>
             <a:extLst>
               <a:ext uri="{91240B29-F687-4f45-9708-019B960494DF}">
-                <a14:hiddenLine xmlns:p14="http://schemas.microsoft.com/office/powerpoint/2010/main" xmlns:a14="http://schemas.microsoft.com/office/drawing/2010/main" xmlns:a16="http://schemas.microsoft.com/office/drawing/2014/main" xmlns="" w="9525">
+                <a14:hiddenLine xmlns="" xmlns:a16="http://schemas.microsoft.com/office/drawing/2014/main" xmlns:a14="http://schemas.microsoft.com/office/drawing/2010/main" xmlns:p14="http://schemas.microsoft.com/office/powerpoint/2010/main" w="9525">
                   <a:solidFill>
                     <a:srgbClr val="000000"/>
                   </a:solidFill>
@@ -22615,7 +22615,7 @@
             </a:ln>
             <a:extLst>
               <a:ext uri="{91240B29-F687-4f45-9708-019B960494DF}">
-                <a14:hiddenLine xmlns:p14="http://schemas.microsoft.com/office/powerpoint/2010/main" xmlns:a14="http://schemas.microsoft.com/office/drawing/2010/main" xmlns:a16="http://schemas.microsoft.com/office/drawing/2014/main" xmlns="" w="9525">
+                <a14:hiddenLine xmlns="" xmlns:a16="http://schemas.microsoft.com/office/drawing/2014/main" xmlns:a14="http://schemas.microsoft.com/office/drawing/2010/main" xmlns:p14="http://schemas.microsoft.com/office/powerpoint/2010/main" w="9525">
                   <a:solidFill>
                     <a:srgbClr val="000000"/>
                   </a:solidFill>
@@ -22699,7 +22699,7 @@
             </a:ln>
             <a:extLst>
               <a:ext uri="{91240B29-F687-4f45-9708-019B960494DF}">
-                <a14:hiddenLine xmlns:p14="http://schemas.microsoft.com/office/powerpoint/2010/main" xmlns:a14="http://schemas.microsoft.com/office/drawing/2010/main" xmlns:a16="http://schemas.microsoft.com/office/drawing/2014/main" xmlns="" w="9525">
+                <a14:hiddenLine xmlns="" xmlns:a16="http://schemas.microsoft.com/office/drawing/2014/main" xmlns:a14="http://schemas.microsoft.com/office/drawing/2010/main" xmlns:p14="http://schemas.microsoft.com/office/powerpoint/2010/main" w="9525">
                   <a:solidFill>
                     <a:srgbClr val="000000"/>
                   </a:solidFill>
@@ -22811,7 +22811,7 @@
             </a:ln>
             <a:extLst>
               <a:ext uri="{91240B29-F687-4f45-9708-019B960494DF}">
-                <a14:hiddenLine xmlns:p14="http://schemas.microsoft.com/office/powerpoint/2010/main" xmlns:a14="http://schemas.microsoft.com/office/drawing/2010/main" xmlns:a16="http://schemas.microsoft.com/office/drawing/2014/main" xmlns="" w="9525">
+                <a14:hiddenLine xmlns="" xmlns:a16="http://schemas.microsoft.com/office/drawing/2014/main" xmlns:a14="http://schemas.microsoft.com/office/drawing/2010/main" xmlns:p14="http://schemas.microsoft.com/office/powerpoint/2010/main" w="9525">
                   <a:solidFill>
                     <a:srgbClr val="000000"/>
                   </a:solidFill>
@@ -22898,7 +22898,7 @@
             </a:ln>
             <a:extLst>
               <a:ext uri="{91240B29-F687-4f45-9708-019B960494DF}">
-                <a14:hiddenLine xmlns:p14="http://schemas.microsoft.com/office/powerpoint/2010/main" xmlns:a14="http://schemas.microsoft.com/office/drawing/2010/main" xmlns:a16="http://schemas.microsoft.com/office/drawing/2014/main" xmlns="" w="9525">
+                <a14:hiddenLine xmlns="" xmlns:a16="http://schemas.microsoft.com/office/drawing/2014/main" xmlns:a14="http://schemas.microsoft.com/office/drawing/2010/main" xmlns:p14="http://schemas.microsoft.com/office/powerpoint/2010/main" w="9525">
                   <a:solidFill>
                     <a:srgbClr val="000000"/>
                   </a:solidFill>
@@ -22982,7 +22982,7 @@
             </a:ln>
             <a:extLst>
               <a:ext uri="{91240B29-F687-4f45-9708-019B960494DF}">
-                <a14:hiddenLine xmlns:p14="http://schemas.microsoft.com/office/powerpoint/2010/main" xmlns:a14="http://schemas.microsoft.com/office/drawing/2010/main" xmlns:a16="http://schemas.microsoft.com/office/drawing/2014/main" xmlns="" w="9525">
+                <a14:hiddenLine xmlns="" xmlns:a16="http://schemas.microsoft.com/office/drawing/2014/main" xmlns:a14="http://schemas.microsoft.com/office/drawing/2010/main" xmlns:p14="http://schemas.microsoft.com/office/powerpoint/2010/main" w="9525">
                   <a:solidFill>
                     <a:srgbClr val="000000"/>
                   </a:solidFill>
@@ -23094,7 +23094,7 @@
             </a:ln>
             <a:extLst>
               <a:ext uri="{91240B29-F687-4f45-9708-019B960494DF}">
-                <a14:hiddenLine xmlns:p14="http://schemas.microsoft.com/office/powerpoint/2010/main" xmlns:a14="http://schemas.microsoft.com/office/drawing/2010/main" xmlns:a16="http://schemas.microsoft.com/office/drawing/2014/main" xmlns="" w="9525">
+                <a14:hiddenLine xmlns="" xmlns:a16="http://schemas.microsoft.com/office/drawing/2014/main" xmlns:a14="http://schemas.microsoft.com/office/drawing/2010/main" xmlns:p14="http://schemas.microsoft.com/office/powerpoint/2010/main" w="9525">
                   <a:solidFill>
                     <a:srgbClr val="000000"/>
                   </a:solidFill>
@@ -23206,7 +23206,7 @@
             </a:ln>
             <a:extLst>
               <a:ext uri="{91240B29-F687-4f45-9708-019B960494DF}">
-                <a14:hiddenLine xmlns:p14="http://schemas.microsoft.com/office/powerpoint/2010/main" xmlns:a14="http://schemas.microsoft.com/office/drawing/2010/main" xmlns:a16="http://schemas.microsoft.com/office/drawing/2014/main" xmlns="" w="9525">
+                <a14:hiddenLine xmlns="" xmlns:a16="http://schemas.microsoft.com/office/drawing/2014/main" xmlns:a14="http://schemas.microsoft.com/office/drawing/2010/main" xmlns:p14="http://schemas.microsoft.com/office/powerpoint/2010/main" w="9525">
                   <a:solidFill>
                     <a:srgbClr val="000000"/>
                   </a:solidFill>
@@ -23293,7 +23293,7 @@
             </a:ln>
             <a:extLst>
               <a:ext uri="{91240B29-F687-4f45-9708-019B960494DF}">
-                <a14:hiddenLine xmlns:p14="http://schemas.microsoft.com/office/powerpoint/2010/main" xmlns:a14="http://schemas.microsoft.com/office/drawing/2010/main" xmlns:a16="http://schemas.microsoft.com/office/drawing/2014/main" xmlns="" w="9525">
+                <a14:hiddenLine xmlns="" xmlns:a16="http://schemas.microsoft.com/office/drawing/2014/main" xmlns:a14="http://schemas.microsoft.com/office/drawing/2010/main" xmlns:p14="http://schemas.microsoft.com/office/powerpoint/2010/main" w="9525">
                   <a:solidFill>
                     <a:srgbClr val="000000"/>
                   </a:solidFill>
@@ -23435,7 +23435,7 @@
             </a:ln>
             <a:extLst>
               <a:ext uri="{91240B29-F687-4f45-9708-019B960494DF}">
-                <a14:hiddenLine xmlns:p14="http://schemas.microsoft.com/office/powerpoint/2010/main" xmlns:a14="http://schemas.microsoft.com/office/drawing/2010/main" xmlns:a16="http://schemas.microsoft.com/office/drawing/2014/main" xmlns="" w="9525">
+                <a14:hiddenLine xmlns="" xmlns:a16="http://schemas.microsoft.com/office/drawing/2014/main" xmlns:a14="http://schemas.microsoft.com/office/drawing/2010/main" xmlns:p14="http://schemas.microsoft.com/office/powerpoint/2010/main" w="9525">
                   <a:solidFill>
                     <a:srgbClr val="000000"/>
                   </a:solidFill>
@@ -23572,7 +23572,7 @@
             </a:ln>
             <a:extLst>
               <a:ext uri="{91240B29-F687-4f45-9708-019B960494DF}">
-                <a14:hiddenLine xmlns:p14="http://schemas.microsoft.com/office/powerpoint/2010/main" xmlns:a14="http://schemas.microsoft.com/office/drawing/2010/main" xmlns:a16="http://schemas.microsoft.com/office/drawing/2014/main" xmlns="" w="9525">
+                <a14:hiddenLine xmlns="" xmlns:a16="http://schemas.microsoft.com/office/drawing/2014/main" xmlns:a14="http://schemas.microsoft.com/office/drawing/2010/main" xmlns:p14="http://schemas.microsoft.com/office/powerpoint/2010/main" w="9525">
                   <a:solidFill>
                     <a:srgbClr val="000000"/>
                   </a:solidFill>
@@ -23709,7 +23709,7 @@
             </a:ln>
             <a:extLst>
               <a:ext uri="{91240B29-F687-4f45-9708-019B960494DF}">
-                <a14:hiddenLine xmlns:p14="http://schemas.microsoft.com/office/powerpoint/2010/main" xmlns:a14="http://schemas.microsoft.com/office/drawing/2010/main" xmlns:a16="http://schemas.microsoft.com/office/drawing/2014/main" xmlns="" w="9525">
+                <a14:hiddenLine xmlns="" xmlns:a16="http://schemas.microsoft.com/office/drawing/2014/main" xmlns:a14="http://schemas.microsoft.com/office/drawing/2010/main" xmlns:p14="http://schemas.microsoft.com/office/powerpoint/2010/main" w="9525">
                   <a:solidFill>
                     <a:srgbClr val="000000"/>
                   </a:solidFill>
@@ -23821,7 +23821,7 @@
             </a:ln>
             <a:extLst>
               <a:ext uri="{91240B29-F687-4f45-9708-019B960494DF}">
-                <a14:hiddenLine xmlns:p14="http://schemas.microsoft.com/office/powerpoint/2010/main" xmlns:a14="http://schemas.microsoft.com/office/drawing/2010/main" xmlns:a16="http://schemas.microsoft.com/office/drawing/2014/main" xmlns="" w="9525">
+                <a14:hiddenLine xmlns="" xmlns:a16="http://schemas.microsoft.com/office/drawing/2014/main" xmlns:a14="http://schemas.microsoft.com/office/drawing/2010/main" xmlns:p14="http://schemas.microsoft.com/office/powerpoint/2010/main" w="9525">
                   <a:solidFill>
                     <a:srgbClr val="000000"/>
                   </a:solidFill>
@@ -23908,7 +23908,7 @@
             </a:ln>
             <a:extLst>
               <a:ext uri="{91240B29-F687-4f45-9708-019B960494DF}">
-                <a14:hiddenLine xmlns:p14="http://schemas.microsoft.com/office/powerpoint/2010/main" xmlns:a14="http://schemas.microsoft.com/office/drawing/2010/main" xmlns:a16="http://schemas.microsoft.com/office/drawing/2014/main" xmlns="" w="9525">
+                <a14:hiddenLine xmlns="" xmlns:a16="http://schemas.microsoft.com/office/drawing/2014/main" xmlns:a14="http://schemas.microsoft.com/office/drawing/2010/main" xmlns:p14="http://schemas.microsoft.com/office/powerpoint/2010/main" w="9525">
                   <a:solidFill>
                     <a:srgbClr val="000000"/>
                   </a:solidFill>
@@ -24020,7 +24020,7 @@
             </a:ln>
             <a:extLst>
               <a:ext uri="{91240B29-F687-4f45-9708-019B960494DF}">
-                <a14:hiddenLine xmlns:p14="http://schemas.microsoft.com/office/powerpoint/2010/main" xmlns:a14="http://schemas.microsoft.com/office/drawing/2010/main" xmlns:a16="http://schemas.microsoft.com/office/drawing/2014/main" xmlns="" w="9525">
+                <a14:hiddenLine xmlns="" xmlns:a16="http://schemas.microsoft.com/office/drawing/2014/main" xmlns:a14="http://schemas.microsoft.com/office/drawing/2010/main" xmlns:p14="http://schemas.microsoft.com/office/powerpoint/2010/main" w="9525">
                   <a:solidFill>
                     <a:srgbClr val="000000"/>
                   </a:solidFill>
@@ -24110,7 +24110,7 @@
             </a:ln>
             <a:extLst>
               <a:ext uri="{91240B29-F687-4f45-9708-019B960494DF}">
-                <a14:hiddenLine xmlns:p14="http://schemas.microsoft.com/office/powerpoint/2010/main" xmlns:a14="http://schemas.microsoft.com/office/drawing/2010/main" xmlns:a16="http://schemas.microsoft.com/office/drawing/2014/main" xmlns="" w="9525">
+                <a14:hiddenLine xmlns="" xmlns:a16="http://schemas.microsoft.com/office/drawing/2014/main" xmlns:a14="http://schemas.microsoft.com/office/drawing/2010/main" xmlns:p14="http://schemas.microsoft.com/office/powerpoint/2010/main" w="9525">
                   <a:solidFill>
                     <a:srgbClr val="000000"/>
                   </a:solidFill>
@@ -24222,7 +24222,7 @@
             </a:ln>
             <a:extLst>
               <a:ext uri="{91240B29-F687-4f45-9708-019B960494DF}">
-                <a14:hiddenLine xmlns:p14="http://schemas.microsoft.com/office/powerpoint/2010/main" xmlns:a14="http://schemas.microsoft.com/office/drawing/2010/main" xmlns:a16="http://schemas.microsoft.com/office/drawing/2014/main" xmlns="" w="9525">
+                <a14:hiddenLine xmlns="" xmlns:a16="http://schemas.microsoft.com/office/drawing/2014/main" xmlns:a14="http://schemas.microsoft.com/office/drawing/2010/main" xmlns:p14="http://schemas.microsoft.com/office/powerpoint/2010/main" w="9525">
                   <a:solidFill>
                     <a:srgbClr val="000000"/>
                   </a:solidFill>
@@ -24312,7 +24312,7 @@
             </a:ln>
             <a:extLst>
               <a:ext uri="{91240B29-F687-4f45-9708-019B960494DF}">
-                <a14:hiddenLine xmlns:p14="http://schemas.microsoft.com/office/powerpoint/2010/main" xmlns:a14="http://schemas.microsoft.com/office/drawing/2010/main" xmlns:a16="http://schemas.microsoft.com/office/drawing/2014/main" xmlns="" w="9525">
+                <a14:hiddenLine xmlns="" xmlns:a16="http://schemas.microsoft.com/office/drawing/2014/main" xmlns:a14="http://schemas.microsoft.com/office/drawing/2010/main" xmlns:p14="http://schemas.microsoft.com/office/powerpoint/2010/main" w="9525">
                   <a:solidFill>
                     <a:srgbClr val="000000"/>
                   </a:solidFill>
@@ -24424,7 +24424,7 @@
             </a:ln>
             <a:extLst>
               <a:ext uri="{91240B29-F687-4f45-9708-019B960494DF}">
-                <a14:hiddenLine xmlns:p14="http://schemas.microsoft.com/office/powerpoint/2010/main" xmlns:a14="http://schemas.microsoft.com/office/drawing/2010/main" xmlns:a16="http://schemas.microsoft.com/office/drawing/2014/main" xmlns="" w="9525">
+                <a14:hiddenLine xmlns="" xmlns:a16="http://schemas.microsoft.com/office/drawing/2014/main" xmlns:a14="http://schemas.microsoft.com/office/drawing/2010/main" xmlns:p14="http://schemas.microsoft.com/office/powerpoint/2010/main" w="9525">
                   <a:solidFill>
                     <a:srgbClr val="000000"/>
                   </a:solidFill>
@@ -24480,7 +24480,7 @@
             </a:ln>
             <a:extLst>
               <a:ext uri="{91240B29-F687-4f45-9708-019B960494DF}">
-                <a14:hiddenLine xmlns:p14="http://schemas.microsoft.com/office/powerpoint/2010/main" xmlns:a14="http://schemas.microsoft.com/office/drawing/2010/main" xmlns:a16="http://schemas.microsoft.com/office/drawing/2014/main" xmlns="" w="9525">
+                <a14:hiddenLine xmlns="" xmlns:a16="http://schemas.microsoft.com/office/drawing/2014/main" xmlns:a14="http://schemas.microsoft.com/office/drawing/2010/main" xmlns:p14="http://schemas.microsoft.com/office/powerpoint/2010/main" w="9525">
                   <a:solidFill>
                     <a:srgbClr val="000000"/>
                   </a:solidFill>
@@ -25379,7 +25379,7 @@
         </p:nvSpPr>
         <p:spPr>
           <a:xfrm>
-            <a:off x="1141413" y="-102842"/>
+            <a:off x="1090613" y="151158"/>
             <a:ext cx="9905998" cy="1478570"/>
           </a:xfrm>
         </p:spPr>
@@ -25389,7 +25389,144 @@
           <a:p>
             <a:r>
               <a:rPr lang="it-IT" dirty="0"/>
-              <a:t>Altri frame</a:t>
+              <a:t>Esperienza utente</a:t>
+            </a:r>
+          </a:p>
+        </p:txBody>
+      </p:sp>
+      <p:pic>
+        <p:nvPicPr>
+          <p:cNvPr id="3" name="Immagine 2">
+            <a:extLst>
+              <a:ext uri="{FF2B5EF4-FFF2-40B4-BE49-F238E27FC236}">
+                <a16:creationId xmlns:a16="http://schemas.microsoft.com/office/drawing/2014/main" id="{EC010C24-7479-E184-F064-5283B48C0540}"/>
+              </a:ext>
+            </a:extLst>
+          </p:cNvPr>
+          <p:cNvPicPr>
+            <a:picLocks noChangeAspect="1"/>
+          </p:cNvPicPr>
+          <p:nvPr/>
+        </p:nvPicPr>
+        <p:blipFill>
+          <a:blip r:embed="rId2"/>
+          <a:stretch>
+            <a:fillRect/>
+          </a:stretch>
+        </p:blipFill>
+        <p:spPr>
+          <a:xfrm>
+            <a:off x="3400823" y="1258146"/>
+            <a:ext cx="2329417" cy="4784749"/>
+          </a:xfrm>
+          <a:prstGeom prst="rect">
+            <a:avLst/>
+          </a:prstGeom>
+        </p:spPr>
+      </p:pic>
+      <p:pic>
+        <p:nvPicPr>
+          <p:cNvPr id="4" name="Immagine 3">
+            <a:extLst>
+              <a:ext uri="{FF2B5EF4-FFF2-40B4-BE49-F238E27FC236}">
+                <a16:creationId xmlns:a16="http://schemas.microsoft.com/office/drawing/2014/main" id="{5654B617-5191-5232-A966-DE4439AC0867}"/>
+              </a:ext>
+            </a:extLst>
+          </p:cNvPr>
+          <p:cNvPicPr>
+            <a:picLocks noChangeAspect="1"/>
+          </p:cNvPicPr>
+          <p:nvPr/>
+        </p:nvPicPr>
+        <p:blipFill>
+          <a:blip r:embed="rId3"/>
+          <a:stretch>
+            <a:fillRect/>
+          </a:stretch>
+        </p:blipFill>
+        <p:spPr>
+          <a:xfrm>
+            <a:off x="6228080" y="1258145"/>
+            <a:ext cx="2384852" cy="4784749"/>
+          </a:xfrm>
+          <a:prstGeom prst="rect">
+            <a:avLst/>
+          </a:prstGeom>
+        </p:spPr>
+      </p:pic>
+      <p:sp>
+        <p:nvSpPr>
+          <p:cNvPr id="5" name="CasellaDiTesto 4">
+            <a:extLst>
+              <a:ext uri="{FF2B5EF4-FFF2-40B4-BE49-F238E27FC236}">
+                <a16:creationId xmlns:a16="http://schemas.microsoft.com/office/drawing/2014/main" id="{AB1A0652-342D-75D3-795D-1380D38C1770}"/>
+              </a:ext>
+            </a:extLst>
+          </p:cNvPr>
+          <p:cNvSpPr txBox="1"/>
+          <p:nvPr/>
+        </p:nvSpPr>
+        <p:spPr>
+          <a:xfrm>
+            <a:off x="609600" y="1298785"/>
+            <a:ext cx="2865120" cy="2554545"/>
+          </a:xfrm>
+          <a:prstGeom prst="rect">
+            <a:avLst/>
+          </a:prstGeom>
+          <a:noFill/>
+        </p:spPr>
+        <p:txBody>
+          <a:bodyPr wrap="square" rtlCol="0">
+            <a:spAutoFit/>
+          </a:bodyPr>
+          <a:lstStyle/>
+          <a:p>
+            <a:r>
+              <a:rPr lang="it-IT" sz="2000" dirty="0"/>
+              <a:t>La pagina di login è intuitiva e si completa inserendo semplicemente la mail e la password associata. In caso di errore viene segnalato all’utente di ricontrollare i campi.</a:t>
+            </a:r>
+          </a:p>
+        </p:txBody>
+      </p:sp>
+      <p:sp>
+        <p:nvSpPr>
+          <p:cNvPr id="6" name="CasellaDiTesto 5">
+            <a:extLst>
+              <a:ext uri="{FF2B5EF4-FFF2-40B4-BE49-F238E27FC236}">
+                <a16:creationId xmlns:a16="http://schemas.microsoft.com/office/drawing/2014/main" id="{54A9F3E2-E39C-2B08-D35D-8131FF32F202}"/>
+              </a:ext>
+            </a:extLst>
+          </p:cNvPr>
+          <p:cNvSpPr txBox="1"/>
+          <p:nvPr/>
+        </p:nvSpPr>
+        <p:spPr>
+          <a:xfrm>
+            <a:off x="8717280" y="1844040"/>
+            <a:ext cx="3139440" cy="4093428"/>
+          </a:xfrm>
+          <a:prstGeom prst="rect">
+            <a:avLst/>
+          </a:prstGeom>
+          <a:noFill/>
+        </p:spPr>
+        <p:txBody>
+          <a:bodyPr wrap="square" rtlCol="0">
+            <a:spAutoFit/>
+          </a:bodyPr>
+          <a:lstStyle/>
+          <a:p>
+            <a:r>
+              <a:rPr lang="it-IT" sz="2000" dirty="0"/>
+              <a:t>Nell’home page, dopo l’accesso, si possono vedere tutti i tag ordinati per numero di video presenti. Ogni tag può essere cliccato oppure ricercato nella relativa barra per ottenere l’elenco di tutti i video con quel tag.</a:t>
+            </a:r>
+            <a:br>
+              <a:rPr lang="it-IT" sz="2000" dirty="0"/>
+            </a:br>
+            <a:r>
+              <a:rPr lang="it-IT" sz="2000" dirty="0"/>
+              <a:t>È presente anche una barra di navigazione inferiore per spostarsi tra le diverse schermate.</a:t>
             </a:r>
           </a:p>
         </p:txBody>
@@ -25397,7 +25534,7 @@
     </p:spTree>
     <p:extLst>
       <p:ext uri="{BB962C8B-B14F-4D97-AF65-F5344CB8AC3E}">
-        <p14:creationId xmlns:p14="http://schemas.microsoft.com/office/powerpoint/2010/main" val="844186464"/>
+        <p14:creationId xmlns:p14="http://schemas.microsoft.com/office/powerpoint/2010/main" val="908738128"/>
       </p:ext>
     </p:extLst>
   </p:cSld>
@@ -25442,7 +25579,7 @@
         </p:nvSpPr>
         <p:spPr>
           <a:xfrm>
-            <a:off x="1110933" y="232438"/>
+            <a:off x="1090613" y="151158"/>
             <a:ext cx="9905998" cy="1478570"/>
           </a:xfrm>
         </p:spPr>
@@ -25457,10 +25594,159 @@
           </a:p>
         </p:txBody>
       </p:sp>
+      <p:pic>
+        <p:nvPicPr>
+          <p:cNvPr id="4" name="Immagine 3">
+            <a:extLst>
+              <a:ext uri="{FF2B5EF4-FFF2-40B4-BE49-F238E27FC236}">
+                <a16:creationId xmlns:a16="http://schemas.microsoft.com/office/drawing/2014/main" id="{9DF8A9B6-B5E4-3DD6-8286-1CD97B11816B}"/>
+              </a:ext>
+            </a:extLst>
+          </p:cNvPr>
+          <p:cNvPicPr>
+            <a:picLocks noChangeAspect="1"/>
+          </p:cNvPicPr>
+          <p:nvPr/>
+        </p:nvPicPr>
+        <p:blipFill rotWithShape="1">
+          <a:blip r:embed="rId2"/>
+          <a:srcRect l="4118" t="7053" r="4817" b="3782"/>
+          <a:stretch/>
+        </p:blipFill>
+        <p:spPr>
+          <a:xfrm>
+            <a:off x="8899023" y="1327468"/>
+            <a:ext cx="2283646" cy="4616344"/>
+          </a:xfrm>
+          <a:prstGeom prst="rect">
+            <a:avLst/>
+          </a:prstGeom>
+        </p:spPr>
+      </p:pic>
+      <p:sp>
+        <p:nvSpPr>
+          <p:cNvPr id="5" name="CasellaDiTesto 4">
+            <a:extLst>
+              <a:ext uri="{FF2B5EF4-FFF2-40B4-BE49-F238E27FC236}">
+                <a16:creationId xmlns:a16="http://schemas.microsoft.com/office/drawing/2014/main" id="{DBCECBF1-8BE9-6750-EDB7-303ABAA8142A}"/>
+              </a:ext>
+            </a:extLst>
+          </p:cNvPr>
+          <p:cNvSpPr txBox="1"/>
+          <p:nvPr/>
+        </p:nvSpPr>
+        <p:spPr>
+          <a:xfrm>
+            <a:off x="3423920" y="1327468"/>
+            <a:ext cx="2672080" cy="2616101"/>
+          </a:xfrm>
+          <a:prstGeom prst="rect">
+            <a:avLst/>
+          </a:prstGeom>
+          <a:noFill/>
+        </p:spPr>
+        <p:txBody>
+          <a:bodyPr wrap="square" rtlCol="0">
+            <a:spAutoFit/>
+          </a:bodyPr>
+          <a:lstStyle/>
+          <a:p>
+            <a:r>
+              <a:rPr lang="it-IT" sz="2000" dirty="0"/>
+              <a:t>Dopo aver selezionato un tag, viene mostrata tutta la lista di video indicando per ognuno il titolo e lo speaker con possibilità di selezionarlo per la visualizzazione.</a:t>
+            </a:r>
+          </a:p>
+        </p:txBody>
+      </p:sp>
+      <p:pic>
+        <p:nvPicPr>
+          <p:cNvPr id="7" name="Immagine 6" descr="Immagine che contiene testo, schermata, Dispositivo mobile, Cellulare&#10;&#10;Descrizione generata automaticamente">
+            <a:extLst>
+              <a:ext uri="{FF2B5EF4-FFF2-40B4-BE49-F238E27FC236}">
+                <a16:creationId xmlns:a16="http://schemas.microsoft.com/office/drawing/2014/main" id="{2351D6F1-D28B-B724-2F9B-E3DA119AC339}"/>
+              </a:ext>
+            </a:extLst>
+          </p:cNvPr>
+          <p:cNvPicPr>
+            <a:picLocks noChangeAspect="1"/>
+          </p:cNvPicPr>
+          <p:nvPr/>
+        </p:nvPicPr>
+        <p:blipFill rotWithShape="1">
+          <a:blip r:embed="rId3">
+            <a:extLst>
+              <a:ext uri="{28A0092B-C50C-407E-A947-70E740481C1C}">
+                <a14:useLocalDpi xmlns:a14="http://schemas.microsoft.com/office/drawing/2010/main" val="0"/>
+              </a:ext>
+            </a:extLst>
+          </a:blip>
+          <a:srcRect l="3121" t="5689" r="5781" b="4450"/>
+          <a:stretch/>
+        </p:blipFill>
+        <p:spPr>
+          <a:xfrm>
+            <a:off x="1009331" y="1327468"/>
+            <a:ext cx="2303885" cy="4616344"/>
+          </a:xfrm>
+          <a:prstGeom prst="rect">
+            <a:avLst/>
+          </a:prstGeom>
+        </p:spPr>
+      </p:pic>
+      <p:sp>
+        <p:nvSpPr>
+          <p:cNvPr id="9" name="CasellaDiTesto 8">
+            <a:extLst>
+              <a:ext uri="{FF2B5EF4-FFF2-40B4-BE49-F238E27FC236}">
+                <a16:creationId xmlns:a16="http://schemas.microsoft.com/office/drawing/2014/main" id="{01BF44C2-BCD1-2A28-FBD5-597A1AF850C4}"/>
+              </a:ext>
+            </a:extLst>
+          </p:cNvPr>
+          <p:cNvSpPr txBox="1"/>
+          <p:nvPr/>
+        </p:nvSpPr>
+        <p:spPr>
+          <a:xfrm>
+            <a:off x="6177282" y="2387600"/>
+            <a:ext cx="2535683" cy="3477875"/>
+          </a:xfrm>
+          <a:prstGeom prst="rect">
+            <a:avLst/>
+          </a:prstGeom>
+          <a:noFill/>
+        </p:spPr>
+        <p:txBody>
+          <a:bodyPr wrap="square" rtlCol="0">
+            <a:spAutoFit/>
+          </a:bodyPr>
+          <a:lstStyle/>
+          <a:p>
+            <a:r>
+              <a:rPr lang="it-IT" sz="2000" dirty="0"/>
+              <a:t>La pagina di dettaglio di ogni video, dove c’è anche il frame per la riproduzione del video, permette di scrivere appunti/note sul talk corrente e salvarli.</a:t>
+            </a:r>
+            <a:br>
+              <a:rPr lang="it-IT" sz="2000" dirty="0"/>
+            </a:br>
+            <a:r>
+              <a:rPr lang="it-IT" sz="2000" dirty="0"/>
+              <a:t>Il pulsante "</a:t>
+            </a:r>
+            <a:r>
+              <a:rPr lang="it-IT" sz="2000" dirty="0">
+                <a:ea typeface="Calibri" panose="020F0502020204030204" pitchFamily="34" charset="0"/>
+                <a:cs typeface="Calibri" panose="020F0502020204030204" pitchFamily="34" charset="0"/>
+              </a:rPr>
+              <a:t>Consigliati" espone la lista di video correlati al seguente talk.</a:t>
+            </a:r>
+            <a:endParaRPr lang="it-IT" sz="2000" dirty="0"/>
+          </a:p>
+        </p:txBody>
+      </p:sp>
     </p:spTree>
     <p:extLst>
       <p:ext uri="{BB962C8B-B14F-4D97-AF65-F5344CB8AC3E}">
-        <p14:creationId xmlns:p14="http://schemas.microsoft.com/office/powerpoint/2010/main" val="908738128"/>
+        <p14:creationId xmlns:p14="http://schemas.microsoft.com/office/powerpoint/2010/main" val="3309836691"/>
       </p:ext>
     </p:extLst>
   </p:cSld>
@@ -25506,7 +25792,7 @@
         <p:spPr>
           <a:xfrm>
             <a:off x="1143000" y="552766"/>
-            <a:ext cx="9905999" cy="5055554"/>
+            <a:ext cx="9905999" cy="5431474"/>
           </a:xfrm>
         </p:spPr>
         <p:txBody>
@@ -25524,6 +25810,33 @@
             </a:r>
           </a:p>
           <a:p>
+            <a:pPr>
+              <a:spcBef>
+                <a:spcPts val="800"/>
+              </a:spcBef>
+            </a:pPr>
+            <a:r>
+              <a:rPr lang="it-IT" dirty="0"/>
+              <a:t>Gestione dei dati personali e protezione account;</a:t>
+            </a:r>
+          </a:p>
+          <a:p>
+            <a:pPr>
+              <a:spcBef>
+                <a:spcPts val="800"/>
+              </a:spcBef>
+            </a:pPr>
+            <a:r>
+              <a:rPr lang="it-IT" dirty="0"/>
+              <a:t>Generazione delle domande in modo automatico in base al video visionato;</a:t>
+            </a:r>
+          </a:p>
+          <a:p>
+            <a:pPr>
+              <a:spcBef>
+                <a:spcPts val="800"/>
+              </a:spcBef>
+            </a:pPr>
             <a:endParaRPr lang="it-IT" dirty="0"/>
           </a:p>
           <a:p>
@@ -25533,6 +25846,29 @@
             <a:r>
               <a:rPr lang="it-IT" sz="3600" dirty="0"/>
               <a:t>POSSIBILI EVOLUZIONI:</a:t>
+            </a:r>
+          </a:p>
+          <a:p>
+            <a:pPr>
+              <a:spcBef>
+                <a:spcPts val="800"/>
+              </a:spcBef>
+            </a:pPr>
+            <a:r>
+              <a:rPr lang="it-IT" dirty="0"/>
+              <a:t>Introduzione della fruizione del video all’interno dell’app;</a:t>
+            </a:r>
+          </a:p>
+          <a:p>
+            <a:r>
+              <a:rPr lang="it-IT" dirty="0"/>
+              <a:t>Possibilità di vedere la classifica dei quiz in base ai risultati conseguiti;</a:t>
+            </a:r>
+          </a:p>
+          <a:p>
+            <a:r>
+              <a:rPr lang="it-IT" dirty="0"/>
+              <a:t>Aggiunta della sezione per vedere i video già visti e quiz già eseguiti.</a:t>
             </a:r>
           </a:p>
           <a:p>
